--- a/5조-유현호.pptx
+++ b/5조-유현호.pptx
@@ -6,33 +6,35 @@
   </p:sldMasterIdLst>
   <p:sldIdLst>
     <p:sldId id="271" r:id="rId2"/>
-    <p:sldId id="257" r:id="rId3"/>
-    <p:sldId id="258" r:id="rId4"/>
-    <p:sldId id="259" r:id="rId5"/>
-    <p:sldId id="260" r:id="rId6"/>
-    <p:sldId id="261" r:id="rId7"/>
-    <p:sldId id="262" r:id="rId8"/>
-    <p:sldId id="263" r:id="rId9"/>
-    <p:sldId id="264" r:id="rId10"/>
-    <p:sldId id="265" r:id="rId11"/>
-    <p:sldId id="266" r:id="rId12"/>
-    <p:sldId id="267" r:id="rId13"/>
-    <p:sldId id="268" r:id="rId14"/>
-    <p:sldId id="269" r:id="rId15"/>
-    <p:sldId id="270" r:id="rId16"/>
+    <p:sldId id="260" r:id="rId3"/>
+    <p:sldId id="272" r:id="rId4"/>
+    <p:sldId id="273" r:id="rId5"/>
+    <p:sldId id="257" r:id="rId6"/>
+    <p:sldId id="258" r:id="rId7"/>
+    <p:sldId id="259" r:id="rId8"/>
+    <p:sldId id="261" r:id="rId9"/>
+    <p:sldId id="262" r:id="rId10"/>
+    <p:sldId id="263" r:id="rId11"/>
+    <p:sldId id="264" r:id="rId12"/>
+    <p:sldId id="265" r:id="rId13"/>
+    <p:sldId id="266" r:id="rId14"/>
+    <p:sldId id="267" r:id="rId15"/>
+    <p:sldId id="268" r:id="rId16"/>
+    <p:sldId id="269" r:id="rId17"/>
+    <p:sldId id="270" r:id="rId18"/>
   </p:sldIdLst>
   <p:sldSz cx="12192000" cy="6858000"/>
   <p:notesSz cx="6858000" cy="9144000"/>
   <p:embeddedFontLst>
     <p:embeddedFont>
       <p:font typeface="나눔고딕" panose="020D0604000000000000" pitchFamily="50" charset="-127"/>
-      <p:regular r:id="rId17"/>
-      <p:bold r:id="rId18"/>
+      <p:regular r:id="rId19"/>
+      <p:bold r:id="rId20"/>
     </p:embeddedFont>
     <p:embeddedFont>
       <p:font typeface="맑은 고딕" panose="020B0503020000020004" pitchFamily="50" charset="-127"/>
-      <p:regular r:id="rId19"/>
-      <p:bold r:id="rId20"/>
+      <p:regular r:id="rId21"/>
+      <p:bold r:id="rId22"/>
     </p:embeddedFont>
   </p:embeddedFontLst>
   <p:defaultTextStyle>
@@ -130,6 +132,11 @@
       </a:defRPr>
     </a:lvl9pPr>
   </p:defaultTextStyle>
+  <p:extLst>
+    <p:ext uri="{EFAFB233-063F-42B5-8137-9DF3F51BA10A}">
+      <p15:sldGuideLst xmlns:p15="http://schemas.microsoft.com/office/powerpoint/2012/main"/>
+    </p:ext>
+  </p:extLst>
 </p:presentation>
 </file>
 
@@ -3115,6 +3122,88 @@
           </a:p>
         </p:txBody>
       </p:sp>
+      <p:sp>
+        <p:nvSpPr>
+          <p:cNvPr id="4" name="직사각형 3"/>
+          <p:cNvSpPr/>
+          <p:nvPr/>
+        </p:nvSpPr>
+        <p:spPr>
+          <a:xfrm>
+            <a:off x="8625360" y="2465549"/>
+            <a:ext cx="1183658" cy="507077"/>
+          </a:xfrm>
+          <a:prstGeom prst="rect">
+            <a:avLst/>
+          </a:prstGeom>
+          <a:noFill/>
+          <a:ln w="28575">
+            <a:solidFill>
+              <a:srgbClr val="FF0000"/>
+            </a:solidFill>
+          </a:ln>
+        </p:spPr>
+        <p:style>
+          <a:lnRef idx="2">
+            <a:schemeClr val="accent1">
+              <a:shade val="50000"/>
+            </a:schemeClr>
+          </a:lnRef>
+          <a:fillRef idx="1">
+            <a:schemeClr val="accent1"/>
+          </a:fillRef>
+          <a:effectRef idx="0">
+            <a:schemeClr val="accent1"/>
+          </a:effectRef>
+          <a:fontRef idx="minor">
+            <a:schemeClr val="lt1"/>
+          </a:fontRef>
+        </p:style>
+        <p:txBody>
+          <a:bodyPr rtlCol="0" anchor="ctr"/>
+          <a:lstStyle/>
+          <a:p>
+            <a:pPr algn="ctr"/>
+            <a:endParaRPr lang="ko-KR" altLang="en-US"/>
+          </a:p>
+        </p:txBody>
+      </p:sp>
+      <p:cxnSp>
+        <p:nvCxnSpPr>
+          <p:cNvPr id="5" name="직선 화살표 연결선 4"/>
+          <p:cNvCxnSpPr/>
+          <p:nvPr/>
+        </p:nvCxnSpPr>
+        <p:spPr>
+          <a:xfrm>
+            <a:off x="7287011" y="1346693"/>
+            <a:ext cx="1682422" cy="448887"/>
+          </a:xfrm>
+          <a:prstGeom prst="straightConnector1">
+            <a:avLst/>
+          </a:prstGeom>
+          <a:ln w="19050">
+            <a:solidFill>
+              <a:srgbClr val="FF0000"/>
+            </a:solidFill>
+            <a:tailEnd type="triangle"/>
+          </a:ln>
+        </p:spPr>
+        <p:style>
+          <a:lnRef idx="1">
+            <a:schemeClr val="accent1"/>
+          </a:lnRef>
+          <a:fillRef idx="0">
+            <a:schemeClr val="accent1"/>
+          </a:fillRef>
+          <a:effectRef idx="0">
+            <a:schemeClr val="accent1"/>
+          </a:effectRef>
+          <a:fontRef idx="minor">
+            <a:schemeClr val="tx1"/>
+          </a:fontRef>
+        </p:style>
+      </p:cxnSp>
     </p:spTree>
     <p:extLst>
       <p:ext uri="{BB962C8B-B14F-4D97-AF65-F5344CB8AC3E}">
@@ -3136,6 +3225,1904 @@
 </file>
 
 <file path=ppt/slides/slide10.xml><?xml version="1.0" encoding="utf-8"?>
+<p:sld xmlns:a="http://schemas.openxmlformats.org/drawingml/2006/main" xmlns:r="http://schemas.openxmlformats.org/officeDocument/2006/relationships" xmlns:p="http://schemas.openxmlformats.org/presentationml/2006/main">
+  <p:cSld>
+    <p:spTree>
+      <p:nvGrpSpPr>
+        <p:cNvPr id="1" name=""/>
+        <p:cNvGrpSpPr/>
+        <p:nvPr/>
+      </p:nvGrpSpPr>
+      <p:grpSpPr>
+        <a:xfrm>
+          <a:off x="0" y="0"/>
+          <a:ext cx="0" cy="0"/>
+          <a:chOff x="0" y="0"/>
+          <a:chExt cx="0" cy="0"/>
+        </a:xfrm>
+      </p:grpSpPr>
+      <p:sp>
+        <p:nvSpPr>
+          <p:cNvPr id="6" name="직사각형 5"/>
+          <p:cNvSpPr/>
+          <p:nvPr/>
+        </p:nvSpPr>
+        <p:spPr>
+          <a:xfrm>
+            <a:off x="393442" y="335902"/>
+            <a:ext cx="4105469" cy="6228178"/>
+          </a:xfrm>
+          <a:prstGeom prst="rect">
+            <a:avLst/>
+          </a:prstGeom>
+          <a:solidFill>
+            <a:schemeClr val="bg1"/>
+          </a:solidFill>
+        </p:spPr>
+        <p:style>
+          <a:lnRef idx="2">
+            <a:schemeClr val="accent1">
+              <a:shade val="50000"/>
+            </a:schemeClr>
+          </a:lnRef>
+          <a:fillRef idx="1">
+            <a:schemeClr val="accent1"/>
+          </a:fillRef>
+          <a:effectRef idx="0">
+            <a:schemeClr val="accent1"/>
+          </a:effectRef>
+          <a:fontRef idx="minor">
+            <a:schemeClr val="lt1"/>
+          </a:fontRef>
+        </p:style>
+        <p:txBody>
+          <a:bodyPr rtlCol="0" anchor="ctr"/>
+          <a:lstStyle/>
+          <a:p>
+            <a:pPr algn="ctr"/>
+            <a:endParaRPr lang="ko-KR" altLang="en-US"/>
+          </a:p>
+        </p:txBody>
+      </p:sp>
+      <p:sp>
+        <p:nvSpPr>
+          <p:cNvPr id="3" name="타원형 설명선 2"/>
+          <p:cNvSpPr/>
+          <p:nvPr/>
+        </p:nvSpPr>
+        <p:spPr>
+          <a:xfrm>
+            <a:off x="4719737" y="6564080"/>
+            <a:ext cx="276808" cy="251928"/>
+          </a:xfrm>
+          <a:prstGeom prst="wedgeEllipseCallout">
+            <a:avLst/>
+          </a:prstGeom>
+          <a:solidFill>
+            <a:srgbClr val="FF0000"/>
+          </a:solidFill>
+        </p:spPr>
+        <p:style>
+          <a:lnRef idx="2">
+            <a:schemeClr val="accent1">
+              <a:shade val="50000"/>
+            </a:schemeClr>
+          </a:lnRef>
+          <a:fillRef idx="1">
+            <a:schemeClr val="accent1"/>
+          </a:fillRef>
+          <a:effectRef idx="0">
+            <a:schemeClr val="accent1"/>
+          </a:effectRef>
+          <a:fontRef idx="minor">
+            <a:schemeClr val="lt1"/>
+          </a:fontRef>
+        </p:style>
+        <p:txBody>
+          <a:bodyPr rtlCol="0" anchor="ctr"/>
+          <a:lstStyle/>
+          <a:p>
+            <a:pPr algn="ctr"/>
+            <a:r>
+              <a:rPr lang="en-US" altLang="ko-KR" dirty="0"/>
+              <a:t>1</a:t>
+            </a:r>
+            <a:endParaRPr lang="ko-KR" altLang="en-US" dirty="0"/>
+          </a:p>
+        </p:txBody>
+      </p:sp>
+      <p:sp>
+        <p:nvSpPr>
+          <p:cNvPr id="13" name="타원형 설명선 12"/>
+          <p:cNvSpPr/>
+          <p:nvPr/>
+        </p:nvSpPr>
+        <p:spPr>
+          <a:xfrm>
+            <a:off x="5138058" y="6568748"/>
+            <a:ext cx="276808" cy="251928"/>
+          </a:xfrm>
+          <a:prstGeom prst="wedgeEllipseCallout">
+            <a:avLst/>
+          </a:prstGeom>
+          <a:solidFill>
+            <a:srgbClr val="FF0000"/>
+          </a:solidFill>
+        </p:spPr>
+        <p:style>
+          <a:lnRef idx="2">
+            <a:schemeClr val="accent1">
+              <a:shade val="50000"/>
+            </a:schemeClr>
+          </a:lnRef>
+          <a:fillRef idx="1">
+            <a:schemeClr val="accent1"/>
+          </a:fillRef>
+          <a:effectRef idx="0">
+            <a:schemeClr val="accent1"/>
+          </a:effectRef>
+          <a:fontRef idx="minor">
+            <a:schemeClr val="lt1"/>
+          </a:fontRef>
+        </p:style>
+        <p:txBody>
+          <a:bodyPr rtlCol="0" anchor="ctr"/>
+          <a:lstStyle/>
+          <a:p>
+            <a:pPr algn="ctr"/>
+            <a:r>
+              <a:rPr lang="en-US" altLang="ko-KR" dirty="0" smtClean="0"/>
+              <a:t>2</a:t>
+            </a:r>
+            <a:endParaRPr lang="ko-KR" altLang="en-US" dirty="0"/>
+          </a:p>
+        </p:txBody>
+      </p:sp>
+      <p:sp>
+        <p:nvSpPr>
+          <p:cNvPr id="14" name="타원형 설명선 13"/>
+          <p:cNvSpPr/>
+          <p:nvPr/>
+        </p:nvSpPr>
+        <p:spPr>
+          <a:xfrm>
+            <a:off x="5545495" y="6568748"/>
+            <a:ext cx="276808" cy="251928"/>
+          </a:xfrm>
+          <a:prstGeom prst="wedgeEllipseCallout">
+            <a:avLst/>
+          </a:prstGeom>
+          <a:solidFill>
+            <a:srgbClr val="FF0000"/>
+          </a:solidFill>
+        </p:spPr>
+        <p:style>
+          <a:lnRef idx="2">
+            <a:schemeClr val="accent1">
+              <a:shade val="50000"/>
+            </a:schemeClr>
+          </a:lnRef>
+          <a:fillRef idx="1">
+            <a:schemeClr val="accent1"/>
+          </a:fillRef>
+          <a:effectRef idx="0">
+            <a:schemeClr val="accent1"/>
+          </a:effectRef>
+          <a:fontRef idx="minor">
+            <a:schemeClr val="lt1"/>
+          </a:fontRef>
+        </p:style>
+        <p:txBody>
+          <a:bodyPr rtlCol="0" anchor="ctr"/>
+          <a:lstStyle/>
+          <a:p>
+            <a:pPr algn="ctr"/>
+            <a:r>
+              <a:rPr lang="en-US" altLang="ko-KR" sz="1600" dirty="0" smtClean="0"/>
+              <a:t>3</a:t>
+            </a:r>
+            <a:endParaRPr lang="ko-KR" altLang="en-US" sz="1600" dirty="0"/>
+          </a:p>
+        </p:txBody>
+      </p:sp>
+      <p:sp>
+        <p:nvSpPr>
+          <p:cNvPr id="15" name="타원형 설명선 14"/>
+          <p:cNvSpPr/>
+          <p:nvPr/>
+        </p:nvSpPr>
+        <p:spPr>
+          <a:xfrm>
+            <a:off x="5952932" y="6568748"/>
+            <a:ext cx="276808" cy="251928"/>
+          </a:xfrm>
+          <a:prstGeom prst="wedgeEllipseCallout">
+            <a:avLst/>
+          </a:prstGeom>
+          <a:solidFill>
+            <a:srgbClr val="FF0000"/>
+          </a:solidFill>
+        </p:spPr>
+        <p:style>
+          <a:lnRef idx="2">
+            <a:schemeClr val="accent1">
+              <a:shade val="50000"/>
+            </a:schemeClr>
+          </a:lnRef>
+          <a:fillRef idx="1">
+            <a:schemeClr val="accent1"/>
+          </a:fillRef>
+          <a:effectRef idx="0">
+            <a:schemeClr val="accent1"/>
+          </a:effectRef>
+          <a:fontRef idx="minor">
+            <a:schemeClr val="lt1"/>
+          </a:fontRef>
+        </p:style>
+        <p:txBody>
+          <a:bodyPr rtlCol="0" anchor="ctr"/>
+          <a:lstStyle/>
+          <a:p>
+            <a:pPr algn="ctr"/>
+            <a:r>
+              <a:rPr lang="en-US" altLang="ko-KR" sz="1600" dirty="0" smtClean="0"/>
+              <a:t>4</a:t>
+            </a:r>
+            <a:endParaRPr lang="ko-KR" altLang="en-US" sz="1600" dirty="0"/>
+          </a:p>
+        </p:txBody>
+      </p:sp>
+      <p:sp>
+        <p:nvSpPr>
+          <p:cNvPr id="16" name="타원형 설명선 15"/>
+          <p:cNvSpPr/>
+          <p:nvPr/>
+        </p:nvSpPr>
+        <p:spPr>
+          <a:xfrm>
+            <a:off x="6360369" y="6568748"/>
+            <a:ext cx="276808" cy="251928"/>
+          </a:xfrm>
+          <a:prstGeom prst="wedgeEllipseCallout">
+            <a:avLst/>
+          </a:prstGeom>
+          <a:solidFill>
+            <a:srgbClr val="FF0000"/>
+          </a:solidFill>
+        </p:spPr>
+        <p:style>
+          <a:lnRef idx="2">
+            <a:schemeClr val="accent1">
+              <a:shade val="50000"/>
+            </a:schemeClr>
+          </a:lnRef>
+          <a:fillRef idx="1">
+            <a:schemeClr val="accent1"/>
+          </a:fillRef>
+          <a:effectRef idx="0">
+            <a:schemeClr val="accent1"/>
+          </a:effectRef>
+          <a:fontRef idx="minor">
+            <a:schemeClr val="lt1"/>
+          </a:fontRef>
+        </p:style>
+        <p:txBody>
+          <a:bodyPr rtlCol="0" anchor="ctr"/>
+          <a:lstStyle/>
+          <a:p>
+            <a:pPr algn="ctr"/>
+            <a:r>
+              <a:rPr lang="en-US" altLang="ko-KR" sz="1600" dirty="0"/>
+              <a:t>5</a:t>
+            </a:r>
+            <a:endParaRPr lang="ko-KR" altLang="en-US" sz="1600" dirty="0"/>
+          </a:p>
+        </p:txBody>
+      </p:sp>
+      <p:pic>
+        <p:nvPicPr>
+          <p:cNvPr id="2" name="그림 1"/>
+          <p:cNvPicPr>
+            <a:picLocks noChangeAspect="1"/>
+          </p:cNvPicPr>
+          <p:nvPr/>
+        </p:nvPicPr>
+        <p:blipFill>
+          <a:blip r:embed="rId2"/>
+          <a:stretch>
+            <a:fillRect/>
+          </a:stretch>
+        </p:blipFill>
+        <p:spPr>
+          <a:xfrm>
+            <a:off x="393442" y="335901"/>
+            <a:ext cx="4105469" cy="6228178"/>
+          </a:xfrm>
+          <a:prstGeom prst="rect">
+            <a:avLst/>
+          </a:prstGeom>
+        </p:spPr>
+      </p:pic>
+      <p:graphicFrame>
+        <p:nvGraphicFramePr>
+          <p:cNvPr id="11" name="표 10"/>
+          <p:cNvGraphicFramePr>
+            <a:graphicFrameLocks noGrp="1"/>
+          </p:cNvGraphicFramePr>
+          <p:nvPr>
+            <p:extLst/>
+          </p:nvPr>
+        </p:nvGraphicFramePr>
+        <p:xfrm>
+          <a:off x="4730621" y="335901"/>
+          <a:ext cx="7156580" cy="6257361"/>
+        </p:xfrm>
+        <a:graphic>
+          <a:graphicData uri="http://schemas.openxmlformats.org/drawingml/2006/table">
+            <a:tbl>
+              <a:tblPr firstRow="1" bandRow="1">
+                <a:tableStyleId>{5C22544A-7EE6-4342-B048-85BDC9FD1C3A}</a:tableStyleId>
+              </a:tblPr>
+              <a:tblGrid>
+                <a:gridCol w="3578290">
+                  <a:extLst>
+                    <a:ext uri="{9D8B030D-6E8A-4147-A177-3AD203B41FA5}">
+                      <a16:colId xmlns:a16="http://schemas.microsoft.com/office/drawing/2014/main" val="351070394"/>
+                    </a:ext>
+                  </a:extLst>
+                </a:gridCol>
+                <a:gridCol w="3578290">
+                  <a:extLst>
+                    <a:ext uri="{9D8B030D-6E8A-4147-A177-3AD203B41FA5}">
+                      <a16:colId xmlns:a16="http://schemas.microsoft.com/office/drawing/2014/main" val="3761585973"/>
+                    </a:ext>
+                  </a:extLst>
+                </a:gridCol>
+              </a:tblGrid>
+              <a:tr h="351168">
+                <a:tc gridSpan="2">
+                  <a:txBody>
+                    <a:bodyPr/>
+                    <a:lstStyle/>
+                    <a:p>
+                      <a:pPr algn="ctr" latinLnBrk="1"/>
+                      <a:r>
+                        <a:rPr lang="en-US" altLang="ko-KR" baseline="0" dirty="0" smtClean="0">
+                          <a:solidFill>
+                            <a:schemeClr val="tx1"/>
+                          </a:solidFill>
+                          <a:ea typeface="나눔고딕" panose="020D0604000000000000" pitchFamily="50" charset="-127"/>
+                        </a:rPr>
+                        <a:t>footer(</a:t>
+                      </a:r>
+                      <a:r>
+                        <a:rPr lang="ko-KR" altLang="en-US" baseline="0" dirty="0" smtClean="0">
+                          <a:solidFill>
+                            <a:schemeClr val="tx1"/>
+                          </a:solidFill>
+                          <a:ea typeface="나눔고딕" panose="020D0604000000000000" pitchFamily="50" charset="-127"/>
+                        </a:rPr>
+                        <a:t>문의하기</a:t>
+                      </a:r>
+                      <a:r>
+                        <a:rPr lang="en-US" altLang="ko-KR" baseline="0" dirty="0" smtClean="0">
+                          <a:solidFill>
+                            <a:schemeClr val="tx1"/>
+                          </a:solidFill>
+                          <a:ea typeface="나눔고딕" panose="020D0604000000000000" pitchFamily="50" charset="-127"/>
+                        </a:rPr>
+                        <a:t>) mobile </a:t>
+                      </a:r>
+                      <a:r>
+                        <a:rPr lang="ko-KR" altLang="en-US" baseline="0" dirty="0" smtClean="0">
+                          <a:solidFill>
+                            <a:schemeClr val="tx1"/>
+                          </a:solidFill>
+                          <a:ea typeface="나눔고딕" panose="020D0604000000000000" pitchFamily="50" charset="-127"/>
+                        </a:rPr>
+                        <a:t>화면</a:t>
+                      </a:r>
+                      <a:endParaRPr lang="ko-KR" altLang="en-US" dirty="0">
+                        <a:solidFill>
+                          <a:schemeClr val="tx1"/>
+                        </a:solidFill>
+                        <a:ea typeface="나눔고딕" panose="020D0604000000000000" pitchFamily="50" charset="-127"/>
+                      </a:endParaRPr>
+                    </a:p>
+                  </a:txBody>
+                  <a:tcPr anchor="ctr">
+                    <a:lnB w="12700" cap="flat" cmpd="sng" algn="ctr">
+                      <a:solidFill>
+                        <a:schemeClr val="tx1"/>
+                      </a:solidFill>
+                      <a:prstDash val="solid"/>
+                      <a:round/>
+                      <a:headEnd type="none" w="med" len="med"/>
+                      <a:tailEnd type="none" w="med" len="med"/>
+                    </a:lnB>
+                    <a:solidFill>
+                      <a:schemeClr val="accent1">
+                        <a:lumMod val="20000"/>
+                        <a:lumOff val="80000"/>
+                      </a:schemeClr>
+                    </a:solidFill>
+                  </a:tcPr>
+                </a:tc>
+                <a:tc hMerge="1">
+                  <a:txBody>
+                    <a:bodyPr/>
+                    <a:lstStyle/>
+                    <a:p>
+                      <a:pPr algn="ctr" latinLnBrk="1"/>
+                      <a:endParaRPr lang="ko-KR" altLang="en-US" dirty="0">
+                        <a:solidFill>
+                          <a:schemeClr val="tx1"/>
+                        </a:solidFill>
+                        <a:ea typeface="나눔고딕" panose="020D0604000000000000" pitchFamily="50" charset="-127"/>
+                      </a:endParaRPr>
+                    </a:p>
+                  </a:txBody>
+                  <a:tcPr anchor="ctr">
+                    <a:solidFill>
+                      <a:schemeClr val="accent1">
+                        <a:lumMod val="20000"/>
+                        <a:lumOff val="80000"/>
+                      </a:schemeClr>
+                    </a:solidFill>
+                  </a:tcPr>
+                </a:tc>
+                <a:extLst>
+                  <a:ext uri="{0D108BD9-81ED-4DB2-BD59-A6C34878D82A}">
+                    <a16:rowId xmlns:a16="http://schemas.microsoft.com/office/drawing/2014/main" val="3996157874"/>
+                  </a:ext>
+                </a:extLst>
+              </a:tr>
+              <a:tr h="351168">
+                <a:tc>
+                  <a:txBody>
+                    <a:bodyPr/>
+                    <a:lstStyle/>
+                    <a:p>
+                      <a:pPr algn="ctr" latinLnBrk="1"/>
+                      <a:r>
+                        <a:rPr lang="ko-KR" altLang="en-US" dirty="0" smtClean="0">
+                          <a:solidFill>
+                            <a:schemeClr val="tx1"/>
+                          </a:solidFill>
+                          <a:ea typeface="나눔고딕" panose="020D0604000000000000" pitchFamily="50" charset="-127"/>
+                        </a:rPr>
+                        <a:t>스토리보드</a:t>
+                      </a:r>
+                      <a:endParaRPr lang="ko-KR" altLang="en-US" dirty="0">
+                        <a:solidFill>
+                          <a:schemeClr val="tx1"/>
+                        </a:solidFill>
+                        <a:ea typeface="나눔고딕" panose="020D0604000000000000" pitchFamily="50" charset="-127"/>
+                      </a:endParaRPr>
+                    </a:p>
+                  </a:txBody>
+                  <a:tcPr anchor="ctr">
+                    <a:lnL w="12700" cap="flat" cmpd="sng" algn="ctr">
+                      <a:solidFill>
+                        <a:schemeClr val="tx1"/>
+                      </a:solidFill>
+                      <a:prstDash val="solid"/>
+                      <a:round/>
+                      <a:headEnd type="none" w="med" len="med"/>
+                      <a:tailEnd type="none" w="med" len="med"/>
+                    </a:lnL>
+                    <a:lnR w="12700" cap="flat" cmpd="sng" algn="ctr">
+                      <a:solidFill>
+                        <a:schemeClr val="tx1"/>
+                      </a:solidFill>
+                      <a:prstDash val="solid"/>
+                      <a:round/>
+                      <a:headEnd type="none" w="med" len="med"/>
+                      <a:tailEnd type="none" w="med" len="med"/>
+                    </a:lnR>
+                    <a:lnT w="12700" cap="flat" cmpd="sng" algn="ctr">
+                      <a:solidFill>
+                        <a:schemeClr val="tx1"/>
+                      </a:solidFill>
+                      <a:prstDash val="solid"/>
+                      <a:round/>
+                      <a:headEnd type="none" w="med" len="med"/>
+                      <a:tailEnd type="none" w="med" len="med"/>
+                    </a:lnT>
+                    <a:lnB w="12700" cap="flat" cmpd="sng" algn="ctr">
+                      <a:solidFill>
+                        <a:schemeClr val="tx1"/>
+                      </a:solidFill>
+                      <a:prstDash val="solid"/>
+                      <a:round/>
+                      <a:headEnd type="none" w="med" len="med"/>
+                      <a:tailEnd type="none" w="med" len="med"/>
+                    </a:lnB>
+                    <a:solidFill>
+                      <a:schemeClr val="accent1">
+                        <a:lumMod val="20000"/>
+                        <a:lumOff val="80000"/>
+                      </a:schemeClr>
+                    </a:solidFill>
+                  </a:tcPr>
+                </a:tc>
+                <a:tc>
+                  <a:txBody>
+                    <a:bodyPr/>
+                    <a:lstStyle/>
+                    <a:p>
+                      <a:pPr algn="ctr" latinLnBrk="1"/>
+                      <a:r>
+                        <a:rPr lang="ko-KR" altLang="en-US" dirty="0" smtClean="0">
+                          <a:solidFill>
+                            <a:schemeClr val="tx1"/>
+                          </a:solidFill>
+                          <a:ea typeface="나눔고딕" panose="020D0604000000000000" pitchFamily="50" charset="-127"/>
+                        </a:rPr>
+                        <a:t>구현</a:t>
+                      </a:r>
+                      <a:endParaRPr lang="ko-KR" altLang="en-US" dirty="0">
+                        <a:solidFill>
+                          <a:schemeClr val="tx1"/>
+                        </a:solidFill>
+                        <a:ea typeface="나눔고딕" panose="020D0604000000000000" pitchFamily="50" charset="-127"/>
+                      </a:endParaRPr>
+                    </a:p>
+                  </a:txBody>
+                  <a:tcPr anchor="ctr">
+                    <a:lnL w="12700" cap="flat" cmpd="sng" algn="ctr">
+                      <a:solidFill>
+                        <a:schemeClr val="tx1"/>
+                      </a:solidFill>
+                      <a:prstDash val="solid"/>
+                      <a:round/>
+                      <a:headEnd type="none" w="med" len="med"/>
+                      <a:tailEnd type="none" w="med" len="med"/>
+                    </a:lnL>
+                    <a:lnR w="12700" cap="flat" cmpd="sng" algn="ctr">
+                      <a:solidFill>
+                        <a:schemeClr val="tx1"/>
+                      </a:solidFill>
+                      <a:prstDash val="solid"/>
+                      <a:round/>
+                      <a:headEnd type="none" w="med" len="med"/>
+                      <a:tailEnd type="none" w="med" len="med"/>
+                    </a:lnR>
+                    <a:lnT w="12700" cap="flat" cmpd="sng" algn="ctr">
+                      <a:solidFill>
+                        <a:schemeClr val="tx1"/>
+                      </a:solidFill>
+                      <a:prstDash val="solid"/>
+                      <a:round/>
+                      <a:headEnd type="none" w="med" len="med"/>
+                      <a:tailEnd type="none" w="med" len="med"/>
+                    </a:lnT>
+                    <a:lnB w="12700" cap="flat" cmpd="sng" algn="ctr">
+                      <a:solidFill>
+                        <a:schemeClr val="tx1"/>
+                      </a:solidFill>
+                      <a:prstDash val="solid"/>
+                      <a:round/>
+                      <a:headEnd type="none" w="med" len="med"/>
+                      <a:tailEnd type="none" w="med" len="med"/>
+                    </a:lnB>
+                    <a:solidFill>
+                      <a:schemeClr val="accent1">
+                        <a:lumMod val="20000"/>
+                        <a:lumOff val="80000"/>
+                      </a:schemeClr>
+                    </a:solidFill>
+                  </a:tcPr>
+                </a:tc>
+                <a:extLst>
+                  <a:ext uri="{0D108BD9-81ED-4DB2-BD59-A6C34878D82A}">
+                    <a16:rowId xmlns:a16="http://schemas.microsoft.com/office/drawing/2014/main" val="2077121834"/>
+                  </a:ext>
+                </a:extLst>
+              </a:tr>
+              <a:tr h="1105168">
+                <a:tc>
+                  <a:txBody>
+                    <a:bodyPr/>
+                    <a:lstStyle/>
+                    <a:p>
+                      <a:pPr latinLnBrk="1"/>
+                      <a:endParaRPr lang="ko-KR" altLang="en-US" dirty="0">
+                        <a:ea typeface="나눔고딕" panose="020D0604000000000000" pitchFamily="50" charset="-127"/>
+                      </a:endParaRPr>
+                    </a:p>
+                  </a:txBody>
+                  <a:tcPr marL="180000" marR="72000" marT="180000">
+                    <a:lnL w="12700" cmpd="sng">
+                      <a:noFill/>
+                    </a:lnL>
+                    <a:lnR w="12700" cap="flat" cmpd="sng" algn="ctr">
+                      <a:solidFill>
+                        <a:schemeClr val="tx1"/>
+                      </a:solidFill>
+                      <a:prstDash val="solid"/>
+                      <a:round/>
+                      <a:headEnd type="none" w="med" len="med"/>
+                      <a:tailEnd type="none" w="med" len="med"/>
+                    </a:lnR>
+                    <a:lnT w="12700" cap="flat" cmpd="sng" algn="ctr">
+                      <a:solidFill>
+                        <a:schemeClr val="tx1"/>
+                      </a:solidFill>
+                      <a:prstDash val="solid"/>
+                      <a:round/>
+                      <a:headEnd type="none" w="med" len="med"/>
+                      <a:tailEnd type="none" w="med" len="med"/>
+                    </a:lnT>
+                    <a:lnB w="12700" cmpd="sng">
+                      <a:noFill/>
+                    </a:lnB>
+                    <a:lnTlToBr w="12700" cmpd="sng">
+                      <a:noFill/>
+                      <a:prstDash val="solid"/>
+                    </a:lnTlToBr>
+                    <a:lnBlToTr w="12700" cmpd="sng">
+                      <a:noFill/>
+                      <a:prstDash val="solid"/>
+                    </a:lnBlToTr>
+                    <a:solidFill>
+                      <a:schemeClr val="bg1">
+                        <a:lumMod val="95000"/>
+                      </a:schemeClr>
+                    </a:solidFill>
+                  </a:tcPr>
+                </a:tc>
+                <a:tc>
+                  <a:txBody>
+                    <a:bodyPr/>
+                    <a:lstStyle/>
+                    <a:p>
+                      <a:pPr latinLnBrk="1"/>
+                      <a:endParaRPr lang="ko-KR" altLang="en-US" dirty="0">
+                        <a:ea typeface="나눔고딕" panose="020D0604000000000000" pitchFamily="50" charset="-127"/>
+                      </a:endParaRPr>
+                    </a:p>
+                  </a:txBody>
+                  <a:tcPr marL="180000" marR="72000" marT="180000">
+                    <a:lnL w="12700" cap="flat" cmpd="sng" algn="ctr">
+                      <a:solidFill>
+                        <a:schemeClr val="tx1"/>
+                      </a:solidFill>
+                      <a:prstDash val="solid"/>
+                      <a:round/>
+                      <a:headEnd type="none" w="med" len="med"/>
+                      <a:tailEnd type="none" w="med" len="med"/>
+                    </a:lnL>
+                    <a:lnT w="12700" cap="flat" cmpd="sng" algn="ctr">
+                      <a:solidFill>
+                        <a:schemeClr val="tx1"/>
+                      </a:solidFill>
+                      <a:prstDash val="solid"/>
+                      <a:round/>
+                      <a:headEnd type="none" w="med" len="med"/>
+                      <a:tailEnd type="none" w="med" len="med"/>
+                    </a:lnT>
+                    <a:solidFill>
+                      <a:schemeClr val="bg1">
+                        <a:lumMod val="95000"/>
+                      </a:schemeClr>
+                    </a:solidFill>
+                  </a:tcPr>
+                </a:tc>
+                <a:extLst>
+                  <a:ext uri="{0D108BD9-81ED-4DB2-BD59-A6C34878D82A}">
+                    <a16:rowId xmlns:a16="http://schemas.microsoft.com/office/drawing/2014/main" val="2443125590"/>
+                  </a:ext>
+                </a:extLst>
+              </a:tr>
+              <a:tr h="1105168">
+                <a:tc>
+                  <a:txBody>
+                    <a:bodyPr/>
+                    <a:lstStyle/>
+                    <a:p>
+                      <a:pPr latinLnBrk="1"/>
+                      <a:endParaRPr lang="ko-KR" altLang="en-US" dirty="0">
+                        <a:ea typeface="나눔고딕" panose="020D0604000000000000" pitchFamily="50" charset="-127"/>
+                      </a:endParaRPr>
+                    </a:p>
+                  </a:txBody>
+                  <a:tcPr marL="180000" marR="72000" marT="180000">
+                    <a:lnL w="12700" cmpd="sng">
+                      <a:noFill/>
+                    </a:lnL>
+                    <a:lnR w="12700" cap="flat" cmpd="sng" algn="ctr">
+                      <a:solidFill>
+                        <a:schemeClr val="tx1"/>
+                      </a:solidFill>
+                      <a:prstDash val="solid"/>
+                      <a:round/>
+                      <a:headEnd type="none" w="med" len="med"/>
+                      <a:tailEnd type="none" w="med" len="med"/>
+                    </a:lnR>
+                    <a:lnT w="12700" cmpd="sng">
+                      <a:noFill/>
+                    </a:lnT>
+                    <a:lnB w="12700" cmpd="sng">
+                      <a:noFill/>
+                    </a:lnB>
+                    <a:lnTlToBr w="12700" cmpd="sng">
+                      <a:noFill/>
+                      <a:prstDash val="solid"/>
+                    </a:lnTlToBr>
+                    <a:lnBlToTr w="12700" cmpd="sng">
+                      <a:noFill/>
+                      <a:prstDash val="solid"/>
+                    </a:lnBlToTr>
+                    <a:solidFill>
+                      <a:schemeClr val="bg1">
+                        <a:lumMod val="95000"/>
+                      </a:schemeClr>
+                    </a:solidFill>
+                  </a:tcPr>
+                </a:tc>
+                <a:tc>
+                  <a:txBody>
+                    <a:bodyPr/>
+                    <a:lstStyle/>
+                    <a:p>
+                      <a:pPr latinLnBrk="1"/>
+                      <a:endParaRPr lang="ko-KR" altLang="en-US" dirty="0">
+                        <a:ea typeface="나눔고딕" panose="020D0604000000000000" pitchFamily="50" charset="-127"/>
+                      </a:endParaRPr>
+                    </a:p>
+                  </a:txBody>
+                  <a:tcPr marL="180000" marR="72000" marT="180000">
+                    <a:lnL w="12700" cap="flat" cmpd="sng" algn="ctr">
+                      <a:solidFill>
+                        <a:schemeClr val="tx1"/>
+                      </a:solidFill>
+                      <a:prstDash val="solid"/>
+                      <a:round/>
+                      <a:headEnd type="none" w="med" len="med"/>
+                      <a:tailEnd type="none" w="med" len="med"/>
+                    </a:lnL>
+                    <a:solidFill>
+                      <a:schemeClr val="bg1">
+                        <a:lumMod val="95000"/>
+                      </a:schemeClr>
+                    </a:solidFill>
+                  </a:tcPr>
+                </a:tc>
+                <a:extLst>
+                  <a:ext uri="{0D108BD9-81ED-4DB2-BD59-A6C34878D82A}">
+                    <a16:rowId xmlns:a16="http://schemas.microsoft.com/office/drawing/2014/main" val="351888798"/>
+                  </a:ext>
+                </a:extLst>
+              </a:tr>
+              <a:tr h="1105169">
+                <a:tc>
+                  <a:txBody>
+                    <a:bodyPr/>
+                    <a:lstStyle/>
+                    <a:p>
+                      <a:pPr latinLnBrk="1"/>
+                      <a:endParaRPr lang="ko-KR" altLang="en-US" dirty="0">
+                        <a:ea typeface="나눔고딕" panose="020D0604000000000000" pitchFamily="50" charset="-127"/>
+                      </a:endParaRPr>
+                    </a:p>
+                  </a:txBody>
+                  <a:tcPr marL="180000" marR="72000" marT="180000">
+                    <a:lnL w="12700" cmpd="sng">
+                      <a:noFill/>
+                    </a:lnL>
+                    <a:lnR w="12700" cap="flat" cmpd="sng" algn="ctr">
+                      <a:solidFill>
+                        <a:schemeClr val="tx1"/>
+                      </a:solidFill>
+                      <a:prstDash val="solid"/>
+                      <a:round/>
+                      <a:headEnd type="none" w="med" len="med"/>
+                      <a:tailEnd type="none" w="med" len="med"/>
+                    </a:lnR>
+                    <a:lnT w="12700" cmpd="sng">
+                      <a:noFill/>
+                    </a:lnT>
+                    <a:lnB w="12700" cmpd="sng">
+                      <a:noFill/>
+                    </a:lnB>
+                    <a:lnTlToBr w="12700" cmpd="sng">
+                      <a:noFill/>
+                      <a:prstDash val="solid"/>
+                    </a:lnTlToBr>
+                    <a:lnBlToTr w="12700" cmpd="sng">
+                      <a:noFill/>
+                      <a:prstDash val="solid"/>
+                    </a:lnBlToTr>
+                    <a:solidFill>
+                      <a:schemeClr val="bg1">
+                        <a:lumMod val="95000"/>
+                      </a:schemeClr>
+                    </a:solidFill>
+                  </a:tcPr>
+                </a:tc>
+                <a:tc>
+                  <a:txBody>
+                    <a:bodyPr/>
+                    <a:lstStyle/>
+                    <a:p>
+                      <a:pPr latinLnBrk="1"/>
+                      <a:endParaRPr lang="ko-KR" altLang="en-US" dirty="0">
+                        <a:ea typeface="나눔고딕" panose="020D0604000000000000" pitchFamily="50" charset="-127"/>
+                      </a:endParaRPr>
+                    </a:p>
+                  </a:txBody>
+                  <a:tcPr marL="180000" marR="72000" marT="180000">
+                    <a:lnL w="12700" cap="flat" cmpd="sng" algn="ctr">
+                      <a:solidFill>
+                        <a:schemeClr val="tx1"/>
+                      </a:solidFill>
+                      <a:prstDash val="solid"/>
+                      <a:round/>
+                      <a:headEnd type="none" w="med" len="med"/>
+                      <a:tailEnd type="none" w="med" len="med"/>
+                    </a:lnL>
+                    <a:solidFill>
+                      <a:schemeClr val="bg1">
+                        <a:lumMod val="95000"/>
+                      </a:schemeClr>
+                    </a:solidFill>
+                  </a:tcPr>
+                </a:tc>
+                <a:extLst>
+                  <a:ext uri="{0D108BD9-81ED-4DB2-BD59-A6C34878D82A}">
+                    <a16:rowId xmlns:a16="http://schemas.microsoft.com/office/drawing/2014/main" val="1836297606"/>
+                  </a:ext>
+                </a:extLst>
+              </a:tr>
+              <a:tr h="1105168">
+                <a:tc>
+                  <a:txBody>
+                    <a:bodyPr/>
+                    <a:lstStyle/>
+                    <a:p>
+                      <a:pPr latinLnBrk="1"/>
+                      <a:endParaRPr lang="ko-KR" altLang="en-US" dirty="0">
+                        <a:ea typeface="나눔고딕" panose="020D0604000000000000" pitchFamily="50" charset="-127"/>
+                      </a:endParaRPr>
+                    </a:p>
+                  </a:txBody>
+                  <a:tcPr marL="180000" marR="72000" marT="180000">
+                    <a:lnL w="12700" cmpd="sng">
+                      <a:noFill/>
+                    </a:lnL>
+                    <a:lnR w="12700" cap="flat" cmpd="sng" algn="ctr">
+                      <a:solidFill>
+                        <a:schemeClr val="tx1"/>
+                      </a:solidFill>
+                      <a:prstDash val="solid"/>
+                      <a:round/>
+                      <a:headEnd type="none" w="med" len="med"/>
+                      <a:tailEnd type="none" w="med" len="med"/>
+                    </a:lnR>
+                    <a:lnT w="12700" cmpd="sng">
+                      <a:noFill/>
+                    </a:lnT>
+                    <a:lnB w="12700" cmpd="sng">
+                      <a:noFill/>
+                    </a:lnB>
+                    <a:lnTlToBr w="12700" cmpd="sng">
+                      <a:noFill/>
+                      <a:prstDash val="solid"/>
+                    </a:lnTlToBr>
+                    <a:lnBlToTr w="12700" cmpd="sng">
+                      <a:noFill/>
+                      <a:prstDash val="solid"/>
+                    </a:lnBlToTr>
+                    <a:solidFill>
+                      <a:schemeClr val="bg1">
+                        <a:lumMod val="95000"/>
+                      </a:schemeClr>
+                    </a:solidFill>
+                  </a:tcPr>
+                </a:tc>
+                <a:tc>
+                  <a:txBody>
+                    <a:bodyPr/>
+                    <a:lstStyle/>
+                    <a:p>
+                      <a:pPr latinLnBrk="1"/>
+                      <a:endParaRPr lang="ko-KR" altLang="en-US" dirty="0">
+                        <a:ea typeface="나눔고딕" panose="020D0604000000000000" pitchFamily="50" charset="-127"/>
+                      </a:endParaRPr>
+                    </a:p>
+                  </a:txBody>
+                  <a:tcPr marL="180000" marR="72000" marT="180000">
+                    <a:lnL w="12700" cap="flat" cmpd="sng" algn="ctr">
+                      <a:solidFill>
+                        <a:schemeClr val="tx1"/>
+                      </a:solidFill>
+                      <a:prstDash val="solid"/>
+                      <a:round/>
+                      <a:headEnd type="none" w="med" len="med"/>
+                      <a:tailEnd type="none" w="med" len="med"/>
+                    </a:lnL>
+                    <a:solidFill>
+                      <a:schemeClr val="bg1">
+                        <a:lumMod val="95000"/>
+                      </a:schemeClr>
+                    </a:solidFill>
+                  </a:tcPr>
+                </a:tc>
+                <a:extLst>
+                  <a:ext uri="{0D108BD9-81ED-4DB2-BD59-A6C34878D82A}">
+                    <a16:rowId xmlns:a16="http://schemas.microsoft.com/office/drawing/2014/main" val="2071471467"/>
+                  </a:ext>
+                </a:extLst>
+              </a:tr>
+              <a:tr h="1105168">
+                <a:tc>
+                  <a:txBody>
+                    <a:bodyPr/>
+                    <a:lstStyle/>
+                    <a:p>
+                      <a:pPr latinLnBrk="1"/>
+                      <a:endParaRPr lang="ko-KR" altLang="en-US" dirty="0">
+                        <a:ea typeface="나눔고딕" panose="020D0604000000000000" pitchFamily="50" charset="-127"/>
+                      </a:endParaRPr>
+                    </a:p>
+                  </a:txBody>
+                  <a:tcPr marL="180000" marR="72000" marT="180000">
+                    <a:lnL w="12700" cmpd="sng">
+                      <a:noFill/>
+                    </a:lnL>
+                    <a:lnR w="12700" cap="flat" cmpd="sng" algn="ctr">
+                      <a:solidFill>
+                        <a:schemeClr val="tx1"/>
+                      </a:solidFill>
+                      <a:prstDash val="solid"/>
+                      <a:round/>
+                      <a:headEnd type="none" w="med" len="med"/>
+                      <a:tailEnd type="none" w="med" len="med"/>
+                    </a:lnR>
+                    <a:lnT w="12700" cmpd="sng">
+                      <a:noFill/>
+                    </a:lnT>
+                    <a:lnB w="12700" cmpd="sng">
+                      <a:noFill/>
+                    </a:lnB>
+                    <a:lnTlToBr w="12700" cmpd="sng">
+                      <a:noFill/>
+                      <a:prstDash val="solid"/>
+                    </a:lnTlToBr>
+                    <a:lnBlToTr w="12700" cmpd="sng">
+                      <a:noFill/>
+                      <a:prstDash val="solid"/>
+                    </a:lnBlToTr>
+                    <a:solidFill>
+                      <a:schemeClr val="bg1">
+                        <a:lumMod val="95000"/>
+                      </a:schemeClr>
+                    </a:solidFill>
+                  </a:tcPr>
+                </a:tc>
+                <a:tc>
+                  <a:txBody>
+                    <a:bodyPr/>
+                    <a:lstStyle/>
+                    <a:p>
+                      <a:pPr latinLnBrk="1"/>
+                      <a:endParaRPr lang="ko-KR" altLang="en-US" dirty="0">
+                        <a:ea typeface="나눔고딕" panose="020D0604000000000000" pitchFamily="50" charset="-127"/>
+                      </a:endParaRPr>
+                    </a:p>
+                  </a:txBody>
+                  <a:tcPr marL="180000" marR="72000" marT="180000">
+                    <a:lnL w="12700" cap="flat" cmpd="sng" algn="ctr">
+                      <a:solidFill>
+                        <a:schemeClr val="tx1"/>
+                      </a:solidFill>
+                      <a:prstDash val="solid"/>
+                      <a:round/>
+                      <a:headEnd type="none" w="med" len="med"/>
+                      <a:tailEnd type="none" w="med" len="med"/>
+                    </a:lnL>
+                    <a:solidFill>
+                      <a:schemeClr val="bg1">
+                        <a:lumMod val="95000"/>
+                      </a:schemeClr>
+                    </a:solidFill>
+                  </a:tcPr>
+                </a:tc>
+                <a:extLst>
+                  <a:ext uri="{0D108BD9-81ED-4DB2-BD59-A6C34878D82A}">
+                    <a16:rowId xmlns:a16="http://schemas.microsoft.com/office/drawing/2014/main" val="3691746584"/>
+                  </a:ext>
+                </a:extLst>
+              </a:tr>
+            </a:tbl>
+          </a:graphicData>
+        </a:graphic>
+      </p:graphicFrame>
+      <p:pic>
+        <p:nvPicPr>
+          <p:cNvPr id="12" name="그림 11"/>
+          <p:cNvPicPr>
+            <a:picLocks noChangeAspect="1"/>
+          </p:cNvPicPr>
+          <p:nvPr/>
+        </p:nvPicPr>
+        <p:blipFill>
+          <a:blip r:embed="rId3"/>
+          <a:stretch>
+            <a:fillRect/>
+          </a:stretch>
+        </p:blipFill>
+        <p:spPr>
+          <a:xfrm>
+            <a:off x="4719737" y="1088717"/>
+            <a:ext cx="3583606" cy="5504545"/>
+          </a:xfrm>
+          <a:prstGeom prst="rect">
+            <a:avLst/>
+          </a:prstGeom>
+        </p:spPr>
+      </p:pic>
+    </p:spTree>
+    <p:extLst>
+      <p:ext uri="{BB962C8B-B14F-4D97-AF65-F5344CB8AC3E}">
+        <p14:creationId xmlns:p14="http://schemas.microsoft.com/office/powerpoint/2010/main" val="3946818638"/>
+      </p:ext>
+    </p:extLst>
+  </p:cSld>
+  <p:clrMapOvr>
+    <a:masterClrMapping/>
+  </p:clrMapOvr>
+  <p:timing>
+    <p:tnLst>
+      <p:par>
+        <p:cTn id="1" dur="indefinite" restart="never" nodeType="tmRoot"/>
+      </p:par>
+    </p:tnLst>
+  </p:timing>
+</p:sld>
+</file>
+
+<file path=ppt/slides/slide11.xml><?xml version="1.0" encoding="utf-8"?>
+<p:sld xmlns:a="http://schemas.openxmlformats.org/drawingml/2006/main" xmlns:r="http://schemas.openxmlformats.org/officeDocument/2006/relationships" xmlns:p="http://schemas.openxmlformats.org/presentationml/2006/main">
+  <p:cSld>
+    <p:spTree>
+      <p:nvGrpSpPr>
+        <p:cNvPr id="1" name=""/>
+        <p:cNvGrpSpPr/>
+        <p:nvPr/>
+      </p:nvGrpSpPr>
+      <p:grpSpPr>
+        <a:xfrm>
+          <a:off x="0" y="0"/>
+          <a:ext cx="0" cy="0"/>
+          <a:chOff x="0" y="0"/>
+          <a:chExt cx="0" cy="0"/>
+        </a:xfrm>
+      </p:grpSpPr>
+      <p:sp>
+        <p:nvSpPr>
+          <p:cNvPr id="3" name="타원형 설명선 2"/>
+          <p:cNvSpPr/>
+          <p:nvPr/>
+        </p:nvSpPr>
+        <p:spPr>
+          <a:xfrm>
+            <a:off x="4719737" y="6564080"/>
+            <a:ext cx="276808" cy="251928"/>
+          </a:xfrm>
+          <a:prstGeom prst="wedgeEllipseCallout">
+            <a:avLst/>
+          </a:prstGeom>
+          <a:solidFill>
+            <a:srgbClr val="FF0000"/>
+          </a:solidFill>
+        </p:spPr>
+        <p:style>
+          <a:lnRef idx="2">
+            <a:schemeClr val="accent1">
+              <a:shade val="50000"/>
+            </a:schemeClr>
+          </a:lnRef>
+          <a:fillRef idx="1">
+            <a:schemeClr val="accent1"/>
+          </a:fillRef>
+          <a:effectRef idx="0">
+            <a:schemeClr val="accent1"/>
+          </a:effectRef>
+          <a:fontRef idx="minor">
+            <a:schemeClr val="lt1"/>
+          </a:fontRef>
+        </p:style>
+        <p:txBody>
+          <a:bodyPr rtlCol="0" anchor="ctr"/>
+          <a:lstStyle/>
+          <a:p>
+            <a:pPr algn="ctr"/>
+            <a:r>
+              <a:rPr lang="en-US" altLang="ko-KR" dirty="0"/>
+              <a:t>1</a:t>
+            </a:r>
+            <a:endParaRPr lang="ko-KR" altLang="en-US" dirty="0"/>
+          </a:p>
+        </p:txBody>
+      </p:sp>
+      <p:sp>
+        <p:nvSpPr>
+          <p:cNvPr id="13" name="타원형 설명선 12"/>
+          <p:cNvSpPr/>
+          <p:nvPr/>
+        </p:nvSpPr>
+        <p:spPr>
+          <a:xfrm>
+            <a:off x="5138058" y="6568748"/>
+            <a:ext cx="276808" cy="251928"/>
+          </a:xfrm>
+          <a:prstGeom prst="wedgeEllipseCallout">
+            <a:avLst/>
+          </a:prstGeom>
+          <a:solidFill>
+            <a:srgbClr val="FF0000"/>
+          </a:solidFill>
+        </p:spPr>
+        <p:style>
+          <a:lnRef idx="2">
+            <a:schemeClr val="accent1">
+              <a:shade val="50000"/>
+            </a:schemeClr>
+          </a:lnRef>
+          <a:fillRef idx="1">
+            <a:schemeClr val="accent1"/>
+          </a:fillRef>
+          <a:effectRef idx="0">
+            <a:schemeClr val="accent1"/>
+          </a:effectRef>
+          <a:fontRef idx="minor">
+            <a:schemeClr val="lt1"/>
+          </a:fontRef>
+        </p:style>
+        <p:txBody>
+          <a:bodyPr rtlCol="0" anchor="ctr"/>
+          <a:lstStyle/>
+          <a:p>
+            <a:pPr algn="ctr"/>
+            <a:r>
+              <a:rPr lang="en-US" altLang="ko-KR" dirty="0" smtClean="0"/>
+              <a:t>2</a:t>
+            </a:r>
+            <a:endParaRPr lang="ko-KR" altLang="en-US" dirty="0"/>
+          </a:p>
+        </p:txBody>
+      </p:sp>
+      <p:sp>
+        <p:nvSpPr>
+          <p:cNvPr id="14" name="타원형 설명선 13"/>
+          <p:cNvSpPr/>
+          <p:nvPr/>
+        </p:nvSpPr>
+        <p:spPr>
+          <a:xfrm>
+            <a:off x="5545495" y="6568748"/>
+            <a:ext cx="276808" cy="251928"/>
+          </a:xfrm>
+          <a:prstGeom prst="wedgeEllipseCallout">
+            <a:avLst/>
+          </a:prstGeom>
+          <a:solidFill>
+            <a:srgbClr val="FF0000"/>
+          </a:solidFill>
+        </p:spPr>
+        <p:style>
+          <a:lnRef idx="2">
+            <a:schemeClr val="accent1">
+              <a:shade val="50000"/>
+            </a:schemeClr>
+          </a:lnRef>
+          <a:fillRef idx="1">
+            <a:schemeClr val="accent1"/>
+          </a:fillRef>
+          <a:effectRef idx="0">
+            <a:schemeClr val="accent1"/>
+          </a:effectRef>
+          <a:fontRef idx="minor">
+            <a:schemeClr val="lt1"/>
+          </a:fontRef>
+        </p:style>
+        <p:txBody>
+          <a:bodyPr rtlCol="0" anchor="ctr"/>
+          <a:lstStyle/>
+          <a:p>
+            <a:pPr algn="ctr"/>
+            <a:r>
+              <a:rPr lang="en-US" altLang="ko-KR" sz="1600" dirty="0" smtClean="0"/>
+              <a:t>3</a:t>
+            </a:r>
+            <a:endParaRPr lang="ko-KR" altLang="en-US" sz="1600" dirty="0"/>
+          </a:p>
+        </p:txBody>
+      </p:sp>
+      <p:sp>
+        <p:nvSpPr>
+          <p:cNvPr id="15" name="타원형 설명선 14"/>
+          <p:cNvSpPr/>
+          <p:nvPr/>
+        </p:nvSpPr>
+        <p:spPr>
+          <a:xfrm>
+            <a:off x="5952932" y="6568748"/>
+            <a:ext cx="276808" cy="251928"/>
+          </a:xfrm>
+          <a:prstGeom prst="wedgeEllipseCallout">
+            <a:avLst/>
+          </a:prstGeom>
+          <a:solidFill>
+            <a:srgbClr val="FF0000"/>
+          </a:solidFill>
+        </p:spPr>
+        <p:style>
+          <a:lnRef idx="2">
+            <a:schemeClr val="accent1">
+              <a:shade val="50000"/>
+            </a:schemeClr>
+          </a:lnRef>
+          <a:fillRef idx="1">
+            <a:schemeClr val="accent1"/>
+          </a:fillRef>
+          <a:effectRef idx="0">
+            <a:schemeClr val="accent1"/>
+          </a:effectRef>
+          <a:fontRef idx="minor">
+            <a:schemeClr val="lt1"/>
+          </a:fontRef>
+        </p:style>
+        <p:txBody>
+          <a:bodyPr rtlCol="0" anchor="ctr"/>
+          <a:lstStyle/>
+          <a:p>
+            <a:pPr algn="ctr"/>
+            <a:r>
+              <a:rPr lang="en-US" altLang="ko-KR" sz="1600" dirty="0" smtClean="0"/>
+              <a:t>4</a:t>
+            </a:r>
+            <a:endParaRPr lang="ko-KR" altLang="en-US" sz="1600" dirty="0"/>
+          </a:p>
+        </p:txBody>
+      </p:sp>
+      <p:sp>
+        <p:nvSpPr>
+          <p:cNvPr id="16" name="타원형 설명선 15"/>
+          <p:cNvSpPr/>
+          <p:nvPr/>
+        </p:nvSpPr>
+        <p:spPr>
+          <a:xfrm>
+            <a:off x="6360369" y="6568748"/>
+            <a:ext cx="276808" cy="251928"/>
+          </a:xfrm>
+          <a:prstGeom prst="wedgeEllipseCallout">
+            <a:avLst/>
+          </a:prstGeom>
+          <a:solidFill>
+            <a:srgbClr val="FF0000"/>
+          </a:solidFill>
+        </p:spPr>
+        <p:style>
+          <a:lnRef idx="2">
+            <a:schemeClr val="accent1">
+              <a:shade val="50000"/>
+            </a:schemeClr>
+          </a:lnRef>
+          <a:fillRef idx="1">
+            <a:schemeClr val="accent1"/>
+          </a:fillRef>
+          <a:effectRef idx="0">
+            <a:schemeClr val="accent1"/>
+          </a:effectRef>
+          <a:fontRef idx="minor">
+            <a:schemeClr val="lt1"/>
+          </a:fontRef>
+        </p:style>
+        <p:txBody>
+          <a:bodyPr rtlCol="0" anchor="ctr"/>
+          <a:lstStyle/>
+          <a:p>
+            <a:pPr algn="ctr"/>
+            <a:r>
+              <a:rPr lang="en-US" altLang="ko-KR" sz="1600" dirty="0"/>
+              <a:t>5</a:t>
+            </a:r>
+            <a:endParaRPr lang="ko-KR" altLang="en-US" sz="1600" dirty="0"/>
+          </a:p>
+        </p:txBody>
+      </p:sp>
+      <p:pic>
+        <p:nvPicPr>
+          <p:cNvPr id="2" name="그림 1"/>
+          <p:cNvPicPr>
+            <a:picLocks/>
+          </p:cNvPicPr>
+          <p:nvPr/>
+        </p:nvPicPr>
+        <p:blipFill>
+          <a:blip r:embed="rId2"/>
+          <a:stretch>
+            <a:fillRect/>
+          </a:stretch>
+        </p:blipFill>
+        <p:spPr>
+          <a:xfrm>
+            <a:off x="300136" y="331232"/>
+            <a:ext cx="5310000" cy="6232846"/>
+          </a:xfrm>
+          <a:prstGeom prst="rect">
+            <a:avLst/>
+          </a:prstGeom>
+        </p:spPr>
+      </p:pic>
+      <p:graphicFrame>
+        <p:nvGraphicFramePr>
+          <p:cNvPr id="10" name="표 9"/>
+          <p:cNvGraphicFramePr>
+            <a:graphicFrameLocks noGrp="1"/>
+          </p:cNvGraphicFramePr>
+          <p:nvPr>
+            <p:extLst>
+              <p:ext uri="{D42A27DB-BD31-4B8C-83A1-F6EECF244321}">
+                <p14:modId xmlns:p14="http://schemas.microsoft.com/office/powerpoint/2010/main" val="1940462540"/>
+              </p:ext>
+            </p:extLst>
+          </p:nvPr>
+        </p:nvGraphicFramePr>
+        <p:xfrm>
+          <a:off x="5822303" y="335903"/>
+          <a:ext cx="6204856" cy="6231586"/>
+        </p:xfrm>
+        <a:graphic>
+          <a:graphicData uri="http://schemas.openxmlformats.org/drawingml/2006/table">
+            <a:tbl>
+              <a:tblPr firstRow="1" bandRow="1">
+                <a:tableStyleId>{5C22544A-7EE6-4342-B048-85BDC9FD1C3A}</a:tableStyleId>
+              </a:tblPr>
+              <a:tblGrid>
+                <a:gridCol w="3102428">
+                  <a:extLst>
+                    <a:ext uri="{9D8B030D-6E8A-4147-A177-3AD203B41FA5}">
+                      <a16:colId xmlns:a16="http://schemas.microsoft.com/office/drawing/2014/main" val="351070394"/>
+                    </a:ext>
+                  </a:extLst>
+                </a:gridCol>
+                <a:gridCol w="3102428">
+                  <a:extLst>
+                    <a:ext uri="{9D8B030D-6E8A-4147-A177-3AD203B41FA5}">
+                      <a16:colId xmlns:a16="http://schemas.microsoft.com/office/drawing/2014/main" val="2722449755"/>
+                    </a:ext>
+                  </a:extLst>
+                </a:gridCol>
+              </a:tblGrid>
+              <a:tr h="364054">
+                <a:tc gridSpan="2">
+                  <a:txBody>
+                    <a:bodyPr/>
+                    <a:lstStyle/>
+                    <a:p>
+                      <a:pPr algn="ctr" latinLnBrk="1"/>
+                      <a:r>
+                        <a:rPr lang="en-US" altLang="ko-KR" baseline="0" dirty="0" smtClean="0">
+                          <a:solidFill>
+                            <a:schemeClr val="tx1"/>
+                          </a:solidFill>
+                          <a:ea typeface="나눔고딕" panose="020D0604000000000000" pitchFamily="50" charset="-127"/>
+                        </a:rPr>
+                        <a:t>footer(</a:t>
+                      </a:r>
+                      <a:r>
+                        <a:rPr lang="ko-KR" altLang="en-US" baseline="0" dirty="0" smtClean="0">
+                          <a:solidFill>
+                            <a:schemeClr val="tx1"/>
+                          </a:solidFill>
+                          <a:ea typeface="나눔고딕" panose="020D0604000000000000" pitchFamily="50" charset="-127"/>
+                        </a:rPr>
+                        <a:t>문의하기</a:t>
+                      </a:r>
+                      <a:r>
+                        <a:rPr lang="en-US" altLang="ko-KR" baseline="0" dirty="0" smtClean="0">
+                          <a:solidFill>
+                            <a:schemeClr val="tx1"/>
+                          </a:solidFill>
+                          <a:ea typeface="나눔고딕" panose="020D0604000000000000" pitchFamily="50" charset="-127"/>
+                        </a:rPr>
+                        <a:t>) PC </a:t>
+                      </a:r>
+                      <a:r>
+                        <a:rPr lang="ko-KR" altLang="en-US" baseline="0" dirty="0" smtClean="0">
+                          <a:solidFill>
+                            <a:schemeClr val="tx1"/>
+                          </a:solidFill>
+                          <a:ea typeface="나눔고딕" panose="020D0604000000000000" pitchFamily="50" charset="-127"/>
+                        </a:rPr>
+                        <a:t>화면</a:t>
+                      </a:r>
+                      <a:endParaRPr lang="ko-KR" altLang="en-US" baseline="0" dirty="0">
+                        <a:solidFill>
+                          <a:schemeClr val="tx1"/>
+                        </a:solidFill>
+                        <a:ea typeface="나눔고딕" panose="020D0604000000000000" pitchFamily="50" charset="-127"/>
+                      </a:endParaRPr>
+                    </a:p>
+                  </a:txBody>
+                  <a:tcPr anchor="ctr">
+                    <a:solidFill>
+                      <a:schemeClr val="accent1">
+                        <a:lumMod val="20000"/>
+                        <a:lumOff val="80000"/>
+                      </a:schemeClr>
+                    </a:solidFill>
+                  </a:tcPr>
+                </a:tc>
+                <a:tc hMerge="1">
+                  <a:txBody>
+                    <a:bodyPr/>
+                    <a:lstStyle/>
+                    <a:p>
+                      <a:pPr algn="ctr" latinLnBrk="1"/>
+                      <a:endParaRPr lang="ko-KR" altLang="en-US" baseline="0" dirty="0">
+                        <a:solidFill>
+                          <a:schemeClr val="tx1"/>
+                        </a:solidFill>
+                        <a:ea typeface="나눔고딕" panose="020D0604000000000000" pitchFamily="50" charset="-127"/>
+                      </a:endParaRPr>
+                    </a:p>
+                  </a:txBody>
+                  <a:tcPr anchor="ctr">
+                    <a:solidFill>
+                      <a:schemeClr val="accent1">
+                        <a:lumMod val="20000"/>
+                        <a:lumOff val="80000"/>
+                      </a:schemeClr>
+                    </a:solidFill>
+                  </a:tcPr>
+                </a:tc>
+                <a:extLst>
+                  <a:ext uri="{0D108BD9-81ED-4DB2-BD59-A6C34878D82A}">
+                    <a16:rowId xmlns:a16="http://schemas.microsoft.com/office/drawing/2014/main" val="3996157874"/>
+                  </a:ext>
+                </a:extLst>
+              </a:tr>
+              <a:tr h="364054">
+                <a:tc>
+                  <a:txBody>
+                    <a:bodyPr/>
+                    <a:lstStyle/>
+                    <a:p>
+                      <a:pPr algn="ctr" latinLnBrk="1"/>
+                      <a:r>
+                        <a:rPr lang="ko-KR" altLang="en-US" baseline="0" dirty="0" smtClean="0">
+                          <a:solidFill>
+                            <a:schemeClr val="tx1"/>
+                          </a:solidFill>
+                          <a:ea typeface="나눔고딕" panose="020D0604000000000000" pitchFamily="50" charset="-127"/>
+                        </a:rPr>
+                        <a:t>스토리보드</a:t>
+                      </a:r>
+                      <a:endParaRPr lang="ko-KR" altLang="en-US" baseline="0" dirty="0">
+                        <a:solidFill>
+                          <a:schemeClr val="tx1"/>
+                        </a:solidFill>
+                        <a:ea typeface="나눔고딕" panose="020D0604000000000000" pitchFamily="50" charset="-127"/>
+                      </a:endParaRPr>
+                    </a:p>
+                  </a:txBody>
+                  <a:tcPr anchor="ctr">
+                    <a:solidFill>
+                      <a:schemeClr val="accent1">
+                        <a:lumMod val="20000"/>
+                        <a:lumOff val="80000"/>
+                      </a:schemeClr>
+                    </a:solidFill>
+                  </a:tcPr>
+                </a:tc>
+                <a:tc>
+                  <a:txBody>
+                    <a:bodyPr/>
+                    <a:lstStyle/>
+                    <a:p>
+                      <a:pPr algn="ctr" latinLnBrk="1"/>
+                      <a:r>
+                        <a:rPr lang="ko-KR" altLang="en-US" baseline="0" dirty="0" smtClean="0">
+                          <a:solidFill>
+                            <a:schemeClr val="tx1"/>
+                          </a:solidFill>
+                          <a:ea typeface="나눔고딕" panose="020D0604000000000000" pitchFamily="50" charset="-127"/>
+                        </a:rPr>
+                        <a:t>구현</a:t>
+                      </a:r>
+                      <a:endParaRPr lang="ko-KR" altLang="en-US" baseline="0" dirty="0">
+                        <a:solidFill>
+                          <a:schemeClr val="tx1"/>
+                        </a:solidFill>
+                        <a:ea typeface="나눔고딕" panose="020D0604000000000000" pitchFamily="50" charset="-127"/>
+                      </a:endParaRPr>
+                    </a:p>
+                  </a:txBody>
+                  <a:tcPr anchor="ctr">
+                    <a:solidFill>
+                      <a:schemeClr val="accent1">
+                        <a:lumMod val="20000"/>
+                        <a:lumOff val="80000"/>
+                      </a:schemeClr>
+                    </a:solidFill>
+                  </a:tcPr>
+                </a:tc>
+                <a:extLst>
+                  <a:ext uri="{0D108BD9-81ED-4DB2-BD59-A6C34878D82A}">
+                    <a16:rowId xmlns:a16="http://schemas.microsoft.com/office/drawing/2014/main" val="2008034225"/>
+                  </a:ext>
+                </a:extLst>
+              </a:tr>
+              <a:tr h="1100013">
+                <a:tc>
+                  <a:txBody>
+                    <a:bodyPr/>
+                    <a:lstStyle/>
+                    <a:p>
+                      <a:pPr latinLnBrk="1"/>
+                      <a:endParaRPr lang="ko-KR" altLang="en-US" baseline="0" dirty="0">
+                        <a:ea typeface="나눔고딕" panose="020D0604000000000000" pitchFamily="50" charset="-127"/>
+                      </a:endParaRPr>
+                    </a:p>
+                  </a:txBody>
+                  <a:tcPr marL="180000" marR="72000" marT="180000">
+                    <a:lnR w="12700" cap="flat" cmpd="sng" algn="ctr">
+                      <a:solidFill>
+                        <a:schemeClr val="tx1"/>
+                      </a:solidFill>
+                      <a:prstDash val="solid"/>
+                      <a:round/>
+                      <a:headEnd type="none" w="med" len="med"/>
+                      <a:tailEnd type="none" w="med" len="med"/>
+                    </a:lnR>
+                    <a:solidFill>
+                      <a:schemeClr val="bg1">
+                        <a:lumMod val="95000"/>
+                      </a:schemeClr>
+                    </a:solidFill>
+                  </a:tcPr>
+                </a:tc>
+                <a:tc>
+                  <a:txBody>
+                    <a:bodyPr/>
+                    <a:lstStyle/>
+                    <a:p>
+                      <a:pPr latinLnBrk="1"/>
+                      <a:endParaRPr lang="ko-KR" altLang="en-US" baseline="0" dirty="0">
+                        <a:ea typeface="나눔고딕" panose="020D0604000000000000" pitchFamily="50" charset="-127"/>
+                      </a:endParaRPr>
+                    </a:p>
+                  </a:txBody>
+                  <a:tcPr marL="180000" marR="72000" marT="180000">
+                    <a:lnL w="12700" cap="flat" cmpd="sng" algn="ctr">
+                      <a:solidFill>
+                        <a:schemeClr val="tx1"/>
+                      </a:solidFill>
+                      <a:prstDash val="solid"/>
+                      <a:round/>
+                      <a:headEnd type="none" w="med" len="med"/>
+                      <a:tailEnd type="none" w="med" len="med"/>
+                    </a:lnL>
+                    <a:solidFill>
+                      <a:schemeClr val="bg1">
+                        <a:lumMod val="95000"/>
+                      </a:schemeClr>
+                    </a:solidFill>
+                  </a:tcPr>
+                </a:tc>
+                <a:extLst>
+                  <a:ext uri="{0D108BD9-81ED-4DB2-BD59-A6C34878D82A}">
+                    <a16:rowId xmlns:a16="http://schemas.microsoft.com/office/drawing/2014/main" val="2443125590"/>
+                  </a:ext>
+                </a:extLst>
+              </a:tr>
+              <a:tr h="1100013">
+                <a:tc>
+                  <a:txBody>
+                    <a:bodyPr/>
+                    <a:lstStyle/>
+                    <a:p>
+                      <a:pPr latinLnBrk="1"/>
+                      <a:endParaRPr lang="ko-KR" altLang="en-US" baseline="0" dirty="0">
+                        <a:ea typeface="나눔고딕" panose="020D0604000000000000" pitchFamily="50" charset="-127"/>
+                      </a:endParaRPr>
+                    </a:p>
+                  </a:txBody>
+                  <a:tcPr marL="180000" marR="72000" marT="180000">
+                    <a:lnR w="12700" cap="flat" cmpd="sng" algn="ctr">
+                      <a:solidFill>
+                        <a:schemeClr val="tx1"/>
+                      </a:solidFill>
+                      <a:prstDash val="solid"/>
+                      <a:round/>
+                      <a:headEnd type="none" w="med" len="med"/>
+                      <a:tailEnd type="none" w="med" len="med"/>
+                    </a:lnR>
+                    <a:solidFill>
+                      <a:schemeClr val="bg1">
+                        <a:lumMod val="95000"/>
+                      </a:schemeClr>
+                    </a:solidFill>
+                  </a:tcPr>
+                </a:tc>
+                <a:tc>
+                  <a:txBody>
+                    <a:bodyPr/>
+                    <a:lstStyle/>
+                    <a:p>
+                      <a:pPr latinLnBrk="1"/>
+                      <a:endParaRPr lang="ko-KR" altLang="en-US" baseline="0" dirty="0">
+                        <a:ea typeface="나눔고딕" panose="020D0604000000000000" pitchFamily="50" charset="-127"/>
+                      </a:endParaRPr>
+                    </a:p>
+                  </a:txBody>
+                  <a:tcPr marL="180000" marR="72000" marT="180000">
+                    <a:lnL w="12700" cap="flat" cmpd="sng" algn="ctr">
+                      <a:solidFill>
+                        <a:schemeClr val="tx1"/>
+                      </a:solidFill>
+                      <a:prstDash val="solid"/>
+                      <a:round/>
+                      <a:headEnd type="none" w="med" len="med"/>
+                      <a:tailEnd type="none" w="med" len="med"/>
+                    </a:lnL>
+                    <a:solidFill>
+                      <a:schemeClr val="bg1">
+                        <a:lumMod val="95000"/>
+                      </a:schemeClr>
+                    </a:solidFill>
+                  </a:tcPr>
+                </a:tc>
+                <a:extLst>
+                  <a:ext uri="{0D108BD9-81ED-4DB2-BD59-A6C34878D82A}">
+                    <a16:rowId xmlns:a16="http://schemas.microsoft.com/office/drawing/2014/main" val="351888798"/>
+                  </a:ext>
+                </a:extLst>
+              </a:tr>
+              <a:tr h="1100014">
+                <a:tc>
+                  <a:txBody>
+                    <a:bodyPr/>
+                    <a:lstStyle/>
+                    <a:p>
+                      <a:pPr latinLnBrk="1"/>
+                      <a:endParaRPr lang="ko-KR" altLang="en-US" baseline="0" dirty="0">
+                        <a:ea typeface="나눔고딕" panose="020D0604000000000000" pitchFamily="50" charset="-127"/>
+                      </a:endParaRPr>
+                    </a:p>
+                  </a:txBody>
+                  <a:tcPr marL="180000" marR="72000" marT="180000">
+                    <a:lnR w="12700" cap="flat" cmpd="sng" algn="ctr">
+                      <a:solidFill>
+                        <a:schemeClr val="tx1"/>
+                      </a:solidFill>
+                      <a:prstDash val="solid"/>
+                      <a:round/>
+                      <a:headEnd type="none" w="med" len="med"/>
+                      <a:tailEnd type="none" w="med" len="med"/>
+                    </a:lnR>
+                    <a:solidFill>
+                      <a:schemeClr val="bg1">
+                        <a:lumMod val="95000"/>
+                      </a:schemeClr>
+                    </a:solidFill>
+                  </a:tcPr>
+                </a:tc>
+                <a:tc>
+                  <a:txBody>
+                    <a:bodyPr/>
+                    <a:lstStyle/>
+                    <a:p>
+                      <a:pPr latinLnBrk="1"/>
+                      <a:endParaRPr lang="ko-KR" altLang="en-US" baseline="0" dirty="0">
+                        <a:ea typeface="나눔고딕" panose="020D0604000000000000" pitchFamily="50" charset="-127"/>
+                      </a:endParaRPr>
+                    </a:p>
+                  </a:txBody>
+                  <a:tcPr marL="180000" marR="72000" marT="180000">
+                    <a:lnL w="12700" cap="flat" cmpd="sng" algn="ctr">
+                      <a:solidFill>
+                        <a:schemeClr val="tx1"/>
+                      </a:solidFill>
+                      <a:prstDash val="solid"/>
+                      <a:round/>
+                      <a:headEnd type="none" w="med" len="med"/>
+                      <a:tailEnd type="none" w="med" len="med"/>
+                    </a:lnL>
+                    <a:solidFill>
+                      <a:schemeClr val="bg1">
+                        <a:lumMod val="95000"/>
+                      </a:schemeClr>
+                    </a:solidFill>
+                  </a:tcPr>
+                </a:tc>
+                <a:extLst>
+                  <a:ext uri="{0D108BD9-81ED-4DB2-BD59-A6C34878D82A}">
+                    <a16:rowId xmlns:a16="http://schemas.microsoft.com/office/drawing/2014/main" val="1836297606"/>
+                  </a:ext>
+                </a:extLst>
+              </a:tr>
+              <a:tr h="1100013">
+                <a:tc>
+                  <a:txBody>
+                    <a:bodyPr/>
+                    <a:lstStyle/>
+                    <a:p>
+                      <a:pPr latinLnBrk="1"/>
+                      <a:endParaRPr lang="ko-KR" altLang="en-US" baseline="0" dirty="0">
+                        <a:ea typeface="나눔고딕" panose="020D0604000000000000" pitchFamily="50" charset="-127"/>
+                      </a:endParaRPr>
+                    </a:p>
+                  </a:txBody>
+                  <a:tcPr marL="180000" marR="72000" marT="180000">
+                    <a:lnR w="12700" cap="flat" cmpd="sng" algn="ctr">
+                      <a:solidFill>
+                        <a:schemeClr val="tx1"/>
+                      </a:solidFill>
+                      <a:prstDash val="solid"/>
+                      <a:round/>
+                      <a:headEnd type="none" w="med" len="med"/>
+                      <a:tailEnd type="none" w="med" len="med"/>
+                    </a:lnR>
+                    <a:solidFill>
+                      <a:schemeClr val="bg1">
+                        <a:lumMod val="95000"/>
+                      </a:schemeClr>
+                    </a:solidFill>
+                  </a:tcPr>
+                </a:tc>
+                <a:tc>
+                  <a:txBody>
+                    <a:bodyPr/>
+                    <a:lstStyle/>
+                    <a:p>
+                      <a:pPr latinLnBrk="1"/>
+                      <a:endParaRPr lang="ko-KR" altLang="en-US" baseline="0" dirty="0">
+                        <a:ea typeface="나눔고딕" panose="020D0604000000000000" pitchFamily="50" charset="-127"/>
+                      </a:endParaRPr>
+                    </a:p>
+                  </a:txBody>
+                  <a:tcPr marL="180000" marR="72000" marT="180000">
+                    <a:lnL w="12700" cap="flat" cmpd="sng" algn="ctr">
+                      <a:solidFill>
+                        <a:schemeClr val="tx1"/>
+                      </a:solidFill>
+                      <a:prstDash val="solid"/>
+                      <a:round/>
+                      <a:headEnd type="none" w="med" len="med"/>
+                      <a:tailEnd type="none" w="med" len="med"/>
+                    </a:lnL>
+                    <a:solidFill>
+                      <a:schemeClr val="bg1">
+                        <a:lumMod val="95000"/>
+                      </a:schemeClr>
+                    </a:solidFill>
+                  </a:tcPr>
+                </a:tc>
+                <a:extLst>
+                  <a:ext uri="{0D108BD9-81ED-4DB2-BD59-A6C34878D82A}">
+                    <a16:rowId xmlns:a16="http://schemas.microsoft.com/office/drawing/2014/main" val="2071471467"/>
+                  </a:ext>
+                </a:extLst>
+              </a:tr>
+              <a:tr h="1100013">
+                <a:tc>
+                  <a:txBody>
+                    <a:bodyPr/>
+                    <a:lstStyle/>
+                    <a:p>
+                      <a:pPr latinLnBrk="1"/>
+                      <a:endParaRPr lang="ko-KR" altLang="en-US" baseline="0" dirty="0">
+                        <a:ea typeface="나눔고딕" panose="020D0604000000000000" pitchFamily="50" charset="-127"/>
+                      </a:endParaRPr>
+                    </a:p>
+                  </a:txBody>
+                  <a:tcPr marL="180000" marR="72000" marT="180000">
+                    <a:lnR w="12700" cap="flat" cmpd="sng" algn="ctr">
+                      <a:solidFill>
+                        <a:schemeClr val="tx1"/>
+                      </a:solidFill>
+                      <a:prstDash val="solid"/>
+                      <a:round/>
+                      <a:headEnd type="none" w="med" len="med"/>
+                      <a:tailEnd type="none" w="med" len="med"/>
+                    </a:lnR>
+                    <a:solidFill>
+                      <a:schemeClr val="bg1">
+                        <a:lumMod val="95000"/>
+                      </a:schemeClr>
+                    </a:solidFill>
+                  </a:tcPr>
+                </a:tc>
+                <a:tc>
+                  <a:txBody>
+                    <a:bodyPr/>
+                    <a:lstStyle/>
+                    <a:p>
+                      <a:pPr latinLnBrk="1"/>
+                      <a:endParaRPr lang="ko-KR" altLang="en-US" baseline="0" dirty="0">
+                        <a:ea typeface="나눔고딕" panose="020D0604000000000000" pitchFamily="50" charset="-127"/>
+                      </a:endParaRPr>
+                    </a:p>
+                  </a:txBody>
+                  <a:tcPr marL="180000" marR="72000" marT="180000">
+                    <a:lnL w="12700" cap="flat" cmpd="sng" algn="ctr">
+                      <a:solidFill>
+                        <a:schemeClr val="tx1"/>
+                      </a:solidFill>
+                      <a:prstDash val="solid"/>
+                      <a:round/>
+                      <a:headEnd type="none" w="med" len="med"/>
+                      <a:tailEnd type="none" w="med" len="med"/>
+                    </a:lnL>
+                    <a:solidFill>
+                      <a:schemeClr val="bg1">
+                        <a:lumMod val="95000"/>
+                      </a:schemeClr>
+                    </a:solidFill>
+                  </a:tcPr>
+                </a:tc>
+                <a:extLst>
+                  <a:ext uri="{0D108BD9-81ED-4DB2-BD59-A6C34878D82A}">
+                    <a16:rowId xmlns:a16="http://schemas.microsoft.com/office/drawing/2014/main" val="3691746584"/>
+                  </a:ext>
+                </a:extLst>
+              </a:tr>
+            </a:tbl>
+          </a:graphicData>
+        </a:graphic>
+      </p:graphicFrame>
+      <p:pic>
+        <p:nvPicPr>
+          <p:cNvPr id="11" name="그림 10"/>
+          <p:cNvPicPr>
+            <a:picLocks noChangeAspect="1"/>
+          </p:cNvPicPr>
+          <p:nvPr/>
+        </p:nvPicPr>
+        <p:blipFill>
+          <a:blip r:embed="rId3"/>
+          <a:stretch>
+            <a:fillRect/>
+          </a:stretch>
+        </p:blipFill>
+        <p:spPr>
+          <a:xfrm>
+            <a:off x="5822303" y="1082352"/>
+            <a:ext cx="3102428" cy="5510912"/>
+          </a:xfrm>
+          <a:prstGeom prst="rect">
+            <a:avLst/>
+          </a:prstGeom>
+        </p:spPr>
+      </p:pic>
+    </p:spTree>
+    <p:extLst>
+      <p:ext uri="{BB962C8B-B14F-4D97-AF65-F5344CB8AC3E}">
+        <p14:creationId xmlns:p14="http://schemas.microsoft.com/office/powerpoint/2010/main" val="1740794531"/>
+      </p:ext>
+    </p:extLst>
+  </p:cSld>
+  <p:clrMapOvr>
+    <a:masterClrMapping/>
+  </p:clrMapOvr>
+  <p:timing>
+    <p:tnLst>
+      <p:par>
+        <p:cTn id="1" dur="indefinite" restart="never" nodeType="tmRoot"/>
+      </p:par>
+    </p:tnLst>
+  </p:timing>
+</p:sld>
+</file>
+
+<file path=ppt/slides/slide12.xml><?xml version="1.0" encoding="utf-8"?>
 <p:sld xmlns:a="http://schemas.openxmlformats.org/drawingml/2006/main" xmlns:r="http://schemas.openxmlformats.org/officeDocument/2006/relationships" xmlns:p="http://schemas.openxmlformats.org/presentationml/2006/main">
   <p:cSld>
     <p:spTree>
@@ -3952,7 +5939,7 @@
 </p:sld>
 </file>
 
-<file path=ppt/slides/slide11.xml><?xml version="1.0" encoding="utf-8"?>
+<file path=ppt/slides/slide13.xml><?xml version="1.0" encoding="utf-8"?>
 <p:sld xmlns:a="http://schemas.openxmlformats.org/drawingml/2006/main" xmlns:r="http://schemas.openxmlformats.org/officeDocument/2006/relationships" xmlns:p="http://schemas.openxmlformats.org/presentationml/2006/main">
   <p:cSld>
     <p:spTree>
@@ -4523,7 +6510,7 @@
 </p:sld>
 </file>
 
-<file path=ppt/slides/slide12.xml><?xml version="1.0" encoding="utf-8"?>
+<file path=ppt/slides/slide14.xml><?xml version="1.0" encoding="utf-8"?>
 <p:sld xmlns:a="http://schemas.openxmlformats.org/drawingml/2006/main" xmlns:r="http://schemas.openxmlformats.org/officeDocument/2006/relationships" xmlns:p="http://schemas.openxmlformats.org/presentationml/2006/main">
   <p:cSld>
     <p:spTree>
@@ -5582,7 +7569,7 @@
 </p:sld>
 </file>
 
-<file path=ppt/slides/slide13.xml><?xml version="1.0" encoding="utf-8"?>
+<file path=ppt/slides/slide15.xml><?xml version="1.0" encoding="utf-8"?>
 <p:sld xmlns:a="http://schemas.openxmlformats.org/drawingml/2006/main" xmlns:r="http://schemas.openxmlformats.org/officeDocument/2006/relationships" xmlns:p="http://schemas.openxmlformats.org/presentationml/2006/main">
   <p:cSld>
     <p:spTree>
@@ -6381,16 +8368,15 @@
           </p:cNvPicPr>
           <p:nvPr/>
         </p:nvPicPr>
-        <p:blipFill>
+        <p:blipFill rotWithShape="1">
           <a:blip r:embed="rId3"/>
-          <a:stretch>
-            <a:fillRect/>
-          </a:stretch>
+          <a:srcRect l="308" t="27057" r="-308" b="1082"/>
+          <a:stretch/>
         </p:blipFill>
         <p:spPr>
           <a:xfrm>
-            <a:off x="5822303" y="1081210"/>
-            <a:ext cx="3096057" cy="1755296"/>
+            <a:off x="5822303" y="1038224"/>
+            <a:ext cx="3096057" cy="1264881"/>
           </a:xfrm>
           <a:prstGeom prst="rect">
             <a:avLst/>
@@ -6417,7 +8403,7 @@
 </p:sld>
 </file>
 
-<file path=ppt/slides/slide14.xml><?xml version="1.0" encoding="utf-8"?>
+<file path=ppt/slides/slide16.xml><?xml version="1.0" encoding="utf-8"?>
 <p:sld xmlns:a="http://schemas.openxmlformats.org/drawingml/2006/main" xmlns:r="http://schemas.openxmlformats.org/officeDocument/2006/relationships" xmlns:p="http://schemas.openxmlformats.org/presentationml/2006/main">
   <p:cSld>
     <p:spTree>
@@ -7494,7 +9480,7 @@
 </p:sld>
 </file>
 
-<file path=ppt/slides/slide15.xml><?xml version="1.0" encoding="utf-8"?>
+<file path=ppt/slides/slide17.xml><?xml version="1.0" encoding="utf-8"?>
 <p:sld xmlns:a="http://schemas.openxmlformats.org/drawingml/2006/main" xmlns:r="http://schemas.openxmlformats.org/officeDocument/2006/relationships" xmlns:p="http://schemas.openxmlformats.org/presentationml/2006/main">
   <p:cSld>
     <p:spTree>
@@ -8638,6 +10624,3539 @@
       </p:sp>
       <p:pic>
         <p:nvPicPr>
+          <p:cNvPr id="4" name="그림 3"/>
+          <p:cNvPicPr>
+            <a:picLocks noChangeAspect="1"/>
+          </p:cNvPicPr>
+          <p:nvPr/>
+        </p:nvPicPr>
+        <p:blipFill>
+          <a:blip r:embed="rId2"/>
+          <a:stretch>
+            <a:fillRect/>
+          </a:stretch>
+        </p:blipFill>
+        <p:spPr>
+          <a:xfrm>
+            <a:off x="393442" y="335901"/>
+            <a:ext cx="4104965" cy="6228178"/>
+          </a:xfrm>
+          <a:prstGeom prst="rect">
+            <a:avLst/>
+          </a:prstGeom>
+        </p:spPr>
+      </p:pic>
+      <p:graphicFrame>
+        <p:nvGraphicFramePr>
+          <p:cNvPr id="10" name="표 9"/>
+          <p:cNvGraphicFramePr>
+            <a:graphicFrameLocks noGrp="1"/>
+          </p:cNvGraphicFramePr>
+          <p:nvPr>
+            <p:extLst>
+              <p:ext uri="{D42A27DB-BD31-4B8C-83A1-F6EECF244321}">
+                <p14:modId xmlns:p14="http://schemas.microsoft.com/office/powerpoint/2010/main" val="3607553702"/>
+              </p:ext>
+            </p:extLst>
+          </p:nvPr>
+        </p:nvGraphicFramePr>
+        <p:xfrm>
+          <a:off x="4730621" y="335901"/>
+          <a:ext cx="7156580" cy="6257361"/>
+        </p:xfrm>
+        <a:graphic>
+          <a:graphicData uri="http://schemas.openxmlformats.org/drawingml/2006/table">
+            <a:tbl>
+              <a:tblPr firstRow="1" bandRow="1">
+                <a:tableStyleId>{5C22544A-7EE6-4342-B048-85BDC9FD1C3A}</a:tableStyleId>
+              </a:tblPr>
+              <a:tblGrid>
+                <a:gridCol w="3578290">
+                  <a:extLst>
+                    <a:ext uri="{9D8B030D-6E8A-4147-A177-3AD203B41FA5}">
+                      <a16:colId xmlns:a16="http://schemas.microsoft.com/office/drawing/2014/main" val="351070394"/>
+                    </a:ext>
+                  </a:extLst>
+                </a:gridCol>
+                <a:gridCol w="3578290">
+                  <a:extLst>
+                    <a:ext uri="{9D8B030D-6E8A-4147-A177-3AD203B41FA5}">
+                      <a16:colId xmlns:a16="http://schemas.microsoft.com/office/drawing/2014/main" val="3761585973"/>
+                    </a:ext>
+                  </a:extLst>
+                </a:gridCol>
+              </a:tblGrid>
+              <a:tr h="351168">
+                <a:tc gridSpan="2">
+                  <a:txBody>
+                    <a:bodyPr/>
+                    <a:lstStyle/>
+                    <a:p>
+                      <a:pPr algn="ctr" latinLnBrk="1"/>
+                      <a:r>
+                        <a:rPr lang="ko-KR" altLang="en-US" baseline="0" dirty="0" smtClean="0">
+                          <a:solidFill>
+                            <a:schemeClr val="tx1"/>
+                          </a:solidFill>
+                          <a:ea typeface="나눔고딕" panose="020D0604000000000000" pitchFamily="50" charset="-127"/>
+                        </a:rPr>
+                        <a:t>회원가입</a:t>
+                      </a:r>
+                      <a:r>
+                        <a:rPr lang="en-US" altLang="ko-KR" baseline="0" dirty="0" smtClean="0">
+                          <a:solidFill>
+                            <a:schemeClr val="tx1"/>
+                          </a:solidFill>
+                          <a:ea typeface="나눔고딕" panose="020D0604000000000000" pitchFamily="50" charset="-127"/>
+                        </a:rPr>
+                        <a:t> mobile </a:t>
+                      </a:r>
+                      <a:r>
+                        <a:rPr lang="ko-KR" altLang="en-US" baseline="0" dirty="0" smtClean="0">
+                          <a:solidFill>
+                            <a:schemeClr val="tx1"/>
+                          </a:solidFill>
+                          <a:ea typeface="나눔고딕" panose="020D0604000000000000" pitchFamily="50" charset="-127"/>
+                        </a:rPr>
+                        <a:t>화면</a:t>
+                      </a:r>
+                      <a:endParaRPr lang="ko-KR" altLang="en-US" dirty="0">
+                        <a:solidFill>
+                          <a:schemeClr val="tx1"/>
+                        </a:solidFill>
+                        <a:ea typeface="나눔고딕" panose="020D0604000000000000" pitchFamily="50" charset="-127"/>
+                      </a:endParaRPr>
+                    </a:p>
+                  </a:txBody>
+                  <a:tcPr anchor="ctr">
+                    <a:lnB w="12700" cap="flat" cmpd="sng" algn="ctr">
+                      <a:solidFill>
+                        <a:schemeClr val="tx1"/>
+                      </a:solidFill>
+                      <a:prstDash val="solid"/>
+                      <a:round/>
+                      <a:headEnd type="none" w="med" len="med"/>
+                      <a:tailEnd type="none" w="med" len="med"/>
+                    </a:lnB>
+                    <a:solidFill>
+                      <a:schemeClr val="accent1">
+                        <a:lumMod val="20000"/>
+                        <a:lumOff val="80000"/>
+                      </a:schemeClr>
+                    </a:solidFill>
+                  </a:tcPr>
+                </a:tc>
+                <a:tc hMerge="1">
+                  <a:txBody>
+                    <a:bodyPr/>
+                    <a:lstStyle/>
+                    <a:p>
+                      <a:pPr algn="ctr" latinLnBrk="1"/>
+                      <a:endParaRPr lang="ko-KR" altLang="en-US" dirty="0">
+                        <a:solidFill>
+                          <a:schemeClr val="tx1"/>
+                        </a:solidFill>
+                        <a:ea typeface="나눔고딕" panose="020D0604000000000000" pitchFamily="50" charset="-127"/>
+                      </a:endParaRPr>
+                    </a:p>
+                  </a:txBody>
+                  <a:tcPr anchor="ctr">
+                    <a:solidFill>
+                      <a:schemeClr val="accent1">
+                        <a:lumMod val="20000"/>
+                        <a:lumOff val="80000"/>
+                      </a:schemeClr>
+                    </a:solidFill>
+                  </a:tcPr>
+                </a:tc>
+                <a:extLst>
+                  <a:ext uri="{0D108BD9-81ED-4DB2-BD59-A6C34878D82A}">
+                    <a16:rowId xmlns:a16="http://schemas.microsoft.com/office/drawing/2014/main" val="3996157874"/>
+                  </a:ext>
+                </a:extLst>
+              </a:tr>
+              <a:tr h="351168">
+                <a:tc>
+                  <a:txBody>
+                    <a:bodyPr/>
+                    <a:lstStyle/>
+                    <a:p>
+                      <a:pPr algn="ctr" latinLnBrk="1"/>
+                      <a:r>
+                        <a:rPr lang="ko-KR" altLang="en-US" dirty="0" smtClean="0">
+                          <a:solidFill>
+                            <a:schemeClr val="tx1"/>
+                          </a:solidFill>
+                          <a:ea typeface="나눔고딕" panose="020D0604000000000000" pitchFamily="50" charset="-127"/>
+                        </a:rPr>
+                        <a:t>스토리보드</a:t>
+                      </a:r>
+                      <a:endParaRPr lang="ko-KR" altLang="en-US" dirty="0">
+                        <a:solidFill>
+                          <a:schemeClr val="tx1"/>
+                        </a:solidFill>
+                        <a:ea typeface="나눔고딕" panose="020D0604000000000000" pitchFamily="50" charset="-127"/>
+                      </a:endParaRPr>
+                    </a:p>
+                  </a:txBody>
+                  <a:tcPr anchor="ctr">
+                    <a:lnL w="12700" cap="flat" cmpd="sng" algn="ctr">
+                      <a:solidFill>
+                        <a:schemeClr val="tx1"/>
+                      </a:solidFill>
+                      <a:prstDash val="solid"/>
+                      <a:round/>
+                      <a:headEnd type="none" w="med" len="med"/>
+                      <a:tailEnd type="none" w="med" len="med"/>
+                    </a:lnL>
+                    <a:lnR w="12700" cap="flat" cmpd="sng" algn="ctr">
+                      <a:solidFill>
+                        <a:schemeClr val="tx1"/>
+                      </a:solidFill>
+                      <a:prstDash val="solid"/>
+                      <a:round/>
+                      <a:headEnd type="none" w="med" len="med"/>
+                      <a:tailEnd type="none" w="med" len="med"/>
+                    </a:lnR>
+                    <a:lnT w="12700" cap="flat" cmpd="sng" algn="ctr">
+                      <a:solidFill>
+                        <a:schemeClr val="tx1"/>
+                      </a:solidFill>
+                      <a:prstDash val="solid"/>
+                      <a:round/>
+                      <a:headEnd type="none" w="med" len="med"/>
+                      <a:tailEnd type="none" w="med" len="med"/>
+                    </a:lnT>
+                    <a:lnB w="12700" cap="flat" cmpd="sng" algn="ctr">
+                      <a:solidFill>
+                        <a:schemeClr val="tx1"/>
+                      </a:solidFill>
+                      <a:prstDash val="solid"/>
+                      <a:round/>
+                      <a:headEnd type="none" w="med" len="med"/>
+                      <a:tailEnd type="none" w="med" len="med"/>
+                    </a:lnB>
+                    <a:solidFill>
+                      <a:schemeClr val="accent1">
+                        <a:lumMod val="20000"/>
+                        <a:lumOff val="80000"/>
+                      </a:schemeClr>
+                    </a:solidFill>
+                  </a:tcPr>
+                </a:tc>
+                <a:tc>
+                  <a:txBody>
+                    <a:bodyPr/>
+                    <a:lstStyle/>
+                    <a:p>
+                      <a:pPr algn="ctr" latinLnBrk="1"/>
+                      <a:r>
+                        <a:rPr lang="ko-KR" altLang="en-US" dirty="0" smtClean="0">
+                          <a:solidFill>
+                            <a:schemeClr val="tx1"/>
+                          </a:solidFill>
+                          <a:ea typeface="나눔고딕" panose="020D0604000000000000" pitchFamily="50" charset="-127"/>
+                        </a:rPr>
+                        <a:t>구현</a:t>
+                      </a:r>
+                      <a:endParaRPr lang="ko-KR" altLang="en-US" dirty="0">
+                        <a:solidFill>
+                          <a:schemeClr val="tx1"/>
+                        </a:solidFill>
+                        <a:ea typeface="나눔고딕" panose="020D0604000000000000" pitchFamily="50" charset="-127"/>
+                      </a:endParaRPr>
+                    </a:p>
+                  </a:txBody>
+                  <a:tcPr anchor="ctr">
+                    <a:lnL w="12700" cap="flat" cmpd="sng" algn="ctr">
+                      <a:solidFill>
+                        <a:schemeClr val="tx1"/>
+                      </a:solidFill>
+                      <a:prstDash val="solid"/>
+                      <a:round/>
+                      <a:headEnd type="none" w="med" len="med"/>
+                      <a:tailEnd type="none" w="med" len="med"/>
+                    </a:lnL>
+                    <a:lnR w="12700" cap="flat" cmpd="sng" algn="ctr">
+                      <a:solidFill>
+                        <a:schemeClr val="tx1"/>
+                      </a:solidFill>
+                      <a:prstDash val="solid"/>
+                      <a:round/>
+                      <a:headEnd type="none" w="med" len="med"/>
+                      <a:tailEnd type="none" w="med" len="med"/>
+                    </a:lnR>
+                    <a:lnT w="12700" cap="flat" cmpd="sng" algn="ctr">
+                      <a:solidFill>
+                        <a:schemeClr val="tx1"/>
+                      </a:solidFill>
+                      <a:prstDash val="solid"/>
+                      <a:round/>
+                      <a:headEnd type="none" w="med" len="med"/>
+                      <a:tailEnd type="none" w="med" len="med"/>
+                    </a:lnT>
+                    <a:lnB w="12700" cap="flat" cmpd="sng" algn="ctr">
+                      <a:solidFill>
+                        <a:schemeClr val="tx1"/>
+                      </a:solidFill>
+                      <a:prstDash val="solid"/>
+                      <a:round/>
+                      <a:headEnd type="none" w="med" len="med"/>
+                      <a:tailEnd type="none" w="med" len="med"/>
+                    </a:lnB>
+                    <a:solidFill>
+                      <a:schemeClr val="accent1">
+                        <a:lumMod val="20000"/>
+                        <a:lumOff val="80000"/>
+                      </a:schemeClr>
+                    </a:solidFill>
+                  </a:tcPr>
+                </a:tc>
+                <a:extLst>
+                  <a:ext uri="{0D108BD9-81ED-4DB2-BD59-A6C34878D82A}">
+                    <a16:rowId xmlns:a16="http://schemas.microsoft.com/office/drawing/2014/main" val="2077121834"/>
+                  </a:ext>
+                </a:extLst>
+              </a:tr>
+              <a:tr h="1105168">
+                <a:tc>
+                  <a:txBody>
+                    <a:bodyPr/>
+                    <a:lstStyle/>
+                    <a:p>
+                      <a:pPr latinLnBrk="1"/>
+                      <a:endParaRPr lang="ko-KR" altLang="en-US" dirty="0">
+                        <a:ea typeface="나눔고딕" panose="020D0604000000000000" pitchFamily="50" charset="-127"/>
+                      </a:endParaRPr>
+                    </a:p>
+                  </a:txBody>
+                  <a:tcPr marL="180000" marR="72000" marT="180000">
+                    <a:lnL w="12700" cmpd="sng">
+                      <a:noFill/>
+                    </a:lnL>
+                    <a:lnR w="12700" cap="flat" cmpd="sng" algn="ctr">
+                      <a:solidFill>
+                        <a:schemeClr val="tx1"/>
+                      </a:solidFill>
+                      <a:prstDash val="solid"/>
+                      <a:round/>
+                      <a:headEnd type="none" w="med" len="med"/>
+                      <a:tailEnd type="none" w="med" len="med"/>
+                    </a:lnR>
+                    <a:lnT w="12700" cap="flat" cmpd="sng" algn="ctr">
+                      <a:solidFill>
+                        <a:schemeClr val="tx1"/>
+                      </a:solidFill>
+                      <a:prstDash val="solid"/>
+                      <a:round/>
+                      <a:headEnd type="none" w="med" len="med"/>
+                      <a:tailEnd type="none" w="med" len="med"/>
+                    </a:lnT>
+                    <a:lnB w="12700" cmpd="sng">
+                      <a:noFill/>
+                    </a:lnB>
+                    <a:lnTlToBr w="12700" cmpd="sng">
+                      <a:noFill/>
+                      <a:prstDash val="solid"/>
+                    </a:lnTlToBr>
+                    <a:lnBlToTr w="12700" cmpd="sng">
+                      <a:noFill/>
+                      <a:prstDash val="solid"/>
+                    </a:lnBlToTr>
+                    <a:solidFill>
+                      <a:schemeClr val="bg1">
+                        <a:lumMod val="95000"/>
+                      </a:schemeClr>
+                    </a:solidFill>
+                  </a:tcPr>
+                </a:tc>
+                <a:tc rowSpan="5">
+                  <a:txBody>
+                    <a:bodyPr/>
+                    <a:lstStyle/>
+                    <a:p>
+                      <a:pPr latinLnBrk="1"/>
+                      <a:r>
+                        <a:rPr lang="ko-KR" altLang="en-US" sz="1200" dirty="0" smtClean="0">
+                          <a:solidFill>
+                            <a:srgbClr val="FF0000"/>
+                          </a:solidFill>
+                          <a:ea typeface="나눔고딕" panose="020D0604000000000000" pitchFamily="50" charset="-127"/>
+                        </a:rPr>
+                        <a:t>닉네임 유효성 검사 및 중복 검사</a:t>
+                      </a:r>
+                      <a:endParaRPr lang="en-US" altLang="ko-KR" sz="1200" dirty="0" smtClean="0">
+                        <a:solidFill>
+                          <a:srgbClr val="FF0000"/>
+                        </a:solidFill>
+                        <a:ea typeface="나눔고딕" panose="020D0604000000000000" pitchFamily="50" charset="-127"/>
+                      </a:endParaRPr>
+                    </a:p>
+                    <a:p>
+                      <a:pPr latinLnBrk="1"/>
+                      <a:endParaRPr lang="en-US" altLang="ko-KR" sz="1200" dirty="0" smtClean="0">
+                        <a:ea typeface="나눔고딕" panose="020D0604000000000000" pitchFamily="50" charset="-127"/>
+                      </a:endParaRPr>
+                    </a:p>
+                    <a:p>
+                      <a:pPr latinLnBrk="1"/>
+                      <a:endParaRPr lang="ko-KR" altLang="en-US" sz="1200" dirty="0">
+                        <a:ea typeface="나눔고딕" panose="020D0604000000000000" pitchFamily="50" charset="-127"/>
+                      </a:endParaRPr>
+                    </a:p>
+                  </a:txBody>
+                  <a:tcPr marL="180000" marR="72000" marT="180000">
+                    <a:lnL w="12700" cap="flat" cmpd="sng" algn="ctr">
+                      <a:solidFill>
+                        <a:schemeClr val="tx1"/>
+                      </a:solidFill>
+                      <a:prstDash val="solid"/>
+                      <a:round/>
+                      <a:headEnd type="none" w="med" len="med"/>
+                      <a:tailEnd type="none" w="med" len="med"/>
+                    </a:lnL>
+                    <a:lnT w="12700" cap="flat" cmpd="sng" algn="ctr">
+                      <a:solidFill>
+                        <a:schemeClr val="tx1"/>
+                      </a:solidFill>
+                      <a:prstDash val="solid"/>
+                      <a:round/>
+                      <a:headEnd type="none" w="med" len="med"/>
+                      <a:tailEnd type="none" w="med" len="med"/>
+                    </a:lnT>
+                    <a:solidFill>
+                      <a:schemeClr val="bg1"/>
+                    </a:solidFill>
+                  </a:tcPr>
+                </a:tc>
+                <a:extLst>
+                  <a:ext uri="{0D108BD9-81ED-4DB2-BD59-A6C34878D82A}">
+                    <a16:rowId xmlns:a16="http://schemas.microsoft.com/office/drawing/2014/main" val="2443125590"/>
+                  </a:ext>
+                </a:extLst>
+              </a:tr>
+              <a:tr h="1105168">
+                <a:tc>
+                  <a:txBody>
+                    <a:bodyPr/>
+                    <a:lstStyle/>
+                    <a:p>
+                      <a:pPr latinLnBrk="1"/>
+                      <a:endParaRPr lang="ko-KR" altLang="en-US" dirty="0">
+                        <a:ea typeface="나눔고딕" panose="020D0604000000000000" pitchFamily="50" charset="-127"/>
+                      </a:endParaRPr>
+                    </a:p>
+                  </a:txBody>
+                  <a:tcPr marL="180000" marR="72000" marT="180000">
+                    <a:lnL w="12700" cmpd="sng">
+                      <a:noFill/>
+                    </a:lnL>
+                    <a:lnR w="12700" cap="flat" cmpd="sng" algn="ctr">
+                      <a:solidFill>
+                        <a:schemeClr val="tx1"/>
+                      </a:solidFill>
+                      <a:prstDash val="solid"/>
+                      <a:round/>
+                      <a:headEnd type="none" w="med" len="med"/>
+                      <a:tailEnd type="none" w="med" len="med"/>
+                    </a:lnR>
+                    <a:lnT w="12700" cmpd="sng">
+                      <a:noFill/>
+                    </a:lnT>
+                    <a:lnB w="12700" cmpd="sng">
+                      <a:noFill/>
+                    </a:lnB>
+                    <a:lnTlToBr w="12700" cmpd="sng">
+                      <a:noFill/>
+                      <a:prstDash val="solid"/>
+                    </a:lnTlToBr>
+                    <a:lnBlToTr w="12700" cmpd="sng">
+                      <a:noFill/>
+                      <a:prstDash val="solid"/>
+                    </a:lnBlToTr>
+                    <a:solidFill>
+                      <a:schemeClr val="bg1">
+                        <a:lumMod val="95000"/>
+                      </a:schemeClr>
+                    </a:solidFill>
+                  </a:tcPr>
+                </a:tc>
+                <a:tc vMerge="1">
+                  <a:txBody>
+                    <a:bodyPr/>
+                    <a:lstStyle/>
+                    <a:p>
+                      <a:pPr latinLnBrk="1"/>
+                      <a:endParaRPr lang="ko-KR" altLang="en-US" dirty="0">
+                        <a:ea typeface="나눔고딕" panose="020D0604000000000000" pitchFamily="50" charset="-127"/>
+                      </a:endParaRPr>
+                    </a:p>
+                  </a:txBody>
+                  <a:tcPr marL="180000" marR="72000" marT="180000">
+                    <a:lnL w="12700" cap="flat" cmpd="sng" algn="ctr">
+                      <a:solidFill>
+                        <a:schemeClr val="tx1"/>
+                      </a:solidFill>
+                      <a:prstDash val="solid"/>
+                      <a:round/>
+                      <a:headEnd type="none" w="med" len="med"/>
+                      <a:tailEnd type="none" w="med" len="med"/>
+                    </a:lnL>
+                    <a:solidFill>
+                      <a:schemeClr val="bg1">
+                        <a:lumMod val="95000"/>
+                      </a:schemeClr>
+                    </a:solidFill>
+                  </a:tcPr>
+                </a:tc>
+                <a:extLst>
+                  <a:ext uri="{0D108BD9-81ED-4DB2-BD59-A6C34878D82A}">
+                    <a16:rowId xmlns:a16="http://schemas.microsoft.com/office/drawing/2014/main" val="351888798"/>
+                  </a:ext>
+                </a:extLst>
+              </a:tr>
+              <a:tr h="1105169">
+                <a:tc>
+                  <a:txBody>
+                    <a:bodyPr/>
+                    <a:lstStyle/>
+                    <a:p>
+                      <a:pPr latinLnBrk="1"/>
+                      <a:endParaRPr lang="ko-KR" altLang="en-US" dirty="0">
+                        <a:ea typeface="나눔고딕" panose="020D0604000000000000" pitchFamily="50" charset="-127"/>
+                      </a:endParaRPr>
+                    </a:p>
+                  </a:txBody>
+                  <a:tcPr marL="180000" marR="72000" marT="180000">
+                    <a:lnL w="12700" cmpd="sng">
+                      <a:noFill/>
+                    </a:lnL>
+                    <a:lnR w="12700" cap="flat" cmpd="sng" algn="ctr">
+                      <a:solidFill>
+                        <a:schemeClr val="tx1"/>
+                      </a:solidFill>
+                      <a:prstDash val="solid"/>
+                      <a:round/>
+                      <a:headEnd type="none" w="med" len="med"/>
+                      <a:tailEnd type="none" w="med" len="med"/>
+                    </a:lnR>
+                    <a:lnT w="12700" cmpd="sng">
+                      <a:noFill/>
+                    </a:lnT>
+                    <a:lnB w="12700" cmpd="sng">
+                      <a:noFill/>
+                    </a:lnB>
+                    <a:lnTlToBr w="12700" cmpd="sng">
+                      <a:noFill/>
+                      <a:prstDash val="solid"/>
+                    </a:lnTlToBr>
+                    <a:lnBlToTr w="12700" cmpd="sng">
+                      <a:noFill/>
+                      <a:prstDash val="solid"/>
+                    </a:lnBlToTr>
+                    <a:solidFill>
+                      <a:schemeClr val="bg1">
+                        <a:lumMod val="95000"/>
+                      </a:schemeClr>
+                    </a:solidFill>
+                  </a:tcPr>
+                </a:tc>
+                <a:tc vMerge="1">
+                  <a:txBody>
+                    <a:bodyPr/>
+                    <a:lstStyle/>
+                    <a:p>
+                      <a:pPr latinLnBrk="1"/>
+                      <a:endParaRPr lang="ko-KR" altLang="en-US" dirty="0">
+                        <a:ea typeface="나눔고딕" panose="020D0604000000000000" pitchFamily="50" charset="-127"/>
+                      </a:endParaRPr>
+                    </a:p>
+                  </a:txBody>
+                  <a:tcPr marL="180000" marR="72000" marT="180000">
+                    <a:lnL w="12700" cap="flat" cmpd="sng" algn="ctr">
+                      <a:solidFill>
+                        <a:schemeClr val="tx1"/>
+                      </a:solidFill>
+                      <a:prstDash val="solid"/>
+                      <a:round/>
+                      <a:headEnd type="none" w="med" len="med"/>
+                      <a:tailEnd type="none" w="med" len="med"/>
+                    </a:lnL>
+                    <a:solidFill>
+                      <a:schemeClr val="bg1">
+                        <a:lumMod val="95000"/>
+                      </a:schemeClr>
+                    </a:solidFill>
+                  </a:tcPr>
+                </a:tc>
+                <a:extLst>
+                  <a:ext uri="{0D108BD9-81ED-4DB2-BD59-A6C34878D82A}">
+                    <a16:rowId xmlns:a16="http://schemas.microsoft.com/office/drawing/2014/main" val="1836297606"/>
+                  </a:ext>
+                </a:extLst>
+              </a:tr>
+              <a:tr h="1105168">
+                <a:tc>
+                  <a:txBody>
+                    <a:bodyPr/>
+                    <a:lstStyle/>
+                    <a:p>
+                      <a:pPr latinLnBrk="1"/>
+                      <a:endParaRPr lang="ko-KR" altLang="en-US" dirty="0">
+                        <a:ea typeface="나눔고딕" panose="020D0604000000000000" pitchFamily="50" charset="-127"/>
+                      </a:endParaRPr>
+                    </a:p>
+                  </a:txBody>
+                  <a:tcPr marL="180000" marR="72000" marT="180000">
+                    <a:lnL w="12700" cmpd="sng">
+                      <a:noFill/>
+                    </a:lnL>
+                    <a:lnR w="12700" cap="flat" cmpd="sng" algn="ctr">
+                      <a:solidFill>
+                        <a:schemeClr val="tx1"/>
+                      </a:solidFill>
+                      <a:prstDash val="solid"/>
+                      <a:round/>
+                      <a:headEnd type="none" w="med" len="med"/>
+                      <a:tailEnd type="none" w="med" len="med"/>
+                    </a:lnR>
+                    <a:lnT w="12700" cmpd="sng">
+                      <a:noFill/>
+                    </a:lnT>
+                    <a:lnB w="12700" cmpd="sng">
+                      <a:noFill/>
+                    </a:lnB>
+                    <a:lnTlToBr w="12700" cmpd="sng">
+                      <a:noFill/>
+                      <a:prstDash val="solid"/>
+                    </a:lnTlToBr>
+                    <a:lnBlToTr w="12700" cmpd="sng">
+                      <a:noFill/>
+                      <a:prstDash val="solid"/>
+                    </a:lnBlToTr>
+                    <a:solidFill>
+                      <a:schemeClr val="bg1">
+                        <a:lumMod val="95000"/>
+                      </a:schemeClr>
+                    </a:solidFill>
+                  </a:tcPr>
+                </a:tc>
+                <a:tc vMerge="1">
+                  <a:txBody>
+                    <a:bodyPr/>
+                    <a:lstStyle/>
+                    <a:p>
+                      <a:pPr latinLnBrk="1"/>
+                      <a:endParaRPr lang="ko-KR" altLang="en-US" dirty="0">
+                        <a:ea typeface="나눔고딕" panose="020D0604000000000000" pitchFamily="50" charset="-127"/>
+                      </a:endParaRPr>
+                    </a:p>
+                  </a:txBody>
+                  <a:tcPr marL="180000" marR="72000" marT="180000">
+                    <a:lnL w="12700" cap="flat" cmpd="sng" algn="ctr">
+                      <a:solidFill>
+                        <a:schemeClr val="tx1"/>
+                      </a:solidFill>
+                      <a:prstDash val="solid"/>
+                      <a:round/>
+                      <a:headEnd type="none" w="med" len="med"/>
+                      <a:tailEnd type="none" w="med" len="med"/>
+                    </a:lnL>
+                    <a:solidFill>
+                      <a:schemeClr val="bg1">
+                        <a:lumMod val="95000"/>
+                      </a:schemeClr>
+                    </a:solidFill>
+                  </a:tcPr>
+                </a:tc>
+                <a:extLst>
+                  <a:ext uri="{0D108BD9-81ED-4DB2-BD59-A6C34878D82A}">
+                    <a16:rowId xmlns:a16="http://schemas.microsoft.com/office/drawing/2014/main" val="2071471467"/>
+                  </a:ext>
+                </a:extLst>
+              </a:tr>
+              <a:tr h="1105168">
+                <a:tc>
+                  <a:txBody>
+                    <a:bodyPr/>
+                    <a:lstStyle/>
+                    <a:p>
+                      <a:pPr latinLnBrk="1"/>
+                      <a:endParaRPr lang="ko-KR" altLang="en-US" dirty="0">
+                        <a:ea typeface="나눔고딕" panose="020D0604000000000000" pitchFamily="50" charset="-127"/>
+                      </a:endParaRPr>
+                    </a:p>
+                  </a:txBody>
+                  <a:tcPr marL="180000" marR="72000" marT="180000">
+                    <a:lnL w="12700" cmpd="sng">
+                      <a:noFill/>
+                    </a:lnL>
+                    <a:lnR w="12700" cap="flat" cmpd="sng" algn="ctr">
+                      <a:solidFill>
+                        <a:schemeClr val="tx1"/>
+                      </a:solidFill>
+                      <a:prstDash val="solid"/>
+                      <a:round/>
+                      <a:headEnd type="none" w="med" len="med"/>
+                      <a:tailEnd type="none" w="med" len="med"/>
+                    </a:lnR>
+                    <a:lnT w="12700" cmpd="sng">
+                      <a:noFill/>
+                    </a:lnT>
+                    <a:lnB w="12700" cmpd="sng">
+                      <a:noFill/>
+                    </a:lnB>
+                    <a:lnTlToBr w="12700" cmpd="sng">
+                      <a:noFill/>
+                      <a:prstDash val="solid"/>
+                    </a:lnTlToBr>
+                    <a:lnBlToTr w="12700" cmpd="sng">
+                      <a:noFill/>
+                      <a:prstDash val="solid"/>
+                    </a:lnBlToTr>
+                    <a:solidFill>
+                      <a:schemeClr val="bg1">
+                        <a:lumMod val="95000"/>
+                      </a:schemeClr>
+                    </a:solidFill>
+                  </a:tcPr>
+                </a:tc>
+                <a:tc vMerge="1">
+                  <a:txBody>
+                    <a:bodyPr/>
+                    <a:lstStyle/>
+                    <a:p>
+                      <a:pPr latinLnBrk="1"/>
+                      <a:endParaRPr lang="ko-KR" altLang="en-US" dirty="0">
+                        <a:ea typeface="나눔고딕" panose="020D0604000000000000" pitchFamily="50" charset="-127"/>
+                      </a:endParaRPr>
+                    </a:p>
+                  </a:txBody>
+                  <a:tcPr marL="180000" marR="72000" marT="180000">
+                    <a:lnL w="12700" cap="flat" cmpd="sng" algn="ctr">
+                      <a:solidFill>
+                        <a:schemeClr val="tx1"/>
+                      </a:solidFill>
+                      <a:prstDash val="solid"/>
+                      <a:round/>
+                      <a:headEnd type="none" w="med" len="med"/>
+                      <a:tailEnd type="none" w="med" len="med"/>
+                    </a:lnL>
+                    <a:solidFill>
+                      <a:schemeClr val="bg1">
+                        <a:lumMod val="95000"/>
+                      </a:schemeClr>
+                    </a:solidFill>
+                  </a:tcPr>
+                </a:tc>
+                <a:extLst>
+                  <a:ext uri="{0D108BD9-81ED-4DB2-BD59-A6C34878D82A}">
+                    <a16:rowId xmlns:a16="http://schemas.microsoft.com/office/drawing/2014/main" val="3691746584"/>
+                  </a:ext>
+                </a:extLst>
+              </a:tr>
+            </a:tbl>
+          </a:graphicData>
+        </a:graphic>
+      </p:graphicFrame>
+      <p:pic>
+        <p:nvPicPr>
+          <p:cNvPr id="2" name="그림 1"/>
+          <p:cNvPicPr>
+            <a:picLocks noChangeAspect="1"/>
+          </p:cNvPicPr>
+          <p:nvPr/>
+        </p:nvPicPr>
+        <p:blipFill>
+          <a:blip r:embed="rId3"/>
+          <a:stretch>
+            <a:fillRect/>
+          </a:stretch>
+        </p:blipFill>
+        <p:spPr>
+          <a:xfrm>
+            <a:off x="4730115" y="1096620"/>
+            <a:ext cx="3574129" cy="5496642"/>
+          </a:xfrm>
+          <a:prstGeom prst="rect">
+            <a:avLst/>
+          </a:prstGeom>
+        </p:spPr>
+      </p:pic>
+      <p:sp>
+        <p:nvSpPr>
+          <p:cNvPr id="11" name="직사각형 10"/>
+          <p:cNvSpPr/>
+          <p:nvPr/>
+        </p:nvSpPr>
+        <p:spPr>
+          <a:xfrm>
+            <a:off x="4710561" y="1077570"/>
+            <a:ext cx="3319014" cy="437731"/>
+          </a:xfrm>
+          <a:prstGeom prst="rect">
+            <a:avLst/>
+          </a:prstGeom>
+          <a:noFill/>
+          <a:ln w="28575">
+            <a:solidFill>
+              <a:srgbClr val="FF0000"/>
+            </a:solidFill>
+          </a:ln>
+        </p:spPr>
+        <p:style>
+          <a:lnRef idx="2">
+            <a:schemeClr val="accent1">
+              <a:shade val="50000"/>
+            </a:schemeClr>
+          </a:lnRef>
+          <a:fillRef idx="1">
+            <a:schemeClr val="accent1"/>
+          </a:fillRef>
+          <a:effectRef idx="0">
+            <a:schemeClr val="accent1"/>
+          </a:effectRef>
+          <a:fontRef idx="minor">
+            <a:schemeClr val="lt1"/>
+          </a:fontRef>
+        </p:style>
+        <p:txBody>
+          <a:bodyPr rtlCol="0" anchor="ctr"/>
+          <a:lstStyle/>
+          <a:p>
+            <a:pPr algn="ctr"/>
+            <a:endParaRPr lang="ko-KR" altLang="en-US"/>
+          </a:p>
+        </p:txBody>
+      </p:sp>
+      <p:cxnSp>
+        <p:nvCxnSpPr>
+          <p:cNvPr id="12" name="직선 화살표 연결선 11"/>
+          <p:cNvCxnSpPr/>
+          <p:nvPr/>
+        </p:nvCxnSpPr>
+        <p:spPr>
+          <a:xfrm>
+            <a:off x="8048625" y="1196837"/>
+            <a:ext cx="381000" cy="99598"/>
+          </a:xfrm>
+          <a:prstGeom prst="straightConnector1">
+            <a:avLst/>
+          </a:prstGeom>
+          <a:ln w="19050">
+            <a:solidFill>
+              <a:srgbClr val="FF0000"/>
+            </a:solidFill>
+            <a:tailEnd type="triangle"/>
+          </a:ln>
+        </p:spPr>
+        <p:style>
+          <a:lnRef idx="1">
+            <a:schemeClr val="accent1"/>
+          </a:lnRef>
+          <a:fillRef idx="0">
+            <a:schemeClr val="accent1"/>
+          </a:fillRef>
+          <a:effectRef idx="0">
+            <a:schemeClr val="accent1"/>
+          </a:effectRef>
+          <a:fontRef idx="minor">
+            <a:schemeClr val="tx1"/>
+          </a:fontRef>
+        </p:style>
+      </p:cxnSp>
+      <p:pic>
+        <p:nvPicPr>
+          <p:cNvPr id="8" name="그림 7"/>
+          <p:cNvPicPr>
+            <a:picLocks noChangeAspect="1"/>
+          </p:cNvPicPr>
+          <p:nvPr/>
+        </p:nvPicPr>
+        <p:blipFill>
+          <a:blip r:embed="rId4"/>
+          <a:stretch>
+            <a:fillRect/>
+          </a:stretch>
+        </p:blipFill>
+        <p:spPr>
+          <a:xfrm>
+            <a:off x="8314021" y="1496582"/>
+            <a:ext cx="3563403" cy="5067497"/>
+          </a:xfrm>
+          <a:prstGeom prst="rect">
+            <a:avLst/>
+          </a:prstGeom>
+        </p:spPr>
+      </p:pic>
+    </p:spTree>
+    <p:extLst>
+      <p:ext uri="{BB962C8B-B14F-4D97-AF65-F5344CB8AC3E}">
+        <p14:creationId xmlns:p14="http://schemas.microsoft.com/office/powerpoint/2010/main" val="518769378"/>
+      </p:ext>
+    </p:extLst>
+  </p:cSld>
+  <p:clrMapOvr>
+    <a:masterClrMapping/>
+  </p:clrMapOvr>
+  <p:timing>
+    <p:tnLst>
+      <p:par>
+        <p:cTn id="1" dur="indefinite" restart="never" nodeType="tmRoot"/>
+      </p:par>
+    </p:tnLst>
+  </p:timing>
+</p:sld>
+</file>
+
+<file path=ppt/slides/slide3.xml><?xml version="1.0" encoding="utf-8"?>
+<p:sld xmlns:a="http://schemas.openxmlformats.org/drawingml/2006/main" xmlns:r="http://schemas.openxmlformats.org/officeDocument/2006/relationships" xmlns:p="http://schemas.openxmlformats.org/presentationml/2006/main">
+  <p:cSld>
+    <p:spTree>
+      <p:nvGrpSpPr>
+        <p:cNvPr id="1" name=""/>
+        <p:cNvGrpSpPr/>
+        <p:nvPr/>
+      </p:nvGrpSpPr>
+      <p:grpSpPr>
+        <a:xfrm>
+          <a:off x="0" y="0"/>
+          <a:ext cx="0" cy="0"/>
+          <a:chOff x="0" y="0"/>
+          <a:chExt cx="0" cy="0"/>
+        </a:xfrm>
+      </p:grpSpPr>
+      <p:sp>
+        <p:nvSpPr>
+          <p:cNvPr id="6" name="직사각형 5"/>
+          <p:cNvSpPr/>
+          <p:nvPr/>
+        </p:nvSpPr>
+        <p:spPr>
+          <a:xfrm>
+            <a:off x="393442" y="335902"/>
+            <a:ext cx="4105469" cy="6228178"/>
+          </a:xfrm>
+          <a:prstGeom prst="rect">
+            <a:avLst/>
+          </a:prstGeom>
+          <a:solidFill>
+            <a:schemeClr val="bg1"/>
+          </a:solidFill>
+        </p:spPr>
+        <p:style>
+          <a:lnRef idx="2">
+            <a:schemeClr val="accent1">
+              <a:shade val="50000"/>
+            </a:schemeClr>
+          </a:lnRef>
+          <a:fillRef idx="1">
+            <a:schemeClr val="accent1"/>
+          </a:fillRef>
+          <a:effectRef idx="0">
+            <a:schemeClr val="accent1"/>
+          </a:effectRef>
+          <a:fontRef idx="minor">
+            <a:schemeClr val="lt1"/>
+          </a:fontRef>
+        </p:style>
+        <p:txBody>
+          <a:bodyPr rtlCol="0" anchor="ctr"/>
+          <a:lstStyle/>
+          <a:p>
+            <a:pPr algn="ctr"/>
+            <a:endParaRPr lang="ko-KR" altLang="en-US"/>
+          </a:p>
+        </p:txBody>
+      </p:sp>
+      <p:sp>
+        <p:nvSpPr>
+          <p:cNvPr id="3" name="타원형 설명선 2"/>
+          <p:cNvSpPr/>
+          <p:nvPr/>
+        </p:nvSpPr>
+        <p:spPr>
+          <a:xfrm>
+            <a:off x="4719737" y="6564080"/>
+            <a:ext cx="276808" cy="251928"/>
+          </a:xfrm>
+          <a:prstGeom prst="wedgeEllipseCallout">
+            <a:avLst/>
+          </a:prstGeom>
+          <a:solidFill>
+            <a:srgbClr val="FF0000"/>
+          </a:solidFill>
+        </p:spPr>
+        <p:style>
+          <a:lnRef idx="2">
+            <a:schemeClr val="accent1">
+              <a:shade val="50000"/>
+            </a:schemeClr>
+          </a:lnRef>
+          <a:fillRef idx="1">
+            <a:schemeClr val="accent1"/>
+          </a:fillRef>
+          <a:effectRef idx="0">
+            <a:schemeClr val="accent1"/>
+          </a:effectRef>
+          <a:fontRef idx="minor">
+            <a:schemeClr val="lt1"/>
+          </a:fontRef>
+        </p:style>
+        <p:txBody>
+          <a:bodyPr rtlCol="0" anchor="ctr"/>
+          <a:lstStyle/>
+          <a:p>
+            <a:pPr algn="ctr"/>
+            <a:r>
+              <a:rPr lang="en-US" altLang="ko-KR" dirty="0"/>
+              <a:t>1</a:t>
+            </a:r>
+            <a:endParaRPr lang="ko-KR" altLang="en-US" dirty="0"/>
+          </a:p>
+        </p:txBody>
+      </p:sp>
+      <p:sp>
+        <p:nvSpPr>
+          <p:cNvPr id="13" name="타원형 설명선 12"/>
+          <p:cNvSpPr/>
+          <p:nvPr/>
+        </p:nvSpPr>
+        <p:spPr>
+          <a:xfrm>
+            <a:off x="5138058" y="6568748"/>
+            <a:ext cx="276808" cy="251928"/>
+          </a:xfrm>
+          <a:prstGeom prst="wedgeEllipseCallout">
+            <a:avLst/>
+          </a:prstGeom>
+          <a:solidFill>
+            <a:srgbClr val="FF0000"/>
+          </a:solidFill>
+        </p:spPr>
+        <p:style>
+          <a:lnRef idx="2">
+            <a:schemeClr val="accent1">
+              <a:shade val="50000"/>
+            </a:schemeClr>
+          </a:lnRef>
+          <a:fillRef idx="1">
+            <a:schemeClr val="accent1"/>
+          </a:fillRef>
+          <a:effectRef idx="0">
+            <a:schemeClr val="accent1"/>
+          </a:effectRef>
+          <a:fontRef idx="minor">
+            <a:schemeClr val="lt1"/>
+          </a:fontRef>
+        </p:style>
+        <p:txBody>
+          <a:bodyPr rtlCol="0" anchor="ctr"/>
+          <a:lstStyle/>
+          <a:p>
+            <a:pPr algn="ctr"/>
+            <a:r>
+              <a:rPr lang="en-US" altLang="ko-KR" dirty="0" smtClean="0"/>
+              <a:t>2</a:t>
+            </a:r>
+            <a:endParaRPr lang="ko-KR" altLang="en-US" dirty="0"/>
+          </a:p>
+        </p:txBody>
+      </p:sp>
+      <p:sp>
+        <p:nvSpPr>
+          <p:cNvPr id="14" name="타원형 설명선 13"/>
+          <p:cNvSpPr/>
+          <p:nvPr/>
+        </p:nvSpPr>
+        <p:spPr>
+          <a:xfrm>
+            <a:off x="5545495" y="6568748"/>
+            <a:ext cx="276808" cy="251928"/>
+          </a:xfrm>
+          <a:prstGeom prst="wedgeEllipseCallout">
+            <a:avLst/>
+          </a:prstGeom>
+          <a:solidFill>
+            <a:srgbClr val="FF0000"/>
+          </a:solidFill>
+        </p:spPr>
+        <p:style>
+          <a:lnRef idx="2">
+            <a:schemeClr val="accent1">
+              <a:shade val="50000"/>
+            </a:schemeClr>
+          </a:lnRef>
+          <a:fillRef idx="1">
+            <a:schemeClr val="accent1"/>
+          </a:fillRef>
+          <a:effectRef idx="0">
+            <a:schemeClr val="accent1"/>
+          </a:effectRef>
+          <a:fontRef idx="minor">
+            <a:schemeClr val="lt1"/>
+          </a:fontRef>
+        </p:style>
+        <p:txBody>
+          <a:bodyPr rtlCol="0" anchor="ctr"/>
+          <a:lstStyle/>
+          <a:p>
+            <a:pPr algn="ctr"/>
+            <a:r>
+              <a:rPr lang="en-US" altLang="ko-KR" sz="1600" dirty="0" smtClean="0"/>
+              <a:t>3</a:t>
+            </a:r>
+            <a:endParaRPr lang="ko-KR" altLang="en-US" sz="1600" dirty="0"/>
+          </a:p>
+        </p:txBody>
+      </p:sp>
+      <p:sp>
+        <p:nvSpPr>
+          <p:cNvPr id="15" name="타원형 설명선 14"/>
+          <p:cNvSpPr/>
+          <p:nvPr/>
+        </p:nvSpPr>
+        <p:spPr>
+          <a:xfrm>
+            <a:off x="5952932" y="6568748"/>
+            <a:ext cx="276808" cy="251928"/>
+          </a:xfrm>
+          <a:prstGeom prst="wedgeEllipseCallout">
+            <a:avLst/>
+          </a:prstGeom>
+          <a:solidFill>
+            <a:srgbClr val="FF0000"/>
+          </a:solidFill>
+        </p:spPr>
+        <p:style>
+          <a:lnRef idx="2">
+            <a:schemeClr val="accent1">
+              <a:shade val="50000"/>
+            </a:schemeClr>
+          </a:lnRef>
+          <a:fillRef idx="1">
+            <a:schemeClr val="accent1"/>
+          </a:fillRef>
+          <a:effectRef idx="0">
+            <a:schemeClr val="accent1"/>
+          </a:effectRef>
+          <a:fontRef idx="minor">
+            <a:schemeClr val="lt1"/>
+          </a:fontRef>
+        </p:style>
+        <p:txBody>
+          <a:bodyPr rtlCol="0" anchor="ctr"/>
+          <a:lstStyle/>
+          <a:p>
+            <a:pPr algn="ctr"/>
+            <a:r>
+              <a:rPr lang="en-US" altLang="ko-KR" sz="1600" dirty="0" smtClean="0"/>
+              <a:t>4</a:t>
+            </a:r>
+            <a:endParaRPr lang="ko-KR" altLang="en-US" sz="1600" dirty="0"/>
+          </a:p>
+        </p:txBody>
+      </p:sp>
+      <p:sp>
+        <p:nvSpPr>
+          <p:cNvPr id="16" name="타원형 설명선 15"/>
+          <p:cNvSpPr/>
+          <p:nvPr/>
+        </p:nvSpPr>
+        <p:spPr>
+          <a:xfrm>
+            <a:off x="6360369" y="6568748"/>
+            <a:ext cx="276808" cy="251928"/>
+          </a:xfrm>
+          <a:prstGeom prst="wedgeEllipseCallout">
+            <a:avLst/>
+          </a:prstGeom>
+          <a:solidFill>
+            <a:srgbClr val="FF0000"/>
+          </a:solidFill>
+        </p:spPr>
+        <p:style>
+          <a:lnRef idx="2">
+            <a:schemeClr val="accent1">
+              <a:shade val="50000"/>
+            </a:schemeClr>
+          </a:lnRef>
+          <a:fillRef idx="1">
+            <a:schemeClr val="accent1"/>
+          </a:fillRef>
+          <a:effectRef idx="0">
+            <a:schemeClr val="accent1"/>
+          </a:effectRef>
+          <a:fontRef idx="minor">
+            <a:schemeClr val="lt1"/>
+          </a:fontRef>
+        </p:style>
+        <p:txBody>
+          <a:bodyPr rtlCol="0" anchor="ctr"/>
+          <a:lstStyle/>
+          <a:p>
+            <a:pPr algn="ctr"/>
+            <a:r>
+              <a:rPr lang="en-US" altLang="ko-KR" sz="1600" dirty="0"/>
+              <a:t>5</a:t>
+            </a:r>
+            <a:endParaRPr lang="ko-KR" altLang="en-US" sz="1600" dirty="0"/>
+          </a:p>
+        </p:txBody>
+      </p:sp>
+      <p:pic>
+        <p:nvPicPr>
+          <p:cNvPr id="4" name="그림 3"/>
+          <p:cNvPicPr>
+            <a:picLocks noChangeAspect="1"/>
+          </p:cNvPicPr>
+          <p:nvPr/>
+        </p:nvPicPr>
+        <p:blipFill>
+          <a:blip r:embed="rId2"/>
+          <a:stretch>
+            <a:fillRect/>
+          </a:stretch>
+        </p:blipFill>
+        <p:spPr>
+          <a:xfrm>
+            <a:off x="393442" y="335901"/>
+            <a:ext cx="4104965" cy="6228178"/>
+          </a:xfrm>
+          <a:prstGeom prst="rect">
+            <a:avLst/>
+          </a:prstGeom>
+        </p:spPr>
+      </p:pic>
+      <p:graphicFrame>
+        <p:nvGraphicFramePr>
+          <p:cNvPr id="10" name="표 9"/>
+          <p:cNvGraphicFramePr>
+            <a:graphicFrameLocks noGrp="1"/>
+          </p:cNvGraphicFramePr>
+          <p:nvPr>
+            <p:extLst/>
+          </p:nvPr>
+        </p:nvGraphicFramePr>
+        <p:xfrm>
+          <a:off x="4730621" y="335901"/>
+          <a:ext cx="7156580" cy="6257361"/>
+        </p:xfrm>
+        <a:graphic>
+          <a:graphicData uri="http://schemas.openxmlformats.org/drawingml/2006/table">
+            <a:tbl>
+              <a:tblPr firstRow="1" bandRow="1">
+                <a:tableStyleId>{5C22544A-7EE6-4342-B048-85BDC9FD1C3A}</a:tableStyleId>
+              </a:tblPr>
+              <a:tblGrid>
+                <a:gridCol w="3578290">
+                  <a:extLst>
+                    <a:ext uri="{9D8B030D-6E8A-4147-A177-3AD203B41FA5}">
+                      <a16:colId xmlns:a16="http://schemas.microsoft.com/office/drawing/2014/main" val="351070394"/>
+                    </a:ext>
+                  </a:extLst>
+                </a:gridCol>
+                <a:gridCol w="3578290">
+                  <a:extLst>
+                    <a:ext uri="{9D8B030D-6E8A-4147-A177-3AD203B41FA5}">
+                      <a16:colId xmlns:a16="http://schemas.microsoft.com/office/drawing/2014/main" val="3761585973"/>
+                    </a:ext>
+                  </a:extLst>
+                </a:gridCol>
+              </a:tblGrid>
+              <a:tr h="351168">
+                <a:tc gridSpan="2">
+                  <a:txBody>
+                    <a:bodyPr/>
+                    <a:lstStyle/>
+                    <a:p>
+                      <a:pPr algn="ctr" latinLnBrk="1"/>
+                      <a:r>
+                        <a:rPr lang="ko-KR" altLang="en-US" baseline="0" dirty="0" smtClean="0">
+                          <a:solidFill>
+                            <a:schemeClr val="tx1"/>
+                          </a:solidFill>
+                          <a:ea typeface="나눔고딕" panose="020D0604000000000000" pitchFamily="50" charset="-127"/>
+                        </a:rPr>
+                        <a:t>회원가입</a:t>
+                      </a:r>
+                      <a:r>
+                        <a:rPr lang="en-US" altLang="ko-KR" baseline="0" dirty="0" smtClean="0">
+                          <a:solidFill>
+                            <a:schemeClr val="tx1"/>
+                          </a:solidFill>
+                          <a:ea typeface="나눔고딕" panose="020D0604000000000000" pitchFamily="50" charset="-127"/>
+                        </a:rPr>
+                        <a:t> mobile </a:t>
+                      </a:r>
+                      <a:r>
+                        <a:rPr lang="ko-KR" altLang="en-US" baseline="0" dirty="0" smtClean="0">
+                          <a:solidFill>
+                            <a:schemeClr val="tx1"/>
+                          </a:solidFill>
+                          <a:ea typeface="나눔고딕" panose="020D0604000000000000" pitchFamily="50" charset="-127"/>
+                        </a:rPr>
+                        <a:t>화면</a:t>
+                      </a:r>
+                      <a:endParaRPr lang="ko-KR" altLang="en-US" dirty="0">
+                        <a:solidFill>
+                          <a:schemeClr val="tx1"/>
+                        </a:solidFill>
+                        <a:ea typeface="나눔고딕" panose="020D0604000000000000" pitchFamily="50" charset="-127"/>
+                      </a:endParaRPr>
+                    </a:p>
+                  </a:txBody>
+                  <a:tcPr anchor="ctr">
+                    <a:lnB w="12700" cap="flat" cmpd="sng" algn="ctr">
+                      <a:solidFill>
+                        <a:schemeClr val="tx1"/>
+                      </a:solidFill>
+                      <a:prstDash val="solid"/>
+                      <a:round/>
+                      <a:headEnd type="none" w="med" len="med"/>
+                      <a:tailEnd type="none" w="med" len="med"/>
+                    </a:lnB>
+                    <a:solidFill>
+                      <a:schemeClr val="accent1">
+                        <a:lumMod val="20000"/>
+                        <a:lumOff val="80000"/>
+                      </a:schemeClr>
+                    </a:solidFill>
+                  </a:tcPr>
+                </a:tc>
+                <a:tc hMerge="1">
+                  <a:txBody>
+                    <a:bodyPr/>
+                    <a:lstStyle/>
+                    <a:p>
+                      <a:pPr algn="ctr" latinLnBrk="1"/>
+                      <a:endParaRPr lang="ko-KR" altLang="en-US" dirty="0">
+                        <a:solidFill>
+                          <a:schemeClr val="tx1"/>
+                        </a:solidFill>
+                        <a:ea typeface="나눔고딕" panose="020D0604000000000000" pitchFamily="50" charset="-127"/>
+                      </a:endParaRPr>
+                    </a:p>
+                  </a:txBody>
+                  <a:tcPr anchor="ctr">
+                    <a:solidFill>
+                      <a:schemeClr val="accent1">
+                        <a:lumMod val="20000"/>
+                        <a:lumOff val="80000"/>
+                      </a:schemeClr>
+                    </a:solidFill>
+                  </a:tcPr>
+                </a:tc>
+                <a:extLst>
+                  <a:ext uri="{0D108BD9-81ED-4DB2-BD59-A6C34878D82A}">
+                    <a16:rowId xmlns:a16="http://schemas.microsoft.com/office/drawing/2014/main" val="3996157874"/>
+                  </a:ext>
+                </a:extLst>
+              </a:tr>
+              <a:tr h="351168">
+                <a:tc>
+                  <a:txBody>
+                    <a:bodyPr/>
+                    <a:lstStyle/>
+                    <a:p>
+                      <a:pPr algn="ctr" latinLnBrk="1"/>
+                      <a:r>
+                        <a:rPr lang="ko-KR" altLang="en-US" dirty="0" smtClean="0">
+                          <a:solidFill>
+                            <a:schemeClr val="tx1"/>
+                          </a:solidFill>
+                          <a:ea typeface="나눔고딕" panose="020D0604000000000000" pitchFamily="50" charset="-127"/>
+                        </a:rPr>
+                        <a:t>스토리보드</a:t>
+                      </a:r>
+                      <a:endParaRPr lang="ko-KR" altLang="en-US" dirty="0">
+                        <a:solidFill>
+                          <a:schemeClr val="tx1"/>
+                        </a:solidFill>
+                        <a:ea typeface="나눔고딕" panose="020D0604000000000000" pitchFamily="50" charset="-127"/>
+                      </a:endParaRPr>
+                    </a:p>
+                  </a:txBody>
+                  <a:tcPr anchor="ctr">
+                    <a:lnL w="12700" cap="flat" cmpd="sng" algn="ctr">
+                      <a:solidFill>
+                        <a:schemeClr val="tx1"/>
+                      </a:solidFill>
+                      <a:prstDash val="solid"/>
+                      <a:round/>
+                      <a:headEnd type="none" w="med" len="med"/>
+                      <a:tailEnd type="none" w="med" len="med"/>
+                    </a:lnL>
+                    <a:lnR w="12700" cap="flat" cmpd="sng" algn="ctr">
+                      <a:solidFill>
+                        <a:schemeClr val="tx1"/>
+                      </a:solidFill>
+                      <a:prstDash val="solid"/>
+                      <a:round/>
+                      <a:headEnd type="none" w="med" len="med"/>
+                      <a:tailEnd type="none" w="med" len="med"/>
+                    </a:lnR>
+                    <a:lnT w="12700" cap="flat" cmpd="sng" algn="ctr">
+                      <a:solidFill>
+                        <a:schemeClr val="tx1"/>
+                      </a:solidFill>
+                      <a:prstDash val="solid"/>
+                      <a:round/>
+                      <a:headEnd type="none" w="med" len="med"/>
+                      <a:tailEnd type="none" w="med" len="med"/>
+                    </a:lnT>
+                    <a:lnB w="12700" cap="flat" cmpd="sng" algn="ctr">
+                      <a:solidFill>
+                        <a:schemeClr val="tx1"/>
+                      </a:solidFill>
+                      <a:prstDash val="solid"/>
+                      <a:round/>
+                      <a:headEnd type="none" w="med" len="med"/>
+                      <a:tailEnd type="none" w="med" len="med"/>
+                    </a:lnB>
+                    <a:solidFill>
+                      <a:schemeClr val="accent1">
+                        <a:lumMod val="20000"/>
+                        <a:lumOff val="80000"/>
+                      </a:schemeClr>
+                    </a:solidFill>
+                  </a:tcPr>
+                </a:tc>
+                <a:tc>
+                  <a:txBody>
+                    <a:bodyPr/>
+                    <a:lstStyle/>
+                    <a:p>
+                      <a:pPr algn="ctr" latinLnBrk="1"/>
+                      <a:r>
+                        <a:rPr lang="ko-KR" altLang="en-US" dirty="0" smtClean="0">
+                          <a:solidFill>
+                            <a:schemeClr val="tx1"/>
+                          </a:solidFill>
+                          <a:ea typeface="나눔고딕" panose="020D0604000000000000" pitchFamily="50" charset="-127"/>
+                        </a:rPr>
+                        <a:t>구현</a:t>
+                      </a:r>
+                      <a:endParaRPr lang="ko-KR" altLang="en-US" dirty="0">
+                        <a:solidFill>
+                          <a:schemeClr val="tx1"/>
+                        </a:solidFill>
+                        <a:ea typeface="나눔고딕" panose="020D0604000000000000" pitchFamily="50" charset="-127"/>
+                      </a:endParaRPr>
+                    </a:p>
+                  </a:txBody>
+                  <a:tcPr anchor="ctr">
+                    <a:lnL w="12700" cap="flat" cmpd="sng" algn="ctr">
+                      <a:solidFill>
+                        <a:schemeClr val="tx1"/>
+                      </a:solidFill>
+                      <a:prstDash val="solid"/>
+                      <a:round/>
+                      <a:headEnd type="none" w="med" len="med"/>
+                      <a:tailEnd type="none" w="med" len="med"/>
+                    </a:lnL>
+                    <a:lnR w="12700" cap="flat" cmpd="sng" algn="ctr">
+                      <a:solidFill>
+                        <a:schemeClr val="tx1"/>
+                      </a:solidFill>
+                      <a:prstDash val="solid"/>
+                      <a:round/>
+                      <a:headEnd type="none" w="med" len="med"/>
+                      <a:tailEnd type="none" w="med" len="med"/>
+                    </a:lnR>
+                    <a:lnT w="12700" cap="flat" cmpd="sng" algn="ctr">
+                      <a:solidFill>
+                        <a:schemeClr val="tx1"/>
+                      </a:solidFill>
+                      <a:prstDash val="solid"/>
+                      <a:round/>
+                      <a:headEnd type="none" w="med" len="med"/>
+                      <a:tailEnd type="none" w="med" len="med"/>
+                    </a:lnT>
+                    <a:lnB w="12700" cap="flat" cmpd="sng" algn="ctr">
+                      <a:solidFill>
+                        <a:schemeClr val="tx1"/>
+                      </a:solidFill>
+                      <a:prstDash val="solid"/>
+                      <a:round/>
+                      <a:headEnd type="none" w="med" len="med"/>
+                      <a:tailEnd type="none" w="med" len="med"/>
+                    </a:lnB>
+                    <a:solidFill>
+                      <a:schemeClr val="accent1">
+                        <a:lumMod val="20000"/>
+                        <a:lumOff val="80000"/>
+                      </a:schemeClr>
+                    </a:solidFill>
+                  </a:tcPr>
+                </a:tc>
+                <a:extLst>
+                  <a:ext uri="{0D108BD9-81ED-4DB2-BD59-A6C34878D82A}">
+                    <a16:rowId xmlns:a16="http://schemas.microsoft.com/office/drawing/2014/main" val="2077121834"/>
+                  </a:ext>
+                </a:extLst>
+              </a:tr>
+              <a:tr h="1105168">
+                <a:tc>
+                  <a:txBody>
+                    <a:bodyPr/>
+                    <a:lstStyle/>
+                    <a:p>
+                      <a:pPr latinLnBrk="1"/>
+                      <a:endParaRPr lang="ko-KR" altLang="en-US" dirty="0">
+                        <a:ea typeface="나눔고딕" panose="020D0604000000000000" pitchFamily="50" charset="-127"/>
+                      </a:endParaRPr>
+                    </a:p>
+                  </a:txBody>
+                  <a:tcPr marL="180000" marR="72000" marT="180000">
+                    <a:lnL w="12700" cmpd="sng">
+                      <a:noFill/>
+                    </a:lnL>
+                    <a:lnR w="12700" cap="flat" cmpd="sng" algn="ctr">
+                      <a:solidFill>
+                        <a:schemeClr val="tx1"/>
+                      </a:solidFill>
+                      <a:prstDash val="solid"/>
+                      <a:round/>
+                      <a:headEnd type="none" w="med" len="med"/>
+                      <a:tailEnd type="none" w="med" len="med"/>
+                    </a:lnR>
+                    <a:lnT w="12700" cap="flat" cmpd="sng" algn="ctr">
+                      <a:solidFill>
+                        <a:schemeClr val="tx1"/>
+                      </a:solidFill>
+                      <a:prstDash val="solid"/>
+                      <a:round/>
+                      <a:headEnd type="none" w="med" len="med"/>
+                      <a:tailEnd type="none" w="med" len="med"/>
+                    </a:lnT>
+                    <a:lnB w="12700" cmpd="sng">
+                      <a:noFill/>
+                    </a:lnB>
+                    <a:lnTlToBr w="12700" cmpd="sng">
+                      <a:noFill/>
+                      <a:prstDash val="solid"/>
+                    </a:lnTlToBr>
+                    <a:lnBlToTr w="12700" cmpd="sng">
+                      <a:noFill/>
+                      <a:prstDash val="solid"/>
+                    </a:lnBlToTr>
+                    <a:solidFill>
+                      <a:schemeClr val="bg1">
+                        <a:lumMod val="95000"/>
+                      </a:schemeClr>
+                    </a:solidFill>
+                  </a:tcPr>
+                </a:tc>
+                <a:tc rowSpan="5">
+                  <a:txBody>
+                    <a:bodyPr/>
+                    <a:lstStyle/>
+                    <a:p>
+                      <a:pPr latinLnBrk="1"/>
+                      <a:r>
+                        <a:rPr lang="ko-KR" altLang="en-US" sz="1200" dirty="0" smtClean="0">
+                          <a:solidFill>
+                            <a:srgbClr val="FF0000"/>
+                          </a:solidFill>
+                          <a:ea typeface="나눔고딕" panose="020D0604000000000000" pitchFamily="50" charset="-127"/>
+                        </a:rPr>
+                        <a:t>닉네임 유효성 검사 및 중복 검사</a:t>
+                      </a:r>
+                      <a:endParaRPr lang="en-US" altLang="ko-KR" sz="1200" dirty="0" smtClean="0">
+                        <a:solidFill>
+                          <a:srgbClr val="FF0000"/>
+                        </a:solidFill>
+                        <a:ea typeface="나눔고딕" panose="020D0604000000000000" pitchFamily="50" charset="-127"/>
+                      </a:endParaRPr>
+                    </a:p>
+                    <a:p>
+                      <a:pPr latinLnBrk="1"/>
+                      <a:endParaRPr lang="en-US" altLang="ko-KR" sz="1200" dirty="0" smtClean="0">
+                        <a:ea typeface="나눔고딕" panose="020D0604000000000000" pitchFamily="50" charset="-127"/>
+                      </a:endParaRPr>
+                    </a:p>
+                    <a:p>
+                      <a:pPr latinLnBrk="1"/>
+                      <a:endParaRPr lang="ko-KR" altLang="en-US" sz="1200" dirty="0">
+                        <a:ea typeface="나눔고딕" panose="020D0604000000000000" pitchFamily="50" charset="-127"/>
+                      </a:endParaRPr>
+                    </a:p>
+                  </a:txBody>
+                  <a:tcPr marL="180000" marR="72000" marT="180000">
+                    <a:lnL w="12700" cap="flat" cmpd="sng" algn="ctr">
+                      <a:solidFill>
+                        <a:schemeClr val="tx1"/>
+                      </a:solidFill>
+                      <a:prstDash val="solid"/>
+                      <a:round/>
+                      <a:headEnd type="none" w="med" len="med"/>
+                      <a:tailEnd type="none" w="med" len="med"/>
+                    </a:lnL>
+                    <a:lnT w="12700" cap="flat" cmpd="sng" algn="ctr">
+                      <a:solidFill>
+                        <a:schemeClr val="tx1"/>
+                      </a:solidFill>
+                      <a:prstDash val="solid"/>
+                      <a:round/>
+                      <a:headEnd type="none" w="med" len="med"/>
+                      <a:tailEnd type="none" w="med" len="med"/>
+                    </a:lnT>
+                    <a:solidFill>
+                      <a:schemeClr val="bg1"/>
+                    </a:solidFill>
+                  </a:tcPr>
+                </a:tc>
+                <a:extLst>
+                  <a:ext uri="{0D108BD9-81ED-4DB2-BD59-A6C34878D82A}">
+                    <a16:rowId xmlns:a16="http://schemas.microsoft.com/office/drawing/2014/main" val="2443125590"/>
+                  </a:ext>
+                </a:extLst>
+              </a:tr>
+              <a:tr h="1105168">
+                <a:tc>
+                  <a:txBody>
+                    <a:bodyPr/>
+                    <a:lstStyle/>
+                    <a:p>
+                      <a:pPr latinLnBrk="1"/>
+                      <a:endParaRPr lang="ko-KR" altLang="en-US" dirty="0">
+                        <a:ea typeface="나눔고딕" panose="020D0604000000000000" pitchFamily="50" charset="-127"/>
+                      </a:endParaRPr>
+                    </a:p>
+                  </a:txBody>
+                  <a:tcPr marL="180000" marR="72000" marT="180000">
+                    <a:lnL w="12700" cmpd="sng">
+                      <a:noFill/>
+                    </a:lnL>
+                    <a:lnR w="12700" cap="flat" cmpd="sng" algn="ctr">
+                      <a:solidFill>
+                        <a:schemeClr val="tx1"/>
+                      </a:solidFill>
+                      <a:prstDash val="solid"/>
+                      <a:round/>
+                      <a:headEnd type="none" w="med" len="med"/>
+                      <a:tailEnd type="none" w="med" len="med"/>
+                    </a:lnR>
+                    <a:lnT w="12700" cmpd="sng">
+                      <a:noFill/>
+                    </a:lnT>
+                    <a:lnB w="12700" cmpd="sng">
+                      <a:noFill/>
+                    </a:lnB>
+                    <a:lnTlToBr w="12700" cmpd="sng">
+                      <a:noFill/>
+                      <a:prstDash val="solid"/>
+                    </a:lnTlToBr>
+                    <a:lnBlToTr w="12700" cmpd="sng">
+                      <a:noFill/>
+                      <a:prstDash val="solid"/>
+                    </a:lnBlToTr>
+                    <a:solidFill>
+                      <a:schemeClr val="bg1">
+                        <a:lumMod val="95000"/>
+                      </a:schemeClr>
+                    </a:solidFill>
+                  </a:tcPr>
+                </a:tc>
+                <a:tc vMerge="1">
+                  <a:txBody>
+                    <a:bodyPr/>
+                    <a:lstStyle/>
+                    <a:p>
+                      <a:pPr latinLnBrk="1"/>
+                      <a:endParaRPr lang="ko-KR" altLang="en-US" dirty="0">
+                        <a:ea typeface="나눔고딕" panose="020D0604000000000000" pitchFamily="50" charset="-127"/>
+                      </a:endParaRPr>
+                    </a:p>
+                  </a:txBody>
+                  <a:tcPr marL="180000" marR="72000" marT="180000">
+                    <a:lnL w="12700" cap="flat" cmpd="sng" algn="ctr">
+                      <a:solidFill>
+                        <a:schemeClr val="tx1"/>
+                      </a:solidFill>
+                      <a:prstDash val="solid"/>
+                      <a:round/>
+                      <a:headEnd type="none" w="med" len="med"/>
+                      <a:tailEnd type="none" w="med" len="med"/>
+                    </a:lnL>
+                    <a:solidFill>
+                      <a:schemeClr val="bg1">
+                        <a:lumMod val="95000"/>
+                      </a:schemeClr>
+                    </a:solidFill>
+                  </a:tcPr>
+                </a:tc>
+                <a:extLst>
+                  <a:ext uri="{0D108BD9-81ED-4DB2-BD59-A6C34878D82A}">
+                    <a16:rowId xmlns:a16="http://schemas.microsoft.com/office/drawing/2014/main" val="351888798"/>
+                  </a:ext>
+                </a:extLst>
+              </a:tr>
+              <a:tr h="1105169">
+                <a:tc>
+                  <a:txBody>
+                    <a:bodyPr/>
+                    <a:lstStyle/>
+                    <a:p>
+                      <a:pPr latinLnBrk="1"/>
+                      <a:endParaRPr lang="ko-KR" altLang="en-US" dirty="0">
+                        <a:ea typeface="나눔고딕" panose="020D0604000000000000" pitchFamily="50" charset="-127"/>
+                      </a:endParaRPr>
+                    </a:p>
+                  </a:txBody>
+                  <a:tcPr marL="180000" marR="72000" marT="180000">
+                    <a:lnL w="12700" cmpd="sng">
+                      <a:noFill/>
+                    </a:lnL>
+                    <a:lnR w="12700" cap="flat" cmpd="sng" algn="ctr">
+                      <a:solidFill>
+                        <a:schemeClr val="tx1"/>
+                      </a:solidFill>
+                      <a:prstDash val="solid"/>
+                      <a:round/>
+                      <a:headEnd type="none" w="med" len="med"/>
+                      <a:tailEnd type="none" w="med" len="med"/>
+                    </a:lnR>
+                    <a:lnT w="12700" cmpd="sng">
+                      <a:noFill/>
+                    </a:lnT>
+                    <a:lnB w="12700" cmpd="sng">
+                      <a:noFill/>
+                    </a:lnB>
+                    <a:lnTlToBr w="12700" cmpd="sng">
+                      <a:noFill/>
+                      <a:prstDash val="solid"/>
+                    </a:lnTlToBr>
+                    <a:lnBlToTr w="12700" cmpd="sng">
+                      <a:noFill/>
+                      <a:prstDash val="solid"/>
+                    </a:lnBlToTr>
+                    <a:solidFill>
+                      <a:schemeClr val="bg1">
+                        <a:lumMod val="95000"/>
+                      </a:schemeClr>
+                    </a:solidFill>
+                  </a:tcPr>
+                </a:tc>
+                <a:tc vMerge="1">
+                  <a:txBody>
+                    <a:bodyPr/>
+                    <a:lstStyle/>
+                    <a:p>
+                      <a:pPr latinLnBrk="1"/>
+                      <a:endParaRPr lang="ko-KR" altLang="en-US" dirty="0">
+                        <a:ea typeface="나눔고딕" panose="020D0604000000000000" pitchFamily="50" charset="-127"/>
+                      </a:endParaRPr>
+                    </a:p>
+                  </a:txBody>
+                  <a:tcPr marL="180000" marR="72000" marT="180000">
+                    <a:lnL w="12700" cap="flat" cmpd="sng" algn="ctr">
+                      <a:solidFill>
+                        <a:schemeClr val="tx1"/>
+                      </a:solidFill>
+                      <a:prstDash val="solid"/>
+                      <a:round/>
+                      <a:headEnd type="none" w="med" len="med"/>
+                      <a:tailEnd type="none" w="med" len="med"/>
+                    </a:lnL>
+                    <a:solidFill>
+                      <a:schemeClr val="bg1">
+                        <a:lumMod val="95000"/>
+                      </a:schemeClr>
+                    </a:solidFill>
+                  </a:tcPr>
+                </a:tc>
+                <a:extLst>
+                  <a:ext uri="{0D108BD9-81ED-4DB2-BD59-A6C34878D82A}">
+                    <a16:rowId xmlns:a16="http://schemas.microsoft.com/office/drawing/2014/main" val="1836297606"/>
+                  </a:ext>
+                </a:extLst>
+              </a:tr>
+              <a:tr h="1105168">
+                <a:tc>
+                  <a:txBody>
+                    <a:bodyPr/>
+                    <a:lstStyle/>
+                    <a:p>
+                      <a:pPr latinLnBrk="1"/>
+                      <a:endParaRPr lang="ko-KR" altLang="en-US" dirty="0">
+                        <a:ea typeface="나눔고딕" panose="020D0604000000000000" pitchFamily="50" charset="-127"/>
+                      </a:endParaRPr>
+                    </a:p>
+                  </a:txBody>
+                  <a:tcPr marL="180000" marR="72000" marT="180000">
+                    <a:lnL w="12700" cmpd="sng">
+                      <a:noFill/>
+                    </a:lnL>
+                    <a:lnR w="12700" cap="flat" cmpd="sng" algn="ctr">
+                      <a:solidFill>
+                        <a:schemeClr val="tx1"/>
+                      </a:solidFill>
+                      <a:prstDash val="solid"/>
+                      <a:round/>
+                      <a:headEnd type="none" w="med" len="med"/>
+                      <a:tailEnd type="none" w="med" len="med"/>
+                    </a:lnR>
+                    <a:lnT w="12700" cmpd="sng">
+                      <a:noFill/>
+                    </a:lnT>
+                    <a:lnB w="12700" cmpd="sng">
+                      <a:noFill/>
+                    </a:lnB>
+                    <a:lnTlToBr w="12700" cmpd="sng">
+                      <a:noFill/>
+                      <a:prstDash val="solid"/>
+                    </a:lnTlToBr>
+                    <a:lnBlToTr w="12700" cmpd="sng">
+                      <a:noFill/>
+                      <a:prstDash val="solid"/>
+                    </a:lnBlToTr>
+                    <a:solidFill>
+                      <a:schemeClr val="bg1">
+                        <a:lumMod val="95000"/>
+                      </a:schemeClr>
+                    </a:solidFill>
+                  </a:tcPr>
+                </a:tc>
+                <a:tc vMerge="1">
+                  <a:txBody>
+                    <a:bodyPr/>
+                    <a:lstStyle/>
+                    <a:p>
+                      <a:pPr latinLnBrk="1"/>
+                      <a:endParaRPr lang="ko-KR" altLang="en-US" dirty="0">
+                        <a:ea typeface="나눔고딕" panose="020D0604000000000000" pitchFamily="50" charset="-127"/>
+                      </a:endParaRPr>
+                    </a:p>
+                  </a:txBody>
+                  <a:tcPr marL="180000" marR="72000" marT="180000">
+                    <a:lnL w="12700" cap="flat" cmpd="sng" algn="ctr">
+                      <a:solidFill>
+                        <a:schemeClr val="tx1"/>
+                      </a:solidFill>
+                      <a:prstDash val="solid"/>
+                      <a:round/>
+                      <a:headEnd type="none" w="med" len="med"/>
+                      <a:tailEnd type="none" w="med" len="med"/>
+                    </a:lnL>
+                    <a:solidFill>
+                      <a:schemeClr val="bg1">
+                        <a:lumMod val="95000"/>
+                      </a:schemeClr>
+                    </a:solidFill>
+                  </a:tcPr>
+                </a:tc>
+                <a:extLst>
+                  <a:ext uri="{0D108BD9-81ED-4DB2-BD59-A6C34878D82A}">
+                    <a16:rowId xmlns:a16="http://schemas.microsoft.com/office/drawing/2014/main" val="2071471467"/>
+                  </a:ext>
+                </a:extLst>
+              </a:tr>
+              <a:tr h="1105168">
+                <a:tc>
+                  <a:txBody>
+                    <a:bodyPr/>
+                    <a:lstStyle/>
+                    <a:p>
+                      <a:pPr latinLnBrk="1"/>
+                      <a:endParaRPr lang="ko-KR" altLang="en-US" dirty="0">
+                        <a:ea typeface="나눔고딕" panose="020D0604000000000000" pitchFamily="50" charset="-127"/>
+                      </a:endParaRPr>
+                    </a:p>
+                  </a:txBody>
+                  <a:tcPr marL="180000" marR="72000" marT="180000">
+                    <a:lnL w="12700" cmpd="sng">
+                      <a:noFill/>
+                    </a:lnL>
+                    <a:lnR w="12700" cap="flat" cmpd="sng" algn="ctr">
+                      <a:solidFill>
+                        <a:schemeClr val="tx1"/>
+                      </a:solidFill>
+                      <a:prstDash val="solid"/>
+                      <a:round/>
+                      <a:headEnd type="none" w="med" len="med"/>
+                      <a:tailEnd type="none" w="med" len="med"/>
+                    </a:lnR>
+                    <a:lnT w="12700" cmpd="sng">
+                      <a:noFill/>
+                    </a:lnT>
+                    <a:lnB w="12700" cmpd="sng">
+                      <a:noFill/>
+                    </a:lnB>
+                    <a:lnTlToBr w="12700" cmpd="sng">
+                      <a:noFill/>
+                      <a:prstDash val="solid"/>
+                    </a:lnTlToBr>
+                    <a:lnBlToTr w="12700" cmpd="sng">
+                      <a:noFill/>
+                      <a:prstDash val="solid"/>
+                    </a:lnBlToTr>
+                    <a:solidFill>
+                      <a:schemeClr val="bg1">
+                        <a:lumMod val="95000"/>
+                      </a:schemeClr>
+                    </a:solidFill>
+                  </a:tcPr>
+                </a:tc>
+                <a:tc vMerge="1">
+                  <a:txBody>
+                    <a:bodyPr/>
+                    <a:lstStyle/>
+                    <a:p>
+                      <a:pPr latinLnBrk="1"/>
+                      <a:endParaRPr lang="ko-KR" altLang="en-US" dirty="0">
+                        <a:ea typeface="나눔고딕" panose="020D0604000000000000" pitchFamily="50" charset="-127"/>
+                      </a:endParaRPr>
+                    </a:p>
+                  </a:txBody>
+                  <a:tcPr marL="180000" marR="72000" marT="180000">
+                    <a:lnL w="12700" cap="flat" cmpd="sng" algn="ctr">
+                      <a:solidFill>
+                        <a:schemeClr val="tx1"/>
+                      </a:solidFill>
+                      <a:prstDash val="solid"/>
+                      <a:round/>
+                      <a:headEnd type="none" w="med" len="med"/>
+                      <a:tailEnd type="none" w="med" len="med"/>
+                    </a:lnL>
+                    <a:solidFill>
+                      <a:schemeClr val="bg1">
+                        <a:lumMod val="95000"/>
+                      </a:schemeClr>
+                    </a:solidFill>
+                  </a:tcPr>
+                </a:tc>
+                <a:extLst>
+                  <a:ext uri="{0D108BD9-81ED-4DB2-BD59-A6C34878D82A}">
+                    <a16:rowId xmlns:a16="http://schemas.microsoft.com/office/drawing/2014/main" val="3691746584"/>
+                  </a:ext>
+                </a:extLst>
+              </a:tr>
+            </a:tbl>
+          </a:graphicData>
+        </a:graphic>
+      </p:graphicFrame>
+      <p:pic>
+        <p:nvPicPr>
+          <p:cNvPr id="2" name="그림 1"/>
+          <p:cNvPicPr>
+            <a:picLocks noChangeAspect="1"/>
+          </p:cNvPicPr>
+          <p:nvPr/>
+        </p:nvPicPr>
+        <p:blipFill>
+          <a:blip r:embed="rId3"/>
+          <a:stretch>
+            <a:fillRect/>
+          </a:stretch>
+        </p:blipFill>
+        <p:spPr>
+          <a:xfrm>
+            <a:off x="4730115" y="1096620"/>
+            <a:ext cx="3574129" cy="5496642"/>
+          </a:xfrm>
+          <a:prstGeom prst="rect">
+            <a:avLst/>
+          </a:prstGeom>
+        </p:spPr>
+      </p:pic>
+      <p:sp>
+        <p:nvSpPr>
+          <p:cNvPr id="11" name="직사각형 10"/>
+          <p:cNvSpPr/>
+          <p:nvPr/>
+        </p:nvSpPr>
+        <p:spPr>
+          <a:xfrm>
+            <a:off x="4700862" y="2028825"/>
+            <a:ext cx="3319014" cy="381000"/>
+          </a:xfrm>
+          <a:prstGeom prst="rect">
+            <a:avLst/>
+          </a:prstGeom>
+          <a:noFill/>
+          <a:ln w="28575">
+            <a:solidFill>
+              <a:srgbClr val="FF0000"/>
+            </a:solidFill>
+          </a:ln>
+        </p:spPr>
+        <p:style>
+          <a:lnRef idx="2">
+            <a:schemeClr val="accent1">
+              <a:shade val="50000"/>
+            </a:schemeClr>
+          </a:lnRef>
+          <a:fillRef idx="1">
+            <a:schemeClr val="accent1"/>
+          </a:fillRef>
+          <a:effectRef idx="0">
+            <a:schemeClr val="accent1"/>
+          </a:effectRef>
+          <a:fontRef idx="minor">
+            <a:schemeClr val="lt1"/>
+          </a:fontRef>
+        </p:style>
+        <p:txBody>
+          <a:bodyPr rtlCol="0" anchor="ctr"/>
+          <a:lstStyle/>
+          <a:p>
+            <a:pPr algn="ctr"/>
+            <a:endParaRPr lang="ko-KR" altLang="en-US"/>
+          </a:p>
+        </p:txBody>
+      </p:sp>
+      <p:cxnSp>
+        <p:nvCxnSpPr>
+          <p:cNvPr id="12" name="직선 화살표 연결선 11"/>
+          <p:cNvCxnSpPr/>
+          <p:nvPr/>
+        </p:nvCxnSpPr>
+        <p:spPr>
+          <a:xfrm flipV="1">
+            <a:off x="8031327" y="1409700"/>
+            <a:ext cx="388773" cy="710027"/>
+          </a:xfrm>
+          <a:prstGeom prst="straightConnector1">
+            <a:avLst/>
+          </a:prstGeom>
+          <a:ln w="19050">
+            <a:solidFill>
+              <a:srgbClr val="FF0000"/>
+            </a:solidFill>
+            <a:tailEnd type="triangle"/>
+          </a:ln>
+        </p:spPr>
+        <p:style>
+          <a:lnRef idx="1">
+            <a:schemeClr val="accent1"/>
+          </a:lnRef>
+          <a:fillRef idx="0">
+            <a:schemeClr val="accent1"/>
+          </a:fillRef>
+          <a:effectRef idx="0">
+            <a:schemeClr val="accent1"/>
+          </a:effectRef>
+          <a:fontRef idx="minor">
+            <a:schemeClr val="tx1"/>
+          </a:fontRef>
+        </p:style>
+      </p:cxnSp>
+      <p:pic>
+        <p:nvPicPr>
+          <p:cNvPr id="7" name="그림 6"/>
+          <p:cNvPicPr>
+            <a:picLocks noChangeAspect="1"/>
+          </p:cNvPicPr>
+          <p:nvPr/>
+        </p:nvPicPr>
+        <p:blipFill>
+          <a:blip r:embed="rId4"/>
+          <a:stretch>
+            <a:fillRect/>
+          </a:stretch>
+        </p:blipFill>
+        <p:spPr>
+          <a:xfrm>
+            <a:off x="8306161" y="1523846"/>
+            <a:ext cx="3894159" cy="2495704"/>
+          </a:xfrm>
+          <a:prstGeom prst="rect">
+            <a:avLst/>
+          </a:prstGeom>
+        </p:spPr>
+      </p:pic>
+    </p:spTree>
+    <p:extLst>
+      <p:ext uri="{BB962C8B-B14F-4D97-AF65-F5344CB8AC3E}">
+        <p14:creationId xmlns:p14="http://schemas.microsoft.com/office/powerpoint/2010/main" val="2577891464"/>
+      </p:ext>
+    </p:extLst>
+  </p:cSld>
+  <p:clrMapOvr>
+    <a:masterClrMapping/>
+  </p:clrMapOvr>
+  <p:timing>
+    <p:tnLst>
+      <p:par>
+        <p:cTn id="1" dur="indefinite" restart="never" nodeType="tmRoot"/>
+      </p:par>
+    </p:tnLst>
+  </p:timing>
+</p:sld>
+</file>
+
+<file path=ppt/slides/slide4.xml><?xml version="1.0" encoding="utf-8"?>
+<p:sld xmlns:a="http://schemas.openxmlformats.org/drawingml/2006/main" xmlns:r="http://schemas.openxmlformats.org/officeDocument/2006/relationships" xmlns:p="http://schemas.openxmlformats.org/presentationml/2006/main">
+  <p:cSld>
+    <p:spTree>
+      <p:nvGrpSpPr>
+        <p:cNvPr id="1" name=""/>
+        <p:cNvGrpSpPr/>
+        <p:nvPr/>
+      </p:nvGrpSpPr>
+      <p:grpSpPr>
+        <a:xfrm>
+          <a:off x="0" y="0"/>
+          <a:ext cx="0" cy="0"/>
+          <a:chOff x="0" y="0"/>
+          <a:chExt cx="0" cy="0"/>
+        </a:xfrm>
+      </p:grpSpPr>
+      <p:sp>
+        <p:nvSpPr>
+          <p:cNvPr id="6" name="직사각형 5"/>
+          <p:cNvSpPr/>
+          <p:nvPr/>
+        </p:nvSpPr>
+        <p:spPr>
+          <a:xfrm>
+            <a:off x="393442" y="335902"/>
+            <a:ext cx="4105469" cy="6228178"/>
+          </a:xfrm>
+          <a:prstGeom prst="rect">
+            <a:avLst/>
+          </a:prstGeom>
+          <a:solidFill>
+            <a:schemeClr val="bg1"/>
+          </a:solidFill>
+        </p:spPr>
+        <p:style>
+          <a:lnRef idx="2">
+            <a:schemeClr val="accent1">
+              <a:shade val="50000"/>
+            </a:schemeClr>
+          </a:lnRef>
+          <a:fillRef idx="1">
+            <a:schemeClr val="accent1"/>
+          </a:fillRef>
+          <a:effectRef idx="0">
+            <a:schemeClr val="accent1"/>
+          </a:effectRef>
+          <a:fontRef idx="minor">
+            <a:schemeClr val="lt1"/>
+          </a:fontRef>
+        </p:style>
+        <p:txBody>
+          <a:bodyPr rtlCol="0" anchor="ctr"/>
+          <a:lstStyle/>
+          <a:p>
+            <a:pPr algn="ctr"/>
+            <a:endParaRPr lang="ko-KR" altLang="en-US"/>
+          </a:p>
+        </p:txBody>
+      </p:sp>
+      <p:sp>
+        <p:nvSpPr>
+          <p:cNvPr id="3" name="타원형 설명선 2"/>
+          <p:cNvSpPr/>
+          <p:nvPr/>
+        </p:nvSpPr>
+        <p:spPr>
+          <a:xfrm>
+            <a:off x="4719737" y="6564080"/>
+            <a:ext cx="276808" cy="251928"/>
+          </a:xfrm>
+          <a:prstGeom prst="wedgeEllipseCallout">
+            <a:avLst/>
+          </a:prstGeom>
+          <a:solidFill>
+            <a:srgbClr val="FF0000"/>
+          </a:solidFill>
+        </p:spPr>
+        <p:style>
+          <a:lnRef idx="2">
+            <a:schemeClr val="accent1">
+              <a:shade val="50000"/>
+            </a:schemeClr>
+          </a:lnRef>
+          <a:fillRef idx="1">
+            <a:schemeClr val="accent1"/>
+          </a:fillRef>
+          <a:effectRef idx="0">
+            <a:schemeClr val="accent1"/>
+          </a:effectRef>
+          <a:fontRef idx="minor">
+            <a:schemeClr val="lt1"/>
+          </a:fontRef>
+        </p:style>
+        <p:txBody>
+          <a:bodyPr rtlCol="0" anchor="ctr"/>
+          <a:lstStyle/>
+          <a:p>
+            <a:pPr algn="ctr"/>
+            <a:r>
+              <a:rPr lang="en-US" altLang="ko-KR" dirty="0"/>
+              <a:t>1</a:t>
+            </a:r>
+            <a:endParaRPr lang="ko-KR" altLang="en-US" dirty="0"/>
+          </a:p>
+        </p:txBody>
+      </p:sp>
+      <p:sp>
+        <p:nvSpPr>
+          <p:cNvPr id="13" name="타원형 설명선 12"/>
+          <p:cNvSpPr/>
+          <p:nvPr/>
+        </p:nvSpPr>
+        <p:spPr>
+          <a:xfrm>
+            <a:off x="5138058" y="6568748"/>
+            <a:ext cx="276808" cy="251928"/>
+          </a:xfrm>
+          <a:prstGeom prst="wedgeEllipseCallout">
+            <a:avLst/>
+          </a:prstGeom>
+          <a:solidFill>
+            <a:srgbClr val="FF0000"/>
+          </a:solidFill>
+        </p:spPr>
+        <p:style>
+          <a:lnRef idx="2">
+            <a:schemeClr val="accent1">
+              <a:shade val="50000"/>
+            </a:schemeClr>
+          </a:lnRef>
+          <a:fillRef idx="1">
+            <a:schemeClr val="accent1"/>
+          </a:fillRef>
+          <a:effectRef idx="0">
+            <a:schemeClr val="accent1"/>
+          </a:effectRef>
+          <a:fontRef idx="minor">
+            <a:schemeClr val="lt1"/>
+          </a:fontRef>
+        </p:style>
+        <p:txBody>
+          <a:bodyPr rtlCol="0" anchor="ctr"/>
+          <a:lstStyle/>
+          <a:p>
+            <a:pPr algn="ctr"/>
+            <a:r>
+              <a:rPr lang="en-US" altLang="ko-KR" dirty="0" smtClean="0"/>
+              <a:t>2</a:t>
+            </a:r>
+            <a:endParaRPr lang="ko-KR" altLang="en-US" dirty="0"/>
+          </a:p>
+        </p:txBody>
+      </p:sp>
+      <p:sp>
+        <p:nvSpPr>
+          <p:cNvPr id="14" name="타원형 설명선 13"/>
+          <p:cNvSpPr/>
+          <p:nvPr/>
+        </p:nvSpPr>
+        <p:spPr>
+          <a:xfrm>
+            <a:off x="5545495" y="6568748"/>
+            <a:ext cx="276808" cy="251928"/>
+          </a:xfrm>
+          <a:prstGeom prst="wedgeEllipseCallout">
+            <a:avLst/>
+          </a:prstGeom>
+          <a:solidFill>
+            <a:srgbClr val="FF0000"/>
+          </a:solidFill>
+        </p:spPr>
+        <p:style>
+          <a:lnRef idx="2">
+            <a:schemeClr val="accent1">
+              <a:shade val="50000"/>
+            </a:schemeClr>
+          </a:lnRef>
+          <a:fillRef idx="1">
+            <a:schemeClr val="accent1"/>
+          </a:fillRef>
+          <a:effectRef idx="0">
+            <a:schemeClr val="accent1"/>
+          </a:effectRef>
+          <a:fontRef idx="minor">
+            <a:schemeClr val="lt1"/>
+          </a:fontRef>
+        </p:style>
+        <p:txBody>
+          <a:bodyPr rtlCol="0" anchor="ctr"/>
+          <a:lstStyle/>
+          <a:p>
+            <a:pPr algn="ctr"/>
+            <a:r>
+              <a:rPr lang="en-US" altLang="ko-KR" sz="1600" dirty="0" smtClean="0"/>
+              <a:t>3</a:t>
+            </a:r>
+            <a:endParaRPr lang="ko-KR" altLang="en-US" sz="1600" dirty="0"/>
+          </a:p>
+        </p:txBody>
+      </p:sp>
+      <p:sp>
+        <p:nvSpPr>
+          <p:cNvPr id="15" name="타원형 설명선 14"/>
+          <p:cNvSpPr/>
+          <p:nvPr/>
+        </p:nvSpPr>
+        <p:spPr>
+          <a:xfrm>
+            <a:off x="5952932" y="6568748"/>
+            <a:ext cx="276808" cy="251928"/>
+          </a:xfrm>
+          <a:prstGeom prst="wedgeEllipseCallout">
+            <a:avLst/>
+          </a:prstGeom>
+          <a:solidFill>
+            <a:srgbClr val="FF0000"/>
+          </a:solidFill>
+        </p:spPr>
+        <p:style>
+          <a:lnRef idx="2">
+            <a:schemeClr val="accent1">
+              <a:shade val="50000"/>
+            </a:schemeClr>
+          </a:lnRef>
+          <a:fillRef idx="1">
+            <a:schemeClr val="accent1"/>
+          </a:fillRef>
+          <a:effectRef idx="0">
+            <a:schemeClr val="accent1"/>
+          </a:effectRef>
+          <a:fontRef idx="minor">
+            <a:schemeClr val="lt1"/>
+          </a:fontRef>
+        </p:style>
+        <p:txBody>
+          <a:bodyPr rtlCol="0" anchor="ctr"/>
+          <a:lstStyle/>
+          <a:p>
+            <a:pPr algn="ctr"/>
+            <a:r>
+              <a:rPr lang="en-US" altLang="ko-KR" sz="1600" dirty="0" smtClean="0"/>
+              <a:t>4</a:t>
+            </a:r>
+            <a:endParaRPr lang="ko-KR" altLang="en-US" sz="1600" dirty="0"/>
+          </a:p>
+        </p:txBody>
+      </p:sp>
+      <p:sp>
+        <p:nvSpPr>
+          <p:cNvPr id="16" name="타원형 설명선 15"/>
+          <p:cNvSpPr/>
+          <p:nvPr/>
+        </p:nvSpPr>
+        <p:spPr>
+          <a:xfrm>
+            <a:off x="6360369" y="6568748"/>
+            <a:ext cx="276808" cy="251928"/>
+          </a:xfrm>
+          <a:prstGeom prst="wedgeEllipseCallout">
+            <a:avLst/>
+          </a:prstGeom>
+          <a:solidFill>
+            <a:srgbClr val="FF0000"/>
+          </a:solidFill>
+        </p:spPr>
+        <p:style>
+          <a:lnRef idx="2">
+            <a:schemeClr val="accent1">
+              <a:shade val="50000"/>
+            </a:schemeClr>
+          </a:lnRef>
+          <a:fillRef idx="1">
+            <a:schemeClr val="accent1"/>
+          </a:fillRef>
+          <a:effectRef idx="0">
+            <a:schemeClr val="accent1"/>
+          </a:effectRef>
+          <a:fontRef idx="minor">
+            <a:schemeClr val="lt1"/>
+          </a:fontRef>
+        </p:style>
+        <p:txBody>
+          <a:bodyPr rtlCol="0" anchor="ctr"/>
+          <a:lstStyle/>
+          <a:p>
+            <a:pPr algn="ctr"/>
+            <a:r>
+              <a:rPr lang="en-US" altLang="ko-KR" sz="1600" dirty="0"/>
+              <a:t>5</a:t>
+            </a:r>
+            <a:endParaRPr lang="ko-KR" altLang="en-US" sz="1600" dirty="0"/>
+          </a:p>
+        </p:txBody>
+      </p:sp>
+      <p:pic>
+        <p:nvPicPr>
+          <p:cNvPr id="4" name="그림 3"/>
+          <p:cNvPicPr>
+            <a:picLocks noChangeAspect="1"/>
+          </p:cNvPicPr>
+          <p:nvPr/>
+        </p:nvPicPr>
+        <p:blipFill>
+          <a:blip r:embed="rId2"/>
+          <a:stretch>
+            <a:fillRect/>
+          </a:stretch>
+        </p:blipFill>
+        <p:spPr>
+          <a:xfrm>
+            <a:off x="393442" y="335901"/>
+            <a:ext cx="4104965" cy="6228178"/>
+          </a:xfrm>
+          <a:prstGeom prst="rect">
+            <a:avLst/>
+          </a:prstGeom>
+        </p:spPr>
+      </p:pic>
+      <p:graphicFrame>
+        <p:nvGraphicFramePr>
+          <p:cNvPr id="10" name="표 9"/>
+          <p:cNvGraphicFramePr>
+            <a:graphicFrameLocks noGrp="1"/>
+          </p:cNvGraphicFramePr>
+          <p:nvPr>
+            <p:extLst>
+              <p:ext uri="{D42A27DB-BD31-4B8C-83A1-F6EECF244321}">
+                <p14:modId xmlns:p14="http://schemas.microsoft.com/office/powerpoint/2010/main" val="327763796"/>
+              </p:ext>
+            </p:extLst>
+          </p:nvPr>
+        </p:nvGraphicFramePr>
+        <p:xfrm>
+          <a:off x="4730621" y="335901"/>
+          <a:ext cx="7156580" cy="6257361"/>
+        </p:xfrm>
+        <a:graphic>
+          <a:graphicData uri="http://schemas.openxmlformats.org/drawingml/2006/table">
+            <a:tbl>
+              <a:tblPr firstRow="1" bandRow="1">
+                <a:tableStyleId>{5C22544A-7EE6-4342-B048-85BDC9FD1C3A}</a:tableStyleId>
+              </a:tblPr>
+              <a:tblGrid>
+                <a:gridCol w="3578290">
+                  <a:extLst>
+                    <a:ext uri="{9D8B030D-6E8A-4147-A177-3AD203B41FA5}">
+                      <a16:colId xmlns:a16="http://schemas.microsoft.com/office/drawing/2014/main" val="351070394"/>
+                    </a:ext>
+                  </a:extLst>
+                </a:gridCol>
+                <a:gridCol w="3578290">
+                  <a:extLst>
+                    <a:ext uri="{9D8B030D-6E8A-4147-A177-3AD203B41FA5}">
+                      <a16:colId xmlns:a16="http://schemas.microsoft.com/office/drawing/2014/main" val="3761585973"/>
+                    </a:ext>
+                  </a:extLst>
+                </a:gridCol>
+              </a:tblGrid>
+              <a:tr h="351168">
+                <a:tc gridSpan="2">
+                  <a:txBody>
+                    <a:bodyPr/>
+                    <a:lstStyle/>
+                    <a:p>
+                      <a:pPr algn="ctr" latinLnBrk="1"/>
+                      <a:r>
+                        <a:rPr lang="ko-KR" altLang="en-US" baseline="0" dirty="0" smtClean="0">
+                          <a:solidFill>
+                            <a:schemeClr val="tx1"/>
+                          </a:solidFill>
+                          <a:ea typeface="나눔고딕" panose="020D0604000000000000" pitchFamily="50" charset="-127"/>
+                        </a:rPr>
+                        <a:t>회원가입</a:t>
+                      </a:r>
+                      <a:r>
+                        <a:rPr lang="en-US" altLang="ko-KR" baseline="0" dirty="0" smtClean="0">
+                          <a:solidFill>
+                            <a:schemeClr val="tx1"/>
+                          </a:solidFill>
+                          <a:ea typeface="나눔고딕" panose="020D0604000000000000" pitchFamily="50" charset="-127"/>
+                        </a:rPr>
+                        <a:t> mobile </a:t>
+                      </a:r>
+                      <a:r>
+                        <a:rPr lang="ko-KR" altLang="en-US" baseline="0" dirty="0" smtClean="0">
+                          <a:solidFill>
+                            <a:schemeClr val="tx1"/>
+                          </a:solidFill>
+                          <a:ea typeface="나눔고딕" panose="020D0604000000000000" pitchFamily="50" charset="-127"/>
+                        </a:rPr>
+                        <a:t>화면</a:t>
+                      </a:r>
+                      <a:endParaRPr lang="ko-KR" altLang="en-US" dirty="0">
+                        <a:solidFill>
+                          <a:schemeClr val="tx1"/>
+                        </a:solidFill>
+                        <a:ea typeface="나눔고딕" panose="020D0604000000000000" pitchFamily="50" charset="-127"/>
+                      </a:endParaRPr>
+                    </a:p>
+                  </a:txBody>
+                  <a:tcPr anchor="ctr">
+                    <a:lnB w="12700" cap="flat" cmpd="sng" algn="ctr">
+                      <a:solidFill>
+                        <a:schemeClr val="tx1"/>
+                      </a:solidFill>
+                      <a:prstDash val="solid"/>
+                      <a:round/>
+                      <a:headEnd type="none" w="med" len="med"/>
+                      <a:tailEnd type="none" w="med" len="med"/>
+                    </a:lnB>
+                    <a:solidFill>
+                      <a:schemeClr val="accent1">
+                        <a:lumMod val="20000"/>
+                        <a:lumOff val="80000"/>
+                      </a:schemeClr>
+                    </a:solidFill>
+                  </a:tcPr>
+                </a:tc>
+                <a:tc hMerge="1">
+                  <a:txBody>
+                    <a:bodyPr/>
+                    <a:lstStyle/>
+                    <a:p>
+                      <a:pPr algn="ctr" latinLnBrk="1"/>
+                      <a:endParaRPr lang="ko-KR" altLang="en-US" dirty="0">
+                        <a:solidFill>
+                          <a:schemeClr val="tx1"/>
+                        </a:solidFill>
+                        <a:ea typeface="나눔고딕" panose="020D0604000000000000" pitchFamily="50" charset="-127"/>
+                      </a:endParaRPr>
+                    </a:p>
+                  </a:txBody>
+                  <a:tcPr anchor="ctr">
+                    <a:solidFill>
+                      <a:schemeClr val="accent1">
+                        <a:lumMod val="20000"/>
+                        <a:lumOff val="80000"/>
+                      </a:schemeClr>
+                    </a:solidFill>
+                  </a:tcPr>
+                </a:tc>
+                <a:extLst>
+                  <a:ext uri="{0D108BD9-81ED-4DB2-BD59-A6C34878D82A}">
+                    <a16:rowId xmlns:a16="http://schemas.microsoft.com/office/drawing/2014/main" val="3996157874"/>
+                  </a:ext>
+                </a:extLst>
+              </a:tr>
+              <a:tr h="351168">
+                <a:tc>
+                  <a:txBody>
+                    <a:bodyPr/>
+                    <a:lstStyle/>
+                    <a:p>
+                      <a:pPr algn="ctr" latinLnBrk="1"/>
+                      <a:r>
+                        <a:rPr lang="ko-KR" altLang="en-US" dirty="0" smtClean="0">
+                          <a:solidFill>
+                            <a:schemeClr val="tx1"/>
+                          </a:solidFill>
+                          <a:ea typeface="나눔고딕" panose="020D0604000000000000" pitchFamily="50" charset="-127"/>
+                        </a:rPr>
+                        <a:t>스토리보드</a:t>
+                      </a:r>
+                      <a:endParaRPr lang="ko-KR" altLang="en-US" dirty="0">
+                        <a:solidFill>
+                          <a:schemeClr val="tx1"/>
+                        </a:solidFill>
+                        <a:ea typeface="나눔고딕" panose="020D0604000000000000" pitchFamily="50" charset="-127"/>
+                      </a:endParaRPr>
+                    </a:p>
+                  </a:txBody>
+                  <a:tcPr anchor="ctr">
+                    <a:lnL w="12700" cap="flat" cmpd="sng" algn="ctr">
+                      <a:solidFill>
+                        <a:schemeClr val="tx1"/>
+                      </a:solidFill>
+                      <a:prstDash val="solid"/>
+                      <a:round/>
+                      <a:headEnd type="none" w="med" len="med"/>
+                      <a:tailEnd type="none" w="med" len="med"/>
+                    </a:lnL>
+                    <a:lnR w="12700" cap="flat" cmpd="sng" algn="ctr">
+                      <a:solidFill>
+                        <a:schemeClr val="tx1"/>
+                      </a:solidFill>
+                      <a:prstDash val="solid"/>
+                      <a:round/>
+                      <a:headEnd type="none" w="med" len="med"/>
+                      <a:tailEnd type="none" w="med" len="med"/>
+                    </a:lnR>
+                    <a:lnT w="12700" cap="flat" cmpd="sng" algn="ctr">
+                      <a:solidFill>
+                        <a:schemeClr val="tx1"/>
+                      </a:solidFill>
+                      <a:prstDash val="solid"/>
+                      <a:round/>
+                      <a:headEnd type="none" w="med" len="med"/>
+                      <a:tailEnd type="none" w="med" len="med"/>
+                    </a:lnT>
+                    <a:lnB w="12700" cap="flat" cmpd="sng" algn="ctr">
+                      <a:solidFill>
+                        <a:schemeClr val="tx1"/>
+                      </a:solidFill>
+                      <a:prstDash val="solid"/>
+                      <a:round/>
+                      <a:headEnd type="none" w="med" len="med"/>
+                      <a:tailEnd type="none" w="med" len="med"/>
+                    </a:lnB>
+                    <a:solidFill>
+                      <a:schemeClr val="accent1">
+                        <a:lumMod val="20000"/>
+                        <a:lumOff val="80000"/>
+                      </a:schemeClr>
+                    </a:solidFill>
+                  </a:tcPr>
+                </a:tc>
+                <a:tc>
+                  <a:txBody>
+                    <a:bodyPr/>
+                    <a:lstStyle/>
+                    <a:p>
+                      <a:pPr algn="ctr" latinLnBrk="1"/>
+                      <a:r>
+                        <a:rPr lang="ko-KR" altLang="en-US" dirty="0" smtClean="0">
+                          <a:solidFill>
+                            <a:schemeClr val="tx1"/>
+                          </a:solidFill>
+                          <a:ea typeface="나눔고딕" panose="020D0604000000000000" pitchFamily="50" charset="-127"/>
+                        </a:rPr>
+                        <a:t>구현</a:t>
+                      </a:r>
+                      <a:endParaRPr lang="ko-KR" altLang="en-US" dirty="0">
+                        <a:solidFill>
+                          <a:schemeClr val="tx1"/>
+                        </a:solidFill>
+                        <a:ea typeface="나눔고딕" panose="020D0604000000000000" pitchFamily="50" charset="-127"/>
+                      </a:endParaRPr>
+                    </a:p>
+                  </a:txBody>
+                  <a:tcPr anchor="ctr">
+                    <a:lnL w="12700" cap="flat" cmpd="sng" algn="ctr">
+                      <a:solidFill>
+                        <a:schemeClr val="tx1"/>
+                      </a:solidFill>
+                      <a:prstDash val="solid"/>
+                      <a:round/>
+                      <a:headEnd type="none" w="med" len="med"/>
+                      <a:tailEnd type="none" w="med" len="med"/>
+                    </a:lnL>
+                    <a:lnR w="12700" cap="flat" cmpd="sng" algn="ctr">
+                      <a:solidFill>
+                        <a:schemeClr val="tx1"/>
+                      </a:solidFill>
+                      <a:prstDash val="solid"/>
+                      <a:round/>
+                      <a:headEnd type="none" w="med" len="med"/>
+                      <a:tailEnd type="none" w="med" len="med"/>
+                    </a:lnR>
+                    <a:lnT w="12700" cap="flat" cmpd="sng" algn="ctr">
+                      <a:solidFill>
+                        <a:schemeClr val="tx1"/>
+                      </a:solidFill>
+                      <a:prstDash val="solid"/>
+                      <a:round/>
+                      <a:headEnd type="none" w="med" len="med"/>
+                      <a:tailEnd type="none" w="med" len="med"/>
+                    </a:lnT>
+                    <a:lnB w="12700" cap="flat" cmpd="sng" algn="ctr">
+                      <a:solidFill>
+                        <a:schemeClr val="tx1"/>
+                      </a:solidFill>
+                      <a:prstDash val="solid"/>
+                      <a:round/>
+                      <a:headEnd type="none" w="med" len="med"/>
+                      <a:tailEnd type="none" w="med" len="med"/>
+                    </a:lnB>
+                    <a:solidFill>
+                      <a:schemeClr val="accent1">
+                        <a:lumMod val="20000"/>
+                        <a:lumOff val="80000"/>
+                      </a:schemeClr>
+                    </a:solidFill>
+                  </a:tcPr>
+                </a:tc>
+                <a:extLst>
+                  <a:ext uri="{0D108BD9-81ED-4DB2-BD59-A6C34878D82A}">
+                    <a16:rowId xmlns:a16="http://schemas.microsoft.com/office/drawing/2014/main" val="2077121834"/>
+                  </a:ext>
+                </a:extLst>
+              </a:tr>
+              <a:tr h="1105168">
+                <a:tc>
+                  <a:txBody>
+                    <a:bodyPr/>
+                    <a:lstStyle/>
+                    <a:p>
+                      <a:pPr latinLnBrk="1"/>
+                      <a:endParaRPr lang="ko-KR" altLang="en-US" dirty="0">
+                        <a:ea typeface="나눔고딕" panose="020D0604000000000000" pitchFamily="50" charset="-127"/>
+                      </a:endParaRPr>
+                    </a:p>
+                  </a:txBody>
+                  <a:tcPr marL="180000" marR="72000" marT="180000">
+                    <a:lnL w="12700" cmpd="sng">
+                      <a:noFill/>
+                    </a:lnL>
+                    <a:lnR w="12700" cap="flat" cmpd="sng" algn="ctr">
+                      <a:solidFill>
+                        <a:schemeClr val="tx1"/>
+                      </a:solidFill>
+                      <a:prstDash val="solid"/>
+                      <a:round/>
+                      <a:headEnd type="none" w="med" len="med"/>
+                      <a:tailEnd type="none" w="med" len="med"/>
+                    </a:lnR>
+                    <a:lnT w="12700" cap="flat" cmpd="sng" algn="ctr">
+                      <a:solidFill>
+                        <a:schemeClr val="tx1"/>
+                      </a:solidFill>
+                      <a:prstDash val="solid"/>
+                      <a:round/>
+                      <a:headEnd type="none" w="med" len="med"/>
+                      <a:tailEnd type="none" w="med" len="med"/>
+                    </a:lnT>
+                    <a:lnB w="12700" cmpd="sng">
+                      <a:noFill/>
+                    </a:lnB>
+                    <a:lnTlToBr w="12700" cmpd="sng">
+                      <a:noFill/>
+                      <a:prstDash val="solid"/>
+                    </a:lnTlToBr>
+                    <a:lnBlToTr w="12700" cmpd="sng">
+                      <a:noFill/>
+                      <a:prstDash val="solid"/>
+                    </a:lnBlToTr>
+                    <a:solidFill>
+                      <a:schemeClr val="bg1">
+                        <a:lumMod val="95000"/>
+                      </a:schemeClr>
+                    </a:solidFill>
+                  </a:tcPr>
+                </a:tc>
+                <a:tc rowSpan="5">
+                  <a:txBody>
+                    <a:bodyPr/>
+                    <a:lstStyle/>
+                    <a:p>
+                      <a:pPr latinLnBrk="1"/>
+                      <a:endParaRPr lang="en-US" altLang="ko-KR" sz="1200" dirty="0" smtClean="0">
+                        <a:solidFill>
+                          <a:srgbClr val="FF0000"/>
+                        </a:solidFill>
+                        <a:ea typeface="나눔고딕" panose="020D0604000000000000" pitchFamily="50" charset="-127"/>
+                      </a:endParaRPr>
+                    </a:p>
+                    <a:p>
+                      <a:pPr latinLnBrk="1"/>
+                      <a:endParaRPr lang="en-US" altLang="ko-KR" sz="1200" dirty="0" smtClean="0">
+                        <a:ea typeface="나눔고딕" panose="020D0604000000000000" pitchFamily="50" charset="-127"/>
+                      </a:endParaRPr>
+                    </a:p>
+                    <a:p>
+                      <a:pPr latinLnBrk="1"/>
+                      <a:endParaRPr lang="ko-KR" altLang="en-US" sz="1200" dirty="0">
+                        <a:ea typeface="나눔고딕" panose="020D0604000000000000" pitchFamily="50" charset="-127"/>
+                      </a:endParaRPr>
+                    </a:p>
+                  </a:txBody>
+                  <a:tcPr marL="180000" marR="72000" marT="180000">
+                    <a:lnL w="12700" cap="flat" cmpd="sng" algn="ctr">
+                      <a:solidFill>
+                        <a:schemeClr val="tx1"/>
+                      </a:solidFill>
+                      <a:prstDash val="solid"/>
+                      <a:round/>
+                      <a:headEnd type="none" w="med" len="med"/>
+                      <a:tailEnd type="none" w="med" len="med"/>
+                    </a:lnL>
+                    <a:lnT w="12700" cap="flat" cmpd="sng" algn="ctr">
+                      <a:solidFill>
+                        <a:schemeClr val="tx1"/>
+                      </a:solidFill>
+                      <a:prstDash val="solid"/>
+                      <a:round/>
+                      <a:headEnd type="none" w="med" len="med"/>
+                      <a:tailEnd type="none" w="med" len="med"/>
+                    </a:lnT>
+                    <a:solidFill>
+                      <a:schemeClr val="bg1"/>
+                    </a:solidFill>
+                  </a:tcPr>
+                </a:tc>
+                <a:extLst>
+                  <a:ext uri="{0D108BD9-81ED-4DB2-BD59-A6C34878D82A}">
+                    <a16:rowId xmlns:a16="http://schemas.microsoft.com/office/drawing/2014/main" val="2443125590"/>
+                  </a:ext>
+                </a:extLst>
+              </a:tr>
+              <a:tr h="1105168">
+                <a:tc>
+                  <a:txBody>
+                    <a:bodyPr/>
+                    <a:lstStyle/>
+                    <a:p>
+                      <a:pPr latinLnBrk="1"/>
+                      <a:endParaRPr lang="ko-KR" altLang="en-US" dirty="0">
+                        <a:ea typeface="나눔고딕" panose="020D0604000000000000" pitchFamily="50" charset="-127"/>
+                      </a:endParaRPr>
+                    </a:p>
+                  </a:txBody>
+                  <a:tcPr marL="180000" marR="72000" marT="180000">
+                    <a:lnL w="12700" cmpd="sng">
+                      <a:noFill/>
+                    </a:lnL>
+                    <a:lnR w="12700" cap="flat" cmpd="sng" algn="ctr">
+                      <a:solidFill>
+                        <a:schemeClr val="tx1"/>
+                      </a:solidFill>
+                      <a:prstDash val="solid"/>
+                      <a:round/>
+                      <a:headEnd type="none" w="med" len="med"/>
+                      <a:tailEnd type="none" w="med" len="med"/>
+                    </a:lnR>
+                    <a:lnT w="12700" cmpd="sng">
+                      <a:noFill/>
+                    </a:lnT>
+                    <a:lnB w="12700" cmpd="sng">
+                      <a:noFill/>
+                    </a:lnB>
+                    <a:lnTlToBr w="12700" cmpd="sng">
+                      <a:noFill/>
+                      <a:prstDash val="solid"/>
+                    </a:lnTlToBr>
+                    <a:lnBlToTr w="12700" cmpd="sng">
+                      <a:noFill/>
+                      <a:prstDash val="solid"/>
+                    </a:lnBlToTr>
+                    <a:solidFill>
+                      <a:schemeClr val="bg1">
+                        <a:lumMod val="95000"/>
+                      </a:schemeClr>
+                    </a:solidFill>
+                  </a:tcPr>
+                </a:tc>
+                <a:tc vMerge="1">
+                  <a:txBody>
+                    <a:bodyPr/>
+                    <a:lstStyle/>
+                    <a:p>
+                      <a:pPr latinLnBrk="1"/>
+                      <a:endParaRPr lang="ko-KR" altLang="en-US" dirty="0">
+                        <a:ea typeface="나눔고딕" panose="020D0604000000000000" pitchFamily="50" charset="-127"/>
+                      </a:endParaRPr>
+                    </a:p>
+                  </a:txBody>
+                  <a:tcPr marL="180000" marR="72000" marT="180000">
+                    <a:lnL w="12700" cap="flat" cmpd="sng" algn="ctr">
+                      <a:solidFill>
+                        <a:schemeClr val="tx1"/>
+                      </a:solidFill>
+                      <a:prstDash val="solid"/>
+                      <a:round/>
+                      <a:headEnd type="none" w="med" len="med"/>
+                      <a:tailEnd type="none" w="med" len="med"/>
+                    </a:lnL>
+                    <a:solidFill>
+                      <a:schemeClr val="bg1">
+                        <a:lumMod val="95000"/>
+                      </a:schemeClr>
+                    </a:solidFill>
+                  </a:tcPr>
+                </a:tc>
+                <a:extLst>
+                  <a:ext uri="{0D108BD9-81ED-4DB2-BD59-A6C34878D82A}">
+                    <a16:rowId xmlns:a16="http://schemas.microsoft.com/office/drawing/2014/main" val="351888798"/>
+                  </a:ext>
+                </a:extLst>
+              </a:tr>
+              <a:tr h="1105169">
+                <a:tc>
+                  <a:txBody>
+                    <a:bodyPr/>
+                    <a:lstStyle/>
+                    <a:p>
+                      <a:pPr latinLnBrk="1"/>
+                      <a:endParaRPr lang="ko-KR" altLang="en-US" dirty="0">
+                        <a:ea typeface="나눔고딕" panose="020D0604000000000000" pitchFamily="50" charset="-127"/>
+                      </a:endParaRPr>
+                    </a:p>
+                  </a:txBody>
+                  <a:tcPr marL="180000" marR="72000" marT="180000">
+                    <a:lnL w="12700" cmpd="sng">
+                      <a:noFill/>
+                    </a:lnL>
+                    <a:lnR w="12700" cap="flat" cmpd="sng" algn="ctr">
+                      <a:solidFill>
+                        <a:schemeClr val="tx1"/>
+                      </a:solidFill>
+                      <a:prstDash val="solid"/>
+                      <a:round/>
+                      <a:headEnd type="none" w="med" len="med"/>
+                      <a:tailEnd type="none" w="med" len="med"/>
+                    </a:lnR>
+                    <a:lnT w="12700" cmpd="sng">
+                      <a:noFill/>
+                    </a:lnT>
+                    <a:lnB w="12700" cmpd="sng">
+                      <a:noFill/>
+                    </a:lnB>
+                    <a:lnTlToBr w="12700" cmpd="sng">
+                      <a:noFill/>
+                      <a:prstDash val="solid"/>
+                    </a:lnTlToBr>
+                    <a:lnBlToTr w="12700" cmpd="sng">
+                      <a:noFill/>
+                      <a:prstDash val="solid"/>
+                    </a:lnBlToTr>
+                    <a:solidFill>
+                      <a:schemeClr val="bg1">
+                        <a:lumMod val="95000"/>
+                      </a:schemeClr>
+                    </a:solidFill>
+                  </a:tcPr>
+                </a:tc>
+                <a:tc vMerge="1">
+                  <a:txBody>
+                    <a:bodyPr/>
+                    <a:lstStyle/>
+                    <a:p>
+                      <a:pPr latinLnBrk="1"/>
+                      <a:endParaRPr lang="ko-KR" altLang="en-US" dirty="0">
+                        <a:ea typeface="나눔고딕" panose="020D0604000000000000" pitchFamily="50" charset="-127"/>
+                      </a:endParaRPr>
+                    </a:p>
+                  </a:txBody>
+                  <a:tcPr marL="180000" marR="72000" marT="180000">
+                    <a:lnL w="12700" cap="flat" cmpd="sng" algn="ctr">
+                      <a:solidFill>
+                        <a:schemeClr val="tx1"/>
+                      </a:solidFill>
+                      <a:prstDash val="solid"/>
+                      <a:round/>
+                      <a:headEnd type="none" w="med" len="med"/>
+                      <a:tailEnd type="none" w="med" len="med"/>
+                    </a:lnL>
+                    <a:solidFill>
+                      <a:schemeClr val="bg1">
+                        <a:lumMod val="95000"/>
+                      </a:schemeClr>
+                    </a:solidFill>
+                  </a:tcPr>
+                </a:tc>
+                <a:extLst>
+                  <a:ext uri="{0D108BD9-81ED-4DB2-BD59-A6C34878D82A}">
+                    <a16:rowId xmlns:a16="http://schemas.microsoft.com/office/drawing/2014/main" val="1836297606"/>
+                  </a:ext>
+                </a:extLst>
+              </a:tr>
+              <a:tr h="1105168">
+                <a:tc>
+                  <a:txBody>
+                    <a:bodyPr/>
+                    <a:lstStyle/>
+                    <a:p>
+                      <a:pPr latinLnBrk="1"/>
+                      <a:endParaRPr lang="ko-KR" altLang="en-US" dirty="0">
+                        <a:ea typeface="나눔고딕" panose="020D0604000000000000" pitchFamily="50" charset="-127"/>
+                      </a:endParaRPr>
+                    </a:p>
+                  </a:txBody>
+                  <a:tcPr marL="180000" marR="72000" marT="180000">
+                    <a:lnL w="12700" cmpd="sng">
+                      <a:noFill/>
+                    </a:lnL>
+                    <a:lnR w="12700" cap="flat" cmpd="sng" algn="ctr">
+                      <a:solidFill>
+                        <a:schemeClr val="tx1"/>
+                      </a:solidFill>
+                      <a:prstDash val="solid"/>
+                      <a:round/>
+                      <a:headEnd type="none" w="med" len="med"/>
+                      <a:tailEnd type="none" w="med" len="med"/>
+                    </a:lnR>
+                    <a:lnT w="12700" cmpd="sng">
+                      <a:noFill/>
+                    </a:lnT>
+                    <a:lnB w="12700" cmpd="sng">
+                      <a:noFill/>
+                    </a:lnB>
+                    <a:lnTlToBr w="12700" cmpd="sng">
+                      <a:noFill/>
+                      <a:prstDash val="solid"/>
+                    </a:lnTlToBr>
+                    <a:lnBlToTr w="12700" cmpd="sng">
+                      <a:noFill/>
+                      <a:prstDash val="solid"/>
+                    </a:lnBlToTr>
+                    <a:solidFill>
+                      <a:schemeClr val="bg1">
+                        <a:lumMod val="95000"/>
+                      </a:schemeClr>
+                    </a:solidFill>
+                  </a:tcPr>
+                </a:tc>
+                <a:tc vMerge="1">
+                  <a:txBody>
+                    <a:bodyPr/>
+                    <a:lstStyle/>
+                    <a:p>
+                      <a:pPr latinLnBrk="1"/>
+                      <a:endParaRPr lang="ko-KR" altLang="en-US" dirty="0">
+                        <a:ea typeface="나눔고딕" panose="020D0604000000000000" pitchFamily="50" charset="-127"/>
+                      </a:endParaRPr>
+                    </a:p>
+                  </a:txBody>
+                  <a:tcPr marL="180000" marR="72000" marT="180000">
+                    <a:lnL w="12700" cap="flat" cmpd="sng" algn="ctr">
+                      <a:solidFill>
+                        <a:schemeClr val="tx1"/>
+                      </a:solidFill>
+                      <a:prstDash val="solid"/>
+                      <a:round/>
+                      <a:headEnd type="none" w="med" len="med"/>
+                      <a:tailEnd type="none" w="med" len="med"/>
+                    </a:lnL>
+                    <a:solidFill>
+                      <a:schemeClr val="bg1">
+                        <a:lumMod val="95000"/>
+                      </a:schemeClr>
+                    </a:solidFill>
+                  </a:tcPr>
+                </a:tc>
+                <a:extLst>
+                  <a:ext uri="{0D108BD9-81ED-4DB2-BD59-A6C34878D82A}">
+                    <a16:rowId xmlns:a16="http://schemas.microsoft.com/office/drawing/2014/main" val="2071471467"/>
+                  </a:ext>
+                </a:extLst>
+              </a:tr>
+              <a:tr h="1105168">
+                <a:tc>
+                  <a:txBody>
+                    <a:bodyPr/>
+                    <a:lstStyle/>
+                    <a:p>
+                      <a:pPr latinLnBrk="1"/>
+                      <a:endParaRPr lang="ko-KR" altLang="en-US" dirty="0">
+                        <a:ea typeface="나눔고딕" panose="020D0604000000000000" pitchFamily="50" charset="-127"/>
+                      </a:endParaRPr>
+                    </a:p>
+                  </a:txBody>
+                  <a:tcPr marL="180000" marR="72000" marT="180000">
+                    <a:lnL w="12700" cmpd="sng">
+                      <a:noFill/>
+                    </a:lnL>
+                    <a:lnR w="12700" cap="flat" cmpd="sng" algn="ctr">
+                      <a:solidFill>
+                        <a:schemeClr val="tx1"/>
+                      </a:solidFill>
+                      <a:prstDash val="solid"/>
+                      <a:round/>
+                      <a:headEnd type="none" w="med" len="med"/>
+                      <a:tailEnd type="none" w="med" len="med"/>
+                    </a:lnR>
+                    <a:lnT w="12700" cmpd="sng">
+                      <a:noFill/>
+                    </a:lnT>
+                    <a:lnB w="12700" cmpd="sng">
+                      <a:noFill/>
+                    </a:lnB>
+                    <a:lnTlToBr w="12700" cmpd="sng">
+                      <a:noFill/>
+                      <a:prstDash val="solid"/>
+                    </a:lnTlToBr>
+                    <a:lnBlToTr w="12700" cmpd="sng">
+                      <a:noFill/>
+                      <a:prstDash val="solid"/>
+                    </a:lnBlToTr>
+                    <a:solidFill>
+                      <a:schemeClr val="bg1">
+                        <a:lumMod val="95000"/>
+                      </a:schemeClr>
+                    </a:solidFill>
+                  </a:tcPr>
+                </a:tc>
+                <a:tc vMerge="1">
+                  <a:txBody>
+                    <a:bodyPr/>
+                    <a:lstStyle/>
+                    <a:p>
+                      <a:pPr latinLnBrk="1"/>
+                      <a:endParaRPr lang="ko-KR" altLang="en-US" dirty="0">
+                        <a:ea typeface="나눔고딕" panose="020D0604000000000000" pitchFamily="50" charset="-127"/>
+                      </a:endParaRPr>
+                    </a:p>
+                  </a:txBody>
+                  <a:tcPr marL="180000" marR="72000" marT="180000">
+                    <a:lnL w="12700" cap="flat" cmpd="sng" algn="ctr">
+                      <a:solidFill>
+                        <a:schemeClr val="tx1"/>
+                      </a:solidFill>
+                      <a:prstDash val="solid"/>
+                      <a:round/>
+                      <a:headEnd type="none" w="med" len="med"/>
+                      <a:tailEnd type="none" w="med" len="med"/>
+                    </a:lnL>
+                    <a:solidFill>
+                      <a:schemeClr val="bg1">
+                        <a:lumMod val="95000"/>
+                      </a:schemeClr>
+                    </a:solidFill>
+                  </a:tcPr>
+                </a:tc>
+                <a:extLst>
+                  <a:ext uri="{0D108BD9-81ED-4DB2-BD59-A6C34878D82A}">
+                    <a16:rowId xmlns:a16="http://schemas.microsoft.com/office/drawing/2014/main" val="3691746584"/>
+                  </a:ext>
+                </a:extLst>
+              </a:tr>
+            </a:tbl>
+          </a:graphicData>
+        </a:graphic>
+      </p:graphicFrame>
+      <p:pic>
+        <p:nvPicPr>
+          <p:cNvPr id="2" name="그림 1"/>
+          <p:cNvPicPr>
+            <a:picLocks noChangeAspect="1"/>
+          </p:cNvPicPr>
+          <p:nvPr/>
+        </p:nvPicPr>
+        <p:blipFill>
+          <a:blip r:embed="rId3"/>
+          <a:stretch>
+            <a:fillRect/>
+          </a:stretch>
+        </p:blipFill>
+        <p:spPr>
+          <a:xfrm>
+            <a:off x="4730115" y="1096620"/>
+            <a:ext cx="3574129" cy="5496642"/>
+          </a:xfrm>
+          <a:prstGeom prst="rect">
+            <a:avLst/>
+          </a:prstGeom>
+        </p:spPr>
+      </p:pic>
+      <p:sp>
+        <p:nvSpPr>
+          <p:cNvPr id="11" name="직사각형 10"/>
+          <p:cNvSpPr/>
+          <p:nvPr/>
+        </p:nvSpPr>
+        <p:spPr>
+          <a:xfrm>
+            <a:off x="4718663" y="2381250"/>
+            <a:ext cx="3319014" cy="466725"/>
+          </a:xfrm>
+          <a:prstGeom prst="rect">
+            <a:avLst/>
+          </a:prstGeom>
+          <a:noFill/>
+          <a:ln w="28575">
+            <a:solidFill>
+              <a:srgbClr val="FF0000"/>
+            </a:solidFill>
+          </a:ln>
+        </p:spPr>
+        <p:style>
+          <a:lnRef idx="2">
+            <a:schemeClr val="accent1">
+              <a:shade val="50000"/>
+            </a:schemeClr>
+          </a:lnRef>
+          <a:fillRef idx="1">
+            <a:schemeClr val="accent1"/>
+          </a:fillRef>
+          <a:effectRef idx="0">
+            <a:schemeClr val="accent1"/>
+          </a:effectRef>
+          <a:fontRef idx="minor">
+            <a:schemeClr val="lt1"/>
+          </a:fontRef>
+        </p:style>
+        <p:txBody>
+          <a:bodyPr rtlCol="0" anchor="ctr"/>
+          <a:lstStyle/>
+          <a:p>
+            <a:pPr algn="ctr"/>
+            <a:endParaRPr lang="ko-KR" altLang="en-US"/>
+          </a:p>
+        </p:txBody>
+      </p:sp>
+      <p:cxnSp>
+        <p:nvCxnSpPr>
+          <p:cNvPr id="12" name="직선 화살표 연결선 11"/>
+          <p:cNvCxnSpPr/>
+          <p:nvPr/>
+        </p:nvCxnSpPr>
+        <p:spPr>
+          <a:xfrm flipV="1">
+            <a:off x="8031327" y="1409700"/>
+            <a:ext cx="388773" cy="710027"/>
+          </a:xfrm>
+          <a:prstGeom prst="straightConnector1">
+            <a:avLst/>
+          </a:prstGeom>
+          <a:ln w="19050">
+            <a:solidFill>
+              <a:srgbClr val="FF0000"/>
+            </a:solidFill>
+            <a:tailEnd type="triangle"/>
+          </a:ln>
+        </p:spPr>
+        <p:style>
+          <a:lnRef idx="1">
+            <a:schemeClr val="accent1"/>
+          </a:lnRef>
+          <a:fillRef idx="0">
+            <a:schemeClr val="accent1"/>
+          </a:fillRef>
+          <a:effectRef idx="0">
+            <a:schemeClr val="accent1"/>
+          </a:effectRef>
+          <a:fontRef idx="minor">
+            <a:schemeClr val="tx1"/>
+          </a:fontRef>
+        </p:style>
+      </p:cxnSp>
+      <p:pic>
+        <p:nvPicPr>
+          <p:cNvPr id="5" name="그림 4"/>
+          <p:cNvPicPr>
+            <a:picLocks noChangeAspect="1"/>
+          </p:cNvPicPr>
+          <p:nvPr/>
+        </p:nvPicPr>
+        <p:blipFill>
+          <a:blip r:embed="rId4"/>
+          <a:stretch>
+            <a:fillRect/>
+          </a:stretch>
+        </p:blipFill>
+        <p:spPr>
+          <a:xfrm>
+            <a:off x="8314623" y="1538073"/>
+            <a:ext cx="3584030" cy="3077004"/>
+          </a:xfrm>
+          <a:prstGeom prst="rect">
+            <a:avLst/>
+          </a:prstGeom>
+        </p:spPr>
+      </p:pic>
+    </p:spTree>
+    <p:extLst>
+      <p:ext uri="{BB962C8B-B14F-4D97-AF65-F5344CB8AC3E}">
+        <p14:creationId xmlns:p14="http://schemas.microsoft.com/office/powerpoint/2010/main" val="1212336342"/>
+      </p:ext>
+    </p:extLst>
+  </p:cSld>
+  <p:clrMapOvr>
+    <a:masterClrMapping/>
+  </p:clrMapOvr>
+  <p:timing>
+    <p:tnLst>
+      <p:par>
+        <p:cTn id="1" dur="indefinite" restart="never" nodeType="tmRoot"/>
+      </p:par>
+    </p:tnLst>
+  </p:timing>
+</p:sld>
+</file>
+
+<file path=ppt/slides/slide5.xml><?xml version="1.0" encoding="utf-8"?>
+<p:sld xmlns:a="http://schemas.openxmlformats.org/drawingml/2006/main" xmlns:r="http://schemas.openxmlformats.org/officeDocument/2006/relationships" xmlns:p="http://schemas.openxmlformats.org/presentationml/2006/main">
+  <p:cSld>
+    <p:spTree>
+      <p:nvGrpSpPr>
+        <p:cNvPr id="1" name=""/>
+        <p:cNvGrpSpPr/>
+        <p:nvPr/>
+      </p:nvGrpSpPr>
+      <p:grpSpPr>
+        <a:xfrm>
+          <a:off x="0" y="0"/>
+          <a:ext cx="0" cy="0"/>
+          <a:chOff x="0" y="0"/>
+          <a:chExt cx="0" cy="0"/>
+        </a:xfrm>
+      </p:grpSpPr>
+      <p:sp>
+        <p:nvSpPr>
+          <p:cNvPr id="6" name="직사각형 5"/>
+          <p:cNvSpPr/>
+          <p:nvPr/>
+        </p:nvSpPr>
+        <p:spPr>
+          <a:xfrm>
+            <a:off x="393442" y="335902"/>
+            <a:ext cx="4105469" cy="6228178"/>
+          </a:xfrm>
+          <a:prstGeom prst="rect">
+            <a:avLst/>
+          </a:prstGeom>
+          <a:solidFill>
+            <a:schemeClr val="bg1"/>
+          </a:solidFill>
+        </p:spPr>
+        <p:style>
+          <a:lnRef idx="2">
+            <a:schemeClr val="accent1">
+              <a:shade val="50000"/>
+            </a:schemeClr>
+          </a:lnRef>
+          <a:fillRef idx="1">
+            <a:schemeClr val="accent1"/>
+          </a:fillRef>
+          <a:effectRef idx="0">
+            <a:schemeClr val="accent1"/>
+          </a:effectRef>
+          <a:fontRef idx="minor">
+            <a:schemeClr val="lt1"/>
+          </a:fontRef>
+        </p:style>
+        <p:txBody>
+          <a:bodyPr rtlCol="0" anchor="ctr"/>
+          <a:lstStyle/>
+          <a:p>
+            <a:pPr algn="ctr"/>
+            <a:endParaRPr lang="ko-KR" altLang="en-US"/>
+          </a:p>
+        </p:txBody>
+      </p:sp>
+      <p:sp>
+        <p:nvSpPr>
+          <p:cNvPr id="3" name="타원형 설명선 2"/>
+          <p:cNvSpPr/>
+          <p:nvPr/>
+        </p:nvSpPr>
+        <p:spPr>
+          <a:xfrm>
+            <a:off x="4719737" y="6564080"/>
+            <a:ext cx="276808" cy="251928"/>
+          </a:xfrm>
+          <a:prstGeom prst="wedgeEllipseCallout">
+            <a:avLst/>
+          </a:prstGeom>
+          <a:solidFill>
+            <a:srgbClr val="FF0000"/>
+          </a:solidFill>
+        </p:spPr>
+        <p:style>
+          <a:lnRef idx="2">
+            <a:schemeClr val="accent1">
+              <a:shade val="50000"/>
+            </a:schemeClr>
+          </a:lnRef>
+          <a:fillRef idx="1">
+            <a:schemeClr val="accent1"/>
+          </a:fillRef>
+          <a:effectRef idx="0">
+            <a:schemeClr val="accent1"/>
+          </a:effectRef>
+          <a:fontRef idx="minor">
+            <a:schemeClr val="lt1"/>
+          </a:fontRef>
+        </p:style>
+        <p:txBody>
+          <a:bodyPr rtlCol="0" anchor="ctr"/>
+          <a:lstStyle/>
+          <a:p>
+            <a:pPr algn="ctr"/>
+            <a:r>
+              <a:rPr lang="en-US" altLang="ko-KR" dirty="0"/>
+              <a:t>1</a:t>
+            </a:r>
+            <a:endParaRPr lang="ko-KR" altLang="en-US" dirty="0"/>
+          </a:p>
+        </p:txBody>
+      </p:sp>
+      <p:sp>
+        <p:nvSpPr>
+          <p:cNvPr id="13" name="타원형 설명선 12"/>
+          <p:cNvSpPr/>
+          <p:nvPr/>
+        </p:nvSpPr>
+        <p:spPr>
+          <a:xfrm>
+            <a:off x="5138058" y="6568748"/>
+            <a:ext cx="276808" cy="251928"/>
+          </a:xfrm>
+          <a:prstGeom prst="wedgeEllipseCallout">
+            <a:avLst/>
+          </a:prstGeom>
+          <a:solidFill>
+            <a:srgbClr val="FF0000"/>
+          </a:solidFill>
+        </p:spPr>
+        <p:style>
+          <a:lnRef idx="2">
+            <a:schemeClr val="accent1">
+              <a:shade val="50000"/>
+            </a:schemeClr>
+          </a:lnRef>
+          <a:fillRef idx="1">
+            <a:schemeClr val="accent1"/>
+          </a:fillRef>
+          <a:effectRef idx="0">
+            <a:schemeClr val="accent1"/>
+          </a:effectRef>
+          <a:fontRef idx="minor">
+            <a:schemeClr val="lt1"/>
+          </a:fontRef>
+        </p:style>
+        <p:txBody>
+          <a:bodyPr rtlCol="0" anchor="ctr"/>
+          <a:lstStyle/>
+          <a:p>
+            <a:pPr algn="ctr"/>
+            <a:r>
+              <a:rPr lang="en-US" altLang="ko-KR" dirty="0" smtClean="0"/>
+              <a:t>2</a:t>
+            </a:r>
+            <a:endParaRPr lang="ko-KR" altLang="en-US" dirty="0"/>
+          </a:p>
+        </p:txBody>
+      </p:sp>
+      <p:sp>
+        <p:nvSpPr>
+          <p:cNvPr id="14" name="타원형 설명선 13"/>
+          <p:cNvSpPr/>
+          <p:nvPr/>
+        </p:nvSpPr>
+        <p:spPr>
+          <a:xfrm>
+            <a:off x="5545495" y="6568748"/>
+            <a:ext cx="276808" cy="251928"/>
+          </a:xfrm>
+          <a:prstGeom prst="wedgeEllipseCallout">
+            <a:avLst/>
+          </a:prstGeom>
+          <a:solidFill>
+            <a:srgbClr val="FF0000"/>
+          </a:solidFill>
+        </p:spPr>
+        <p:style>
+          <a:lnRef idx="2">
+            <a:schemeClr val="accent1">
+              <a:shade val="50000"/>
+            </a:schemeClr>
+          </a:lnRef>
+          <a:fillRef idx="1">
+            <a:schemeClr val="accent1"/>
+          </a:fillRef>
+          <a:effectRef idx="0">
+            <a:schemeClr val="accent1"/>
+          </a:effectRef>
+          <a:fontRef idx="minor">
+            <a:schemeClr val="lt1"/>
+          </a:fontRef>
+        </p:style>
+        <p:txBody>
+          <a:bodyPr rtlCol="0" anchor="ctr"/>
+          <a:lstStyle/>
+          <a:p>
+            <a:pPr algn="ctr"/>
+            <a:r>
+              <a:rPr lang="en-US" altLang="ko-KR" sz="1600" dirty="0" smtClean="0"/>
+              <a:t>3</a:t>
+            </a:r>
+            <a:endParaRPr lang="ko-KR" altLang="en-US" sz="1600" dirty="0"/>
+          </a:p>
+        </p:txBody>
+      </p:sp>
+      <p:sp>
+        <p:nvSpPr>
+          <p:cNvPr id="15" name="타원형 설명선 14"/>
+          <p:cNvSpPr/>
+          <p:nvPr/>
+        </p:nvSpPr>
+        <p:spPr>
+          <a:xfrm>
+            <a:off x="5952932" y="6568748"/>
+            <a:ext cx="276808" cy="251928"/>
+          </a:xfrm>
+          <a:prstGeom prst="wedgeEllipseCallout">
+            <a:avLst/>
+          </a:prstGeom>
+          <a:solidFill>
+            <a:srgbClr val="FF0000"/>
+          </a:solidFill>
+        </p:spPr>
+        <p:style>
+          <a:lnRef idx="2">
+            <a:schemeClr val="accent1">
+              <a:shade val="50000"/>
+            </a:schemeClr>
+          </a:lnRef>
+          <a:fillRef idx="1">
+            <a:schemeClr val="accent1"/>
+          </a:fillRef>
+          <a:effectRef idx="0">
+            <a:schemeClr val="accent1"/>
+          </a:effectRef>
+          <a:fontRef idx="minor">
+            <a:schemeClr val="lt1"/>
+          </a:fontRef>
+        </p:style>
+        <p:txBody>
+          <a:bodyPr rtlCol="0" anchor="ctr"/>
+          <a:lstStyle/>
+          <a:p>
+            <a:pPr algn="ctr"/>
+            <a:r>
+              <a:rPr lang="en-US" altLang="ko-KR" sz="1600" dirty="0" smtClean="0"/>
+              <a:t>4</a:t>
+            </a:r>
+            <a:endParaRPr lang="ko-KR" altLang="en-US" sz="1600" dirty="0"/>
+          </a:p>
+        </p:txBody>
+      </p:sp>
+      <p:sp>
+        <p:nvSpPr>
+          <p:cNvPr id="16" name="타원형 설명선 15"/>
+          <p:cNvSpPr/>
+          <p:nvPr/>
+        </p:nvSpPr>
+        <p:spPr>
+          <a:xfrm>
+            <a:off x="6360369" y="6568748"/>
+            <a:ext cx="276808" cy="251928"/>
+          </a:xfrm>
+          <a:prstGeom prst="wedgeEllipseCallout">
+            <a:avLst/>
+          </a:prstGeom>
+          <a:solidFill>
+            <a:srgbClr val="FF0000"/>
+          </a:solidFill>
+        </p:spPr>
+        <p:style>
+          <a:lnRef idx="2">
+            <a:schemeClr val="accent1">
+              <a:shade val="50000"/>
+            </a:schemeClr>
+          </a:lnRef>
+          <a:fillRef idx="1">
+            <a:schemeClr val="accent1"/>
+          </a:fillRef>
+          <a:effectRef idx="0">
+            <a:schemeClr val="accent1"/>
+          </a:effectRef>
+          <a:fontRef idx="minor">
+            <a:schemeClr val="lt1"/>
+          </a:fontRef>
+        </p:style>
+        <p:txBody>
+          <a:bodyPr rtlCol="0" anchor="ctr"/>
+          <a:lstStyle/>
+          <a:p>
+            <a:pPr algn="ctr"/>
+            <a:r>
+              <a:rPr lang="en-US" altLang="ko-KR" sz="1600" dirty="0"/>
+              <a:t>5</a:t>
+            </a:r>
+            <a:endParaRPr lang="ko-KR" altLang="en-US" sz="1600" dirty="0"/>
+          </a:p>
+        </p:txBody>
+      </p:sp>
+      <p:pic>
+        <p:nvPicPr>
           <p:cNvPr id="2" name="그림 1"/>
           <p:cNvPicPr>
             <a:picLocks noChangeAspect="1"/>
@@ -9407,8 +14926,8 @@
         </p:nvSpPr>
         <p:spPr>
           <a:xfrm>
-            <a:off x="8841491" y="3338385"/>
-            <a:ext cx="1640858" cy="507077"/>
+            <a:off x="8625360" y="2465549"/>
+            <a:ext cx="1183658" cy="507077"/>
           </a:xfrm>
           <a:prstGeom prst="rect">
             <a:avLst/>
@@ -9453,8 +14972,8 @@
         </p:nvCxnSpPr>
         <p:spPr>
           <a:xfrm>
-            <a:off x="6921251" y="1471384"/>
-            <a:ext cx="1920240" cy="83127"/>
+            <a:off x="7287011" y="1346693"/>
+            <a:ext cx="1682422" cy="448887"/>
           </a:xfrm>
           <a:prstGeom prst="straightConnector1">
             <a:avLst/>
@@ -9501,7 +15020,7 @@
 </p:sld>
 </file>
 
-<file path=ppt/slides/slide3.xml><?xml version="1.0" encoding="utf-8"?>
+<file path=ppt/slides/slide6.xml><?xml version="1.0" encoding="utf-8"?>
 <p:sld xmlns:a="http://schemas.openxmlformats.org/drawingml/2006/main" xmlns:r="http://schemas.openxmlformats.org/officeDocument/2006/relationships" xmlns:p="http://schemas.openxmlformats.org/presentationml/2006/main">
   <p:cSld>
     <p:spTree>
@@ -10575,7 +16094,7 @@
 </p:sld>
 </file>
 
-<file path=ppt/slides/slide4.xml><?xml version="1.0" encoding="utf-8"?>
+<file path=ppt/slides/slide7.xml><?xml version="1.0" encoding="utf-8"?>
 <p:sld xmlns:a="http://schemas.openxmlformats.org/drawingml/2006/main" xmlns:r="http://schemas.openxmlformats.org/officeDocument/2006/relationships" xmlns:p="http://schemas.openxmlformats.org/presentationml/2006/main">
   <p:cSld>
     <p:spTree>
@@ -11649,1057 +17168,7 @@
 </p:sld>
 </file>
 
-<file path=ppt/slides/slide5.xml><?xml version="1.0" encoding="utf-8"?>
-<p:sld xmlns:a="http://schemas.openxmlformats.org/drawingml/2006/main" xmlns:r="http://schemas.openxmlformats.org/officeDocument/2006/relationships" xmlns:p="http://schemas.openxmlformats.org/presentationml/2006/main">
-  <p:cSld>
-    <p:spTree>
-      <p:nvGrpSpPr>
-        <p:cNvPr id="1" name=""/>
-        <p:cNvGrpSpPr/>
-        <p:nvPr/>
-      </p:nvGrpSpPr>
-      <p:grpSpPr>
-        <a:xfrm>
-          <a:off x="0" y="0"/>
-          <a:ext cx="0" cy="0"/>
-          <a:chOff x="0" y="0"/>
-          <a:chExt cx="0" cy="0"/>
-        </a:xfrm>
-      </p:grpSpPr>
-      <p:sp>
-        <p:nvSpPr>
-          <p:cNvPr id="6" name="직사각형 5"/>
-          <p:cNvSpPr/>
-          <p:nvPr/>
-        </p:nvSpPr>
-        <p:spPr>
-          <a:xfrm>
-            <a:off x="393442" y="335902"/>
-            <a:ext cx="4105469" cy="6228178"/>
-          </a:xfrm>
-          <a:prstGeom prst="rect">
-            <a:avLst/>
-          </a:prstGeom>
-          <a:solidFill>
-            <a:schemeClr val="bg1"/>
-          </a:solidFill>
-        </p:spPr>
-        <p:style>
-          <a:lnRef idx="2">
-            <a:schemeClr val="accent1">
-              <a:shade val="50000"/>
-            </a:schemeClr>
-          </a:lnRef>
-          <a:fillRef idx="1">
-            <a:schemeClr val="accent1"/>
-          </a:fillRef>
-          <a:effectRef idx="0">
-            <a:schemeClr val="accent1"/>
-          </a:effectRef>
-          <a:fontRef idx="minor">
-            <a:schemeClr val="lt1"/>
-          </a:fontRef>
-        </p:style>
-        <p:txBody>
-          <a:bodyPr rtlCol="0" anchor="ctr"/>
-          <a:lstStyle/>
-          <a:p>
-            <a:pPr algn="ctr"/>
-            <a:endParaRPr lang="ko-KR" altLang="en-US"/>
-          </a:p>
-        </p:txBody>
-      </p:sp>
-      <p:sp>
-        <p:nvSpPr>
-          <p:cNvPr id="3" name="타원형 설명선 2"/>
-          <p:cNvSpPr/>
-          <p:nvPr/>
-        </p:nvSpPr>
-        <p:spPr>
-          <a:xfrm>
-            <a:off x="4719737" y="6564080"/>
-            <a:ext cx="276808" cy="251928"/>
-          </a:xfrm>
-          <a:prstGeom prst="wedgeEllipseCallout">
-            <a:avLst/>
-          </a:prstGeom>
-          <a:solidFill>
-            <a:srgbClr val="FF0000"/>
-          </a:solidFill>
-        </p:spPr>
-        <p:style>
-          <a:lnRef idx="2">
-            <a:schemeClr val="accent1">
-              <a:shade val="50000"/>
-            </a:schemeClr>
-          </a:lnRef>
-          <a:fillRef idx="1">
-            <a:schemeClr val="accent1"/>
-          </a:fillRef>
-          <a:effectRef idx="0">
-            <a:schemeClr val="accent1"/>
-          </a:effectRef>
-          <a:fontRef idx="minor">
-            <a:schemeClr val="lt1"/>
-          </a:fontRef>
-        </p:style>
-        <p:txBody>
-          <a:bodyPr rtlCol="0" anchor="ctr"/>
-          <a:lstStyle/>
-          <a:p>
-            <a:pPr algn="ctr"/>
-            <a:r>
-              <a:rPr lang="en-US" altLang="ko-KR" dirty="0"/>
-              <a:t>1</a:t>
-            </a:r>
-            <a:endParaRPr lang="ko-KR" altLang="en-US" dirty="0"/>
-          </a:p>
-        </p:txBody>
-      </p:sp>
-      <p:sp>
-        <p:nvSpPr>
-          <p:cNvPr id="13" name="타원형 설명선 12"/>
-          <p:cNvSpPr/>
-          <p:nvPr/>
-        </p:nvSpPr>
-        <p:spPr>
-          <a:xfrm>
-            <a:off x="5138058" y="6568748"/>
-            <a:ext cx="276808" cy="251928"/>
-          </a:xfrm>
-          <a:prstGeom prst="wedgeEllipseCallout">
-            <a:avLst/>
-          </a:prstGeom>
-          <a:solidFill>
-            <a:srgbClr val="FF0000"/>
-          </a:solidFill>
-        </p:spPr>
-        <p:style>
-          <a:lnRef idx="2">
-            <a:schemeClr val="accent1">
-              <a:shade val="50000"/>
-            </a:schemeClr>
-          </a:lnRef>
-          <a:fillRef idx="1">
-            <a:schemeClr val="accent1"/>
-          </a:fillRef>
-          <a:effectRef idx="0">
-            <a:schemeClr val="accent1"/>
-          </a:effectRef>
-          <a:fontRef idx="minor">
-            <a:schemeClr val="lt1"/>
-          </a:fontRef>
-        </p:style>
-        <p:txBody>
-          <a:bodyPr rtlCol="0" anchor="ctr"/>
-          <a:lstStyle/>
-          <a:p>
-            <a:pPr algn="ctr"/>
-            <a:r>
-              <a:rPr lang="en-US" altLang="ko-KR" dirty="0" smtClean="0"/>
-              <a:t>2</a:t>
-            </a:r>
-            <a:endParaRPr lang="ko-KR" altLang="en-US" dirty="0"/>
-          </a:p>
-        </p:txBody>
-      </p:sp>
-      <p:sp>
-        <p:nvSpPr>
-          <p:cNvPr id="14" name="타원형 설명선 13"/>
-          <p:cNvSpPr/>
-          <p:nvPr/>
-        </p:nvSpPr>
-        <p:spPr>
-          <a:xfrm>
-            <a:off x="5545495" y="6568748"/>
-            <a:ext cx="276808" cy="251928"/>
-          </a:xfrm>
-          <a:prstGeom prst="wedgeEllipseCallout">
-            <a:avLst/>
-          </a:prstGeom>
-          <a:solidFill>
-            <a:srgbClr val="FF0000"/>
-          </a:solidFill>
-        </p:spPr>
-        <p:style>
-          <a:lnRef idx="2">
-            <a:schemeClr val="accent1">
-              <a:shade val="50000"/>
-            </a:schemeClr>
-          </a:lnRef>
-          <a:fillRef idx="1">
-            <a:schemeClr val="accent1"/>
-          </a:fillRef>
-          <a:effectRef idx="0">
-            <a:schemeClr val="accent1"/>
-          </a:effectRef>
-          <a:fontRef idx="minor">
-            <a:schemeClr val="lt1"/>
-          </a:fontRef>
-        </p:style>
-        <p:txBody>
-          <a:bodyPr rtlCol="0" anchor="ctr"/>
-          <a:lstStyle/>
-          <a:p>
-            <a:pPr algn="ctr"/>
-            <a:r>
-              <a:rPr lang="en-US" altLang="ko-KR" sz="1600" dirty="0" smtClean="0"/>
-              <a:t>3</a:t>
-            </a:r>
-            <a:endParaRPr lang="ko-KR" altLang="en-US" sz="1600" dirty="0"/>
-          </a:p>
-        </p:txBody>
-      </p:sp>
-      <p:sp>
-        <p:nvSpPr>
-          <p:cNvPr id="15" name="타원형 설명선 14"/>
-          <p:cNvSpPr/>
-          <p:nvPr/>
-        </p:nvSpPr>
-        <p:spPr>
-          <a:xfrm>
-            <a:off x="5952932" y="6568748"/>
-            <a:ext cx="276808" cy="251928"/>
-          </a:xfrm>
-          <a:prstGeom prst="wedgeEllipseCallout">
-            <a:avLst/>
-          </a:prstGeom>
-          <a:solidFill>
-            <a:srgbClr val="FF0000"/>
-          </a:solidFill>
-        </p:spPr>
-        <p:style>
-          <a:lnRef idx="2">
-            <a:schemeClr val="accent1">
-              <a:shade val="50000"/>
-            </a:schemeClr>
-          </a:lnRef>
-          <a:fillRef idx="1">
-            <a:schemeClr val="accent1"/>
-          </a:fillRef>
-          <a:effectRef idx="0">
-            <a:schemeClr val="accent1"/>
-          </a:effectRef>
-          <a:fontRef idx="minor">
-            <a:schemeClr val="lt1"/>
-          </a:fontRef>
-        </p:style>
-        <p:txBody>
-          <a:bodyPr rtlCol="0" anchor="ctr"/>
-          <a:lstStyle/>
-          <a:p>
-            <a:pPr algn="ctr"/>
-            <a:r>
-              <a:rPr lang="en-US" altLang="ko-KR" sz="1600" dirty="0" smtClean="0"/>
-              <a:t>4</a:t>
-            </a:r>
-            <a:endParaRPr lang="ko-KR" altLang="en-US" sz="1600" dirty="0"/>
-          </a:p>
-        </p:txBody>
-      </p:sp>
-      <p:sp>
-        <p:nvSpPr>
-          <p:cNvPr id="16" name="타원형 설명선 15"/>
-          <p:cNvSpPr/>
-          <p:nvPr/>
-        </p:nvSpPr>
-        <p:spPr>
-          <a:xfrm>
-            <a:off x="6360369" y="6568748"/>
-            <a:ext cx="276808" cy="251928"/>
-          </a:xfrm>
-          <a:prstGeom prst="wedgeEllipseCallout">
-            <a:avLst/>
-          </a:prstGeom>
-          <a:solidFill>
-            <a:srgbClr val="FF0000"/>
-          </a:solidFill>
-        </p:spPr>
-        <p:style>
-          <a:lnRef idx="2">
-            <a:schemeClr val="accent1">
-              <a:shade val="50000"/>
-            </a:schemeClr>
-          </a:lnRef>
-          <a:fillRef idx="1">
-            <a:schemeClr val="accent1"/>
-          </a:fillRef>
-          <a:effectRef idx="0">
-            <a:schemeClr val="accent1"/>
-          </a:effectRef>
-          <a:fontRef idx="minor">
-            <a:schemeClr val="lt1"/>
-          </a:fontRef>
-        </p:style>
-        <p:txBody>
-          <a:bodyPr rtlCol="0" anchor="ctr"/>
-          <a:lstStyle/>
-          <a:p>
-            <a:pPr algn="ctr"/>
-            <a:r>
-              <a:rPr lang="en-US" altLang="ko-KR" sz="1600" dirty="0"/>
-              <a:t>5</a:t>
-            </a:r>
-            <a:endParaRPr lang="ko-KR" altLang="en-US" sz="1600" dirty="0"/>
-          </a:p>
-        </p:txBody>
-      </p:sp>
-      <p:pic>
-        <p:nvPicPr>
-          <p:cNvPr id="4" name="그림 3"/>
-          <p:cNvPicPr>
-            <a:picLocks noChangeAspect="1"/>
-          </p:cNvPicPr>
-          <p:nvPr/>
-        </p:nvPicPr>
-        <p:blipFill>
-          <a:blip r:embed="rId2"/>
-          <a:stretch>
-            <a:fillRect/>
-          </a:stretch>
-        </p:blipFill>
-        <p:spPr>
-          <a:xfrm>
-            <a:off x="393442" y="335901"/>
-            <a:ext cx="4104965" cy="6228178"/>
-          </a:xfrm>
-          <a:prstGeom prst="rect">
-            <a:avLst/>
-          </a:prstGeom>
-        </p:spPr>
-      </p:pic>
-      <p:graphicFrame>
-        <p:nvGraphicFramePr>
-          <p:cNvPr id="10" name="표 9"/>
-          <p:cNvGraphicFramePr>
-            <a:graphicFrameLocks noGrp="1"/>
-          </p:cNvGraphicFramePr>
-          <p:nvPr>
-            <p:extLst/>
-          </p:nvPr>
-        </p:nvGraphicFramePr>
-        <p:xfrm>
-          <a:off x="4730621" y="335901"/>
-          <a:ext cx="7156580" cy="6257361"/>
-        </p:xfrm>
-        <a:graphic>
-          <a:graphicData uri="http://schemas.openxmlformats.org/drawingml/2006/table">
-            <a:tbl>
-              <a:tblPr firstRow="1" bandRow="1">
-                <a:tableStyleId>{5C22544A-7EE6-4342-B048-85BDC9FD1C3A}</a:tableStyleId>
-              </a:tblPr>
-              <a:tblGrid>
-                <a:gridCol w="3578290">
-                  <a:extLst>
-                    <a:ext uri="{9D8B030D-6E8A-4147-A177-3AD203B41FA5}">
-                      <a16:colId xmlns:a16="http://schemas.microsoft.com/office/drawing/2014/main" val="351070394"/>
-                    </a:ext>
-                  </a:extLst>
-                </a:gridCol>
-                <a:gridCol w="3578290">
-                  <a:extLst>
-                    <a:ext uri="{9D8B030D-6E8A-4147-A177-3AD203B41FA5}">
-                      <a16:colId xmlns:a16="http://schemas.microsoft.com/office/drawing/2014/main" val="3761585973"/>
-                    </a:ext>
-                  </a:extLst>
-                </a:gridCol>
-              </a:tblGrid>
-              <a:tr h="351168">
-                <a:tc gridSpan="2">
-                  <a:txBody>
-                    <a:bodyPr/>
-                    <a:lstStyle/>
-                    <a:p>
-                      <a:pPr algn="ctr" latinLnBrk="1"/>
-                      <a:r>
-                        <a:rPr lang="ko-KR" altLang="en-US" baseline="0" dirty="0" smtClean="0">
-                          <a:solidFill>
-                            <a:schemeClr val="tx1"/>
-                          </a:solidFill>
-                          <a:ea typeface="나눔고딕" panose="020D0604000000000000" pitchFamily="50" charset="-127"/>
-                        </a:rPr>
-                        <a:t>회원가입</a:t>
-                      </a:r>
-                      <a:r>
-                        <a:rPr lang="en-US" altLang="ko-KR" baseline="0" dirty="0" smtClean="0">
-                          <a:solidFill>
-                            <a:schemeClr val="tx1"/>
-                          </a:solidFill>
-                          <a:ea typeface="나눔고딕" panose="020D0604000000000000" pitchFamily="50" charset="-127"/>
-                        </a:rPr>
-                        <a:t> mobile </a:t>
-                      </a:r>
-                      <a:r>
-                        <a:rPr lang="ko-KR" altLang="en-US" baseline="0" dirty="0" smtClean="0">
-                          <a:solidFill>
-                            <a:schemeClr val="tx1"/>
-                          </a:solidFill>
-                          <a:ea typeface="나눔고딕" panose="020D0604000000000000" pitchFamily="50" charset="-127"/>
-                        </a:rPr>
-                        <a:t>화면</a:t>
-                      </a:r>
-                      <a:endParaRPr lang="ko-KR" altLang="en-US" dirty="0">
-                        <a:solidFill>
-                          <a:schemeClr val="tx1"/>
-                        </a:solidFill>
-                        <a:ea typeface="나눔고딕" panose="020D0604000000000000" pitchFamily="50" charset="-127"/>
-                      </a:endParaRPr>
-                    </a:p>
-                  </a:txBody>
-                  <a:tcPr anchor="ctr">
-                    <a:lnB w="12700" cap="flat" cmpd="sng" algn="ctr">
-                      <a:solidFill>
-                        <a:schemeClr val="tx1"/>
-                      </a:solidFill>
-                      <a:prstDash val="solid"/>
-                      <a:round/>
-                      <a:headEnd type="none" w="med" len="med"/>
-                      <a:tailEnd type="none" w="med" len="med"/>
-                    </a:lnB>
-                    <a:solidFill>
-                      <a:schemeClr val="accent1">
-                        <a:lumMod val="20000"/>
-                        <a:lumOff val="80000"/>
-                      </a:schemeClr>
-                    </a:solidFill>
-                  </a:tcPr>
-                </a:tc>
-                <a:tc hMerge="1">
-                  <a:txBody>
-                    <a:bodyPr/>
-                    <a:lstStyle/>
-                    <a:p>
-                      <a:pPr algn="ctr" latinLnBrk="1"/>
-                      <a:endParaRPr lang="ko-KR" altLang="en-US" dirty="0">
-                        <a:solidFill>
-                          <a:schemeClr val="tx1"/>
-                        </a:solidFill>
-                        <a:ea typeface="나눔고딕" panose="020D0604000000000000" pitchFamily="50" charset="-127"/>
-                      </a:endParaRPr>
-                    </a:p>
-                  </a:txBody>
-                  <a:tcPr anchor="ctr">
-                    <a:solidFill>
-                      <a:schemeClr val="accent1">
-                        <a:lumMod val="20000"/>
-                        <a:lumOff val="80000"/>
-                      </a:schemeClr>
-                    </a:solidFill>
-                  </a:tcPr>
-                </a:tc>
-                <a:extLst>
-                  <a:ext uri="{0D108BD9-81ED-4DB2-BD59-A6C34878D82A}">
-                    <a16:rowId xmlns:a16="http://schemas.microsoft.com/office/drawing/2014/main" val="3996157874"/>
-                  </a:ext>
-                </a:extLst>
-              </a:tr>
-              <a:tr h="351168">
-                <a:tc>
-                  <a:txBody>
-                    <a:bodyPr/>
-                    <a:lstStyle/>
-                    <a:p>
-                      <a:pPr algn="ctr" latinLnBrk="1"/>
-                      <a:r>
-                        <a:rPr lang="ko-KR" altLang="en-US" dirty="0" smtClean="0">
-                          <a:solidFill>
-                            <a:schemeClr val="tx1"/>
-                          </a:solidFill>
-                          <a:ea typeface="나눔고딕" panose="020D0604000000000000" pitchFamily="50" charset="-127"/>
-                        </a:rPr>
-                        <a:t>스토리보드</a:t>
-                      </a:r>
-                      <a:endParaRPr lang="ko-KR" altLang="en-US" dirty="0">
-                        <a:solidFill>
-                          <a:schemeClr val="tx1"/>
-                        </a:solidFill>
-                        <a:ea typeface="나눔고딕" panose="020D0604000000000000" pitchFamily="50" charset="-127"/>
-                      </a:endParaRPr>
-                    </a:p>
-                  </a:txBody>
-                  <a:tcPr anchor="ctr">
-                    <a:lnL w="12700" cap="flat" cmpd="sng" algn="ctr">
-                      <a:solidFill>
-                        <a:schemeClr val="tx1"/>
-                      </a:solidFill>
-                      <a:prstDash val="solid"/>
-                      <a:round/>
-                      <a:headEnd type="none" w="med" len="med"/>
-                      <a:tailEnd type="none" w="med" len="med"/>
-                    </a:lnL>
-                    <a:lnR w="12700" cap="flat" cmpd="sng" algn="ctr">
-                      <a:solidFill>
-                        <a:schemeClr val="tx1"/>
-                      </a:solidFill>
-                      <a:prstDash val="solid"/>
-                      <a:round/>
-                      <a:headEnd type="none" w="med" len="med"/>
-                      <a:tailEnd type="none" w="med" len="med"/>
-                    </a:lnR>
-                    <a:lnT w="12700" cap="flat" cmpd="sng" algn="ctr">
-                      <a:solidFill>
-                        <a:schemeClr val="tx1"/>
-                      </a:solidFill>
-                      <a:prstDash val="solid"/>
-                      <a:round/>
-                      <a:headEnd type="none" w="med" len="med"/>
-                      <a:tailEnd type="none" w="med" len="med"/>
-                    </a:lnT>
-                    <a:lnB w="12700" cap="flat" cmpd="sng" algn="ctr">
-                      <a:solidFill>
-                        <a:schemeClr val="tx1"/>
-                      </a:solidFill>
-                      <a:prstDash val="solid"/>
-                      <a:round/>
-                      <a:headEnd type="none" w="med" len="med"/>
-                      <a:tailEnd type="none" w="med" len="med"/>
-                    </a:lnB>
-                    <a:solidFill>
-                      <a:schemeClr val="accent1">
-                        <a:lumMod val="20000"/>
-                        <a:lumOff val="80000"/>
-                      </a:schemeClr>
-                    </a:solidFill>
-                  </a:tcPr>
-                </a:tc>
-                <a:tc>
-                  <a:txBody>
-                    <a:bodyPr/>
-                    <a:lstStyle/>
-                    <a:p>
-                      <a:pPr algn="ctr" latinLnBrk="1"/>
-                      <a:r>
-                        <a:rPr lang="ko-KR" altLang="en-US" dirty="0" smtClean="0">
-                          <a:solidFill>
-                            <a:schemeClr val="tx1"/>
-                          </a:solidFill>
-                          <a:ea typeface="나눔고딕" panose="020D0604000000000000" pitchFamily="50" charset="-127"/>
-                        </a:rPr>
-                        <a:t>구현</a:t>
-                      </a:r>
-                      <a:endParaRPr lang="ko-KR" altLang="en-US" dirty="0">
-                        <a:solidFill>
-                          <a:schemeClr val="tx1"/>
-                        </a:solidFill>
-                        <a:ea typeface="나눔고딕" panose="020D0604000000000000" pitchFamily="50" charset="-127"/>
-                      </a:endParaRPr>
-                    </a:p>
-                  </a:txBody>
-                  <a:tcPr anchor="ctr">
-                    <a:lnL w="12700" cap="flat" cmpd="sng" algn="ctr">
-                      <a:solidFill>
-                        <a:schemeClr val="tx1"/>
-                      </a:solidFill>
-                      <a:prstDash val="solid"/>
-                      <a:round/>
-                      <a:headEnd type="none" w="med" len="med"/>
-                      <a:tailEnd type="none" w="med" len="med"/>
-                    </a:lnL>
-                    <a:lnR w="12700" cap="flat" cmpd="sng" algn="ctr">
-                      <a:solidFill>
-                        <a:schemeClr val="tx1"/>
-                      </a:solidFill>
-                      <a:prstDash val="solid"/>
-                      <a:round/>
-                      <a:headEnd type="none" w="med" len="med"/>
-                      <a:tailEnd type="none" w="med" len="med"/>
-                    </a:lnR>
-                    <a:lnT w="12700" cap="flat" cmpd="sng" algn="ctr">
-                      <a:solidFill>
-                        <a:schemeClr val="tx1"/>
-                      </a:solidFill>
-                      <a:prstDash val="solid"/>
-                      <a:round/>
-                      <a:headEnd type="none" w="med" len="med"/>
-                      <a:tailEnd type="none" w="med" len="med"/>
-                    </a:lnT>
-                    <a:lnB w="12700" cap="flat" cmpd="sng" algn="ctr">
-                      <a:solidFill>
-                        <a:schemeClr val="tx1"/>
-                      </a:solidFill>
-                      <a:prstDash val="solid"/>
-                      <a:round/>
-                      <a:headEnd type="none" w="med" len="med"/>
-                      <a:tailEnd type="none" w="med" len="med"/>
-                    </a:lnB>
-                    <a:solidFill>
-                      <a:schemeClr val="accent1">
-                        <a:lumMod val="20000"/>
-                        <a:lumOff val="80000"/>
-                      </a:schemeClr>
-                    </a:solidFill>
-                  </a:tcPr>
-                </a:tc>
-                <a:extLst>
-                  <a:ext uri="{0D108BD9-81ED-4DB2-BD59-A6C34878D82A}">
-                    <a16:rowId xmlns:a16="http://schemas.microsoft.com/office/drawing/2014/main" val="2077121834"/>
-                  </a:ext>
-                </a:extLst>
-              </a:tr>
-              <a:tr h="1105168">
-                <a:tc>
-                  <a:txBody>
-                    <a:bodyPr/>
-                    <a:lstStyle/>
-                    <a:p>
-                      <a:pPr latinLnBrk="1"/>
-                      <a:endParaRPr lang="ko-KR" altLang="en-US" dirty="0">
-                        <a:ea typeface="나눔고딕" panose="020D0604000000000000" pitchFamily="50" charset="-127"/>
-                      </a:endParaRPr>
-                    </a:p>
-                  </a:txBody>
-                  <a:tcPr marL="180000" marR="72000" marT="180000">
-                    <a:lnL w="12700" cmpd="sng">
-                      <a:noFill/>
-                    </a:lnL>
-                    <a:lnR w="12700" cap="flat" cmpd="sng" algn="ctr">
-                      <a:solidFill>
-                        <a:schemeClr val="tx1"/>
-                      </a:solidFill>
-                      <a:prstDash val="solid"/>
-                      <a:round/>
-                      <a:headEnd type="none" w="med" len="med"/>
-                      <a:tailEnd type="none" w="med" len="med"/>
-                    </a:lnR>
-                    <a:lnT w="12700" cap="flat" cmpd="sng" algn="ctr">
-                      <a:solidFill>
-                        <a:schemeClr val="tx1"/>
-                      </a:solidFill>
-                      <a:prstDash val="solid"/>
-                      <a:round/>
-                      <a:headEnd type="none" w="med" len="med"/>
-                      <a:tailEnd type="none" w="med" len="med"/>
-                    </a:lnT>
-                    <a:lnB w="12700" cmpd="sng">
-                      <a:noFill/>
-                    </a:lnB>
-                    <a:lnTlToBr w="12700" cmpd="sng">
-                      <a:noFill/>
-                      <a:prstDash val="solid"/>
-                    </a:lnTlToBr>
-                    <a:lnBlToTr w="12700" cmpd="sng">
-                      <a:noFill/>
-                      <a:prstDash val="solid"/>
-                    </a:lnBlToTr>
-                    <a:solidFill>
-                      <a:schemeClr val="bg1">
-                        <a:lumMod val="95000"/>
-                      </a:schemeClr>
-                    </a:solidFill>
-                  </a:tcPr>
-                </a:tc>
-                <a:tc>
-                  <a:txBody>
-                    <a:bodyPr/>
-                    <a:lstStyle/>
-                    <a:p>
-                      <a:pPr latinLnBrk="1"/>
-                      <a:endParaRPr lang="ko-KR" altLang="en-US" dirty="0">
-                        <a:ea typeface="나눔고딕" panose="020D0604000000000000" pitchFamily="50" charset="-127"/>
-                      </a:endParaRPr>
-                    </a:p>
-                  </a:txBody>
-                  <a:tcPr marL="180000" marR="72000" marT="180000">
-                    <a:lnL w="12700" cap="flat" cmpd="sng" algn="ctr">
-                      <a:solidFill>
-                        <a:schemeClr val="tx1"/>
-                      </a:solidFill>
-                      <a:prstDash val="solid"/>
-                      <a:round/>
-                      <a:headEnd type="none" w="med" len="med"/>
-                      <a:tailEnd type="none" w="med" len="med"/>
-                    </a:lnL>
-                    <a:lnT w="12700" cap="flat" cmpd="sng" algn="ctr">
-                      <a:solidFill>
-                        <a:schemeClr val="tx1"/>
-                      </a:solidFill>
-                      <a:prstDash val="solid"/>
-                      <a:round/>
-                      <a:headEnd type="none" w="med" len="med"/>
-                      <a:tailEnd type="none" w="med" len="med"/>
-                    </a:lnT>
-                    <a:solidFill>
-                      <a:schemeClr val="bg1">
-                        <a:lumMod val="95000"/>
-                      </a:schemeClr>
-                    </a:solidFill>
-                  </a:tcPr>
-                </a:tc>
-                <a:extLst>
-                  <a:ext uri="{0D108BD9-81ED-4DB2-BD59-A6C34878D82A}">
-                    <a16:rowId xmlns:a16="http://schemas.microsoft.com/office/drawing/2014/main" val="2443125590"/>
-                  </a:ext>
-                </a:extLst>
-              </a:tr>
-              <a:tr h="1105168">
-                <a:tc>
-                  <a:txBody>
-                    <a:bodyPr/>
-                    <a:lstStyle/>
-                    <a:p>
-                      <a:pPr latinLnBrk="1"/>
-                      <a:endParaRPr lang="ko-KR" altLang="en-US" dirty="0">
-                        <a:ea typeface="나눔고딕" panose="020D0604000000000000" pitchFamily="50" charset="-127"/>
-                      </a:endParaRPr>
-                    </a:p>
-                  </a:txBody>
-                  <a:tcPr marL="180000" marR="72000" marT="180000">
-                    <a:lnL w="12700" cmpd="sng">
-                      <a:noFill/>
-                    </a:lnL>
-                    <a:lnR w="12700" cap="flat" cmpd="sng" algn="ctr">
-                      <a:solidFill>
-                        <a:schemeClr val="tx1"/>
-                      </a:solidFill>
-                      <a:prstDash val="solid"/>
-                      <a:round/>
-                      <a:headEnd type="none" w="med" len="med"/>
-                      <a:tailEnd type="none" w="med" len="med"/>
-                    </a:lnR>
-                    <a:lnT w="12700" cmpd="sng">
-                      <a:noFill/>
-                    </a:lnT>
-                    <a:lnB w="12700" cmpd="sng">
-                      <a:noFill/>
-                    </a:lnB>
-                    <a:lnTlToBr w="12700" cmpd="sng">
-                      <a:noFill/>
-                      <a:prstDash val="solid"/>
-                    </a:lnTlToBr>
-                    <a:lnBlToTr w="12700" cmpd="sng">
-                      <a:noFill/>
-                      <a:prstDash val="solid"/>
-                    </a:lnBlToTr>
-                    <a:solidFill>
-                      <a:schemeClr val="bg1">
-                        <a:lumMod val="95000"/>
-                      </a:schemeClr>
-                    </a:solidFill>
-                  </a:tcPr>
-                </a:tc>
-                <a:tc>
-                  <a:txBody>
-                    <a:bodyPr/>
-                    <a:lstStyle/>
-                    <a:p>
-                      <a:pPr latinLnBrk="1"/>
-                      <a:endParaRPr lang="ko-KR" altLang="en-US" dirty="0">
-                        <a:ea typeface="나눔고딕" panose="020D0604000000000000" pitchFamily="50" charset="-127"/>
-                      </a:endParaRPr>
-                    </a:p>
-                  </a:txBody>
-                  <a:tcPr marL="180000" marR="72000" marT="180000">
-                    <a:lnL w="12700" cap="flat" cmpd="sng" algn="ctr">
-                      <a:solidFill>
-                        <a:schemeClr val="tx1"/>
-                      </a:solidFill>
-                      <a:prstDash val="solid"/>
-                      <a:round/>
-                      <a:headEnd type="none" w="med" len="med"/>
-                      <a:tailEnd type="none" w="med" len="med"/>
-                    </a:lnL>
-                    <a:solidFill>
-                      <a:schemeClr val="bg1">
-                        <a:lumMod val="95000"/>
-                      </a:schemeClr>
-                    </a:solidFill>
-                  </a:tcPr>
-                </a:tc>
-                <a:extLst>
-                  <a:ext uri="{0D108BD9-81ED-4DB2-BD59-A6C34878D82A}">
-                    <a16:rowId xmlns:a16="http://schemas.microsoft.com/office/drawing/2014/main" val="351888798"/>
-                  </a:ext>
-                </a:extLst>
-              </a:tr>
-              <a:tr h="1105169">
-                <a:tc>
-                  <a:txBody>
-                    <a:bodyPr/>
-                    <a:lstStyle/>
-                    <a:p>
-                      <a:pPr latinLnBrk="1"/>
-                      <a:endParaRPr lang="ko-KR" altLang="en-US" dirty="0">
-                        <a:ea typeface="나눔고딕" panose="020D0604000000000000" pitchFamily="50" charset="-127"/>
-                      </a:endParaRPr>
-                    </a:p>
-                  </a:txBody>
-                  <a:tcPr marL="180000" marR="72000" marT="180000">
-                    <a:lnL w="12700" cmpd="sng">
-                      <a:noFill/>
-                    </a:lnL>
-                    <a:lnR w="12700" cap="flat" cmpd="sng" algn="ctr">
-                      <a:solidFill>
-                        <a:schemeClr val="tx1"/>
-                      </a:solidFill>
-                      <a:prstDash val="solid"/>
-                      <a:round/>
-                      <a:headEnd type="none" w="med" len="med"/>
-                      <a:tailEnd type="none" w="med" len="med"/>
-                    </a:lnR>
-                    <a:lnT w="12700" cmpd="sng">
-                      <a:noFill/>
-                    </a:lnT>
-                    <a:lnB w="12700" cmpd="sng">
-                      <a:noFill/>
-                    </a:lnB>
-                    <a:lnTlToBr w="12700" cmpd="sng">
-                      <a:noFill/>
-                      <a:prstDash val="solid"/>
-                    </a:lnTlToBr>
-                    <a:lnBlToTr w="12700" cmpd="sng">
-                      <a:noFill/>
-                      <a:prstDash val="solid"/>
-                    </a:lnBlToTr>
-                    <a:solidFill>
-                      <a:schemeClr val="bg1">
-                        <a:lumMod val="95000"/>
-                      </a:schemeClr>
-                    </a:solidFill>
-                  </a:tcPr>
-                </a:tc>
-                <a:tc>
-                  <a:txBody>
-                    <a:bodyPr/>
-                    <a:lstStyle/>
-                    <a:p>
-                      <a:pPr latinLnBrk="1"/>
-                      <a:endParaRPr lang="ko-KR" altLang="en-US" dirty="0">
-                        <a:ea typeface="나눔고딕" panose="020D0604000000000000" pitchFamily="50" charset="-127"/>
-                      </a:endParaRPr>
-                    </a:p>
-                  </a:txBody>
-                  <a:tcPr marL="180000" marR="72000" marT="180000">
-                    <a:lnL w="12700" cap="flat" cmpd="sng" algn="ctr">
-                      <a:solidFill>
-                        <a:schemeClr val="tx1"/>
-                      </a:solidFill>
-                      <a:prstDash val="solid"/>
-                      <a:round/>
-                      <a:headEnd type="none" w="med" len="med"/>
-                      <a:tailEnd type="none" w="med" len="med"/>
-                    </a:lnL>
-                    <a:solidFill>
-                      <a:schemeClr val="bg1">
-                        <a:lumMod val="95000"/>
-                      </a:schemeClr>
-                    </a:solidFill>
-                  </a:tcPr>
-                </a:tc>
-                <a:extLst>
-                  <a:ext uri="{0D108BD9-81ED-4DB2-BD59-A6C34878D82A}">
-                    <a16:rowId xmlns:a16="http://schemas.microsoft.com/office/drawing/2014/main" val="1836297606"/>
-                  </a:ext>
-                </a:extLst>
-              </a:tr>
-              <a:tr h="1105168">
-                <a:tc>
-                  <a:txBody>
-                    <a:bodyPr/>
-                    <a:lstStyle/>
-                    <a:p>
-                      <a:pPr latinLnBrk="1"/>
-                      <a:endParaRPr lang="ko-KR" altLang="en-US" dirty="0">
-                        <a:ea typeface="나눔고딕" panose="020D0604000000000000" pitchFamily="50" charset="-127"/>
-                      </a:endParaRPr>
-                    </a:p>
-                  </a:txBody>
-                  <a:tcPr marL="180000" marR="72000" marT="180000">
-                    <a:lnL w="12700" cmpd="sng">
-                      <a:noFill/>
-                    </a:lnL>
-                    <a:lnR w="12700" cap="flat" cmpd="sng" algn="ctr">
-                      <a:solidFill>
-                        <a:schemeClr val="tx1"/>
-                      </a:solidFill>
-                      <a:prstDash val="solid"/>
-                      <a:round/>
-                      <a:headEnd type="none" w="med" len="med"/>
-                      <a:tailEnd type="none" w="med" len="med"/>
-                    </a:lnR>
-                    <a:lnT w="12700" cmpd="sng">
-                      <a:noFill/>
-                    </a:lnT>
-                    <a:lnB w="12700" cmpd="sng">
-                      <a:noFill/>
-                    </a:lnB>
-                    <a:lnTlToBr w="12700" cmpd="sng">
-                      <a:noFill/>
-                      <a:prstDash val="solid"/>
-                    </a:lnTlToBr>
-                    <a:lnBlToTr w="12700" cmpd="sng">
-                      <a:noFill/>
-                      <a:prstDash val="solid"/>
-                    </a:lnBlToTr>
-                    <a:solidFill>
-                      <a:schemeClr val="bg1">
-                        <a:lumMod val="95000"/>
-                      </a:schemeClr>
-                    </a:solidFill>
-                  </a:tcPr>
-                </a:tc>
-                <a:tc>
-                  <a:txBody>
-                    <a:bodyPr/>
-                    <a:lstStyle/>
-                    <a:p>
-                      <a:pPr latinLnBrk="1"/>
-                      <a:endParaRPr lang="ko-KR" altLang="en-US" dirty="0">
-                        <a:ea typeface="나눔고딕" panose="020D0604000000000000" pitchFamily="50" charset="-127"/>
-                      </a:endParaRPr>
-                    </a:p>
-                  </a:txBody>
-                  <a:tcPr marL="180000" marR="72000" marT="180000">
-                    <a:lnL w="12700" cap="flat" cmpd="sng" algn="ctr">
-                      <a:solidFill>
-                        <a:schemeClr val="tx1"/>
-                      </a:solidFill>
-                      <a:prstDash val="solid"/>
-                      <a:round/>
-                      <a:headEnd type="none" w="med" len="med"/>
-                      <a:tailEnd type="none" w="med" len="med"/>
-                    </a:lnL>
-                    <a:solidFill>
-                      <a:schemeClr val="bg1">
-                        <a:lumMod val="95000"/>
-                      </a:schemeClr>
-                    </a:solidFill>
-                  </a:tcPr>
-                </a:tc>
-                <a:extLst>
-                  <a:ext uri="{0D108BD9-81ED-4DB2-BD59-A6C34878D82A}">
-                    <a16:rowId xmlns:a16="http://schemas.microsoft.com/office/drawing/2014/main" val="2071471467"/>
-                  </a:ext>
-                </a:extLst>
-              </a:tr>
-              <a:tr h="1105168">
-                <a:tc>
-                  <a:txBody>
-                    <a:bodyPr/>
-                    <a:lstStyle/>
-                    <a:p>
-                      <a:pPr latinLnBrk="1"/>
-                      <a:endParaRPr lang="ko-KR" altLang="en-US" dirty="0">
-                        <a:ea typeface="나눔고딕" panose="020D0604000000000000" pitchFamily="50" charset="-127"/>
-                      </a:endParaRPr>
-                    </a:p>
-                  </a:txBody>
-                  <a:tcPr marL="180000" marR="72000" marT="180000">
-                    <a:lnL w="12700" cmpd="sng">
-                      <a:noFill/>
-                    </a:lnL>
-                    <a:lnR w="12700" cap="flat" cmpd="sng" algn="ctr">
-                      <a:solidFill>
-                        <a:schemeClr val="tx1"/>
-                      </a:solidFill>
-                      <a:prstDash val="solid"/>
-                      <a:round/>
-                      <a:headEnd type="none" w="med" len="med"/>
-                      <a:tailEnd type="none" w="med" len="med"/>
-                    </a:lnR>
-                    <a:lnT w="12700" cmpd="sng">
-                      <a:noFill/>
-                    </a:lnT>
-                    <a:lnB w="12700" cmpd="sng">
-                      <a:noFill/>
-                    </a:lnB>
-                    <a:lnTlToBr w="12700" cmpd="sng">
-                      <a:noFill/>
-                      <a:prstDash val="solid"/>
-                    </a:lnTlToBr>
-                    <a:lnBlToTr w="12700" cmpd="sng">
-                      <a:noFill/>
-                      <a:prstDash val="solid"/>
-                    </a:lnBlToTr>
-                    <a:solidFill>
-                      <a:schemeClr val="bg1">
-                        <a:lumMod val="95000"/>
-                      </a:schemeClr>
-                    </a:solidFill>
-                  </a:tcPr>
-                </a:tc>
-                <a:tc>
-                  <a:txBody>
-                    <a:bodyPr/>
-                    <a:lstStyle/>
-                    <a:p>
-                      <a:pPr latinLnBrk="1"/>
-                      <a:endParaRPr lang="ko-KR" altLang="en-US" dirty="0">
-                        <a:ea typeface="나눔고딕" panose="020D0604000000000000" pitchFamily="50" charset="-127"/>
-                      </a:endParaRPr>
-                    </a:p>
-                  </a:txBody>
-                  <a:tcPr marL="180000" marR="72000" marT="180000">
-                    <a:lnL w="12700" cap="flat" cmpd="sng" algn="ctr">
-                      <a:solidFill>
-                        <a:schemeClr val="tx1"/>
-                      </a:solidFill>
-                      <a:prstDash val="solid"/>
-                      <a:round/>
-                      <a:headEnd type="none" w="med" len="med"/>
-                      <a:tailEnd type="none" w="med" len="med"/>
-                    </a:lnL>
-                    <a:solidFill>
-                      <a:schemeClr val="bg1">
-                        <a:lumMod val="95000"/>
-                      </a:schemeClr>
-                    </a:solidFill>
-                  </a:tcPr>
-                </a:tc>
-                <a:extLst>
-                  <a:ext uri="{0D108BD9-81ED-4DB2-BD59-A6C34878D82A}">
-                    <a16:rowId xmlns:a16="http://schemas.microsoft.com/office/drawing/2014/main" val="3691746584"/>
-                  </a:ext>
-                </a:extLst>
-              </a:tr>
-            </a:tbl>
-          </a:graphicData>
-        </a:graphic>
-      </p:graphicFrame>
-      <p:pic>
-        <p:nvPicPr>
-          <p:cNvPr id="2" name="그림 1"/>
-          <p:cNvPicPr>
-            <a:picLocks noChangeAspect="1"/>
-          </p:cNvPicPr>
-          <p:nvPr/>
-        </p:nvPicPr>
-        <p:blipFill>
-          <a:blip r:embed="rId3"/>
-          <a:stretch>
-            <a:fillRect/>
-          </a:stretch>
-        </p:blipFill>
-        <p:spPr>
-          <a:xfrm>
-            <a:off x="4730115" y="1096620"/>
-            <a:ext cx="3574129" cy="5496642"/>
-          </a:xfrm>
-          <a:prstGeom prst="rect">
-            <a:avLst/>
-          </a:prstGeom>
-        </p:spPr>
-      </p:pic>
-    </p:spTree>
-    <p:extLst>
-      <p:ext uri="{BB962C8B-B14F-4D97-AF65-F5344CB8AC3E}">
-        <p14:creationId xmlns:p14="http://schemas.microsoft.com/office/powerpoint/2010/main" val="518769378"/>
-      </p:ext>
-    </p:extLst>
-  </p:cSld>
-  <p:clrMapOvr>
-    <a:masterClrMapping/>
-  </p:clrMapOvr>
-  <p:timing>
-    <p:tnLst>
-      <p:par>
-        <p:cTn id="1" dur="indefinite" restart="never" nodeType="tmRoot"/>
-      </p:par>
-    </p:tnLst>
-  </p:timing>
-</p:sld>
-</file>
-
-<file path=ppt/slides/slide6.xml><?xml version="1.0" encoding="utf-8"?>
+<file path=ppt/slides/slide8.xml><?xml version="1.0" encoding="utf-8"?>
 <p:sld xmlns:a="http://schemas.openxmlformats.org/drawingml/2006/main" xmlns:r="http://schemas.openxmlformats.org/officeDocument/2006/relationships" xmlns:p="http://schemas.openxmlformats.org/presentationml/2006/main">
   <p:cSld>
     <p:spTree>
@@ -13758,7 +18227,7 @@
 </p:sld>
 </file>
 
-<file path=ppt/slides/slide7.xml><?xml version="1.0" encoding="utf-8"?>
+<file path=ppt/slides/slide9.xml><?xml version="1.0" encoding="utf-8"?>
 <p:sld xmlns:a="http://schemas.openxmlformats.org/drawingml/2006/main" xmlns:r="http://schemas.openxmlformats.org/officeDocument/2006/relationships" xmlns:p="http://schemas.openxmlformats.org/presentationml/2006/main">
   <p:cSld>
     <p:spTree>
@@ -14577,1900 +19046,6 @@
     <p:extLst>
       <p:ext uri="{BB962C8B-B14F-4D97-AF65-F5344CB8AC3E}">
         <p14:creationId xmlns:p14="http://schemas.microsoft.com/office/powerpoint/2010/main" val="2206244308"/>
-      </p:ext>
-    </p:extLst>
-  </p:cSld>
-  <p:clrMapOvr>
-    <a:masterClrMapping/>
-  </p:clrMapOvr>
-  <p:timing>
-    <p:tnLst>
-      <p:par>
-        <p:cTn id="1" dur="indefinite" restart="never" nodeType="tmRoot"/>
-      </p:par>
-    </p:tnLst>
-  </p:timing>
-</p:sld>
-</file>
-
-<file path=ppt/slides/slide8.xml><?xml version="1.0" encoding="utf-8"?>
-<p:sld xmlns:a="http://schemas.openxmlformats.org/drawingml/2006/main" xmlns:r="http://schemas.openxmlformats.org/officeDocument/2006/relationships" xmlns:p="http://schemas.openxmlformats.org/presentationml/2006/main">
-  <p:cSld>
-    <p:spTree>
-      <p:nvGrpSpPr>
-        <p:cNvPr id="1" name=""/>
-        <p:cNvGrpSpPr/>
-        <p:nvPr/>
-      </p:nvGrpSpPr>
-      <p:grpSpPr>
-        <a:xfrm>
-          <a:off x="0" y="0"/>
-          <a:ext cx="0" cy="0"/>
-          <a:chOff x="0" y="0"/>
-          <a:chExt cx="0" cy="0"/>
-        </a:xfrm>
-      </p:grpSpPr>
-      <p:sp>
-        <p:nvSpPr>
-          <p:cNvPr id="6" name="직사각형 5"/>
-          <p:cNvSpPr/>
-          <p:nvPr/>
-        </p:nvSpPr>
-        <p:spPr>
-          <a:xfrm>
-            <a:off x="393442" y="335902"/>
-            <a:ext cx="4105469" cy="6228178"/>
-          </a:xfrm>
-          <a:prstGeom prst="rect">
-            <a:avLst/>
-          </a:prstGeom>
-          <a:solidFill>
-            <a:schemeClr val="bg1"/>
-          </a:solidFill>
-        </p:spPr>
-        <p:style>
-          <a:lnRef idx="2">
-            <a:schemeClr val="accent1">
-              <a:shade val="50000"/>
-            </a:schemeClr>
-          </a:lnRef>
-          <a:fillRef idx="1">
-            <a:schemeClr val="accent1"/>
-          </a:fillRef>
-          <a:effectRef idx="0">
-            <a:schemeClr val="accent1"/>
-          </a:effectRef>
-          <a:fontRef idx="minor">
-            <a:schemeClr val="lt1"/>
-          </a:fontRef>
-        </p:style>
-        <p:txBody>
-          <a:bodyPr rtlCol="0" anchor="ctr"/>
-          <a:lstStyle/>
-          <a:p>
-            <a:pPr algn="ctr"/>
-            <a:endParaRPr lang="ko-KR" altLang="en-US"/>
-          </a:p>
-        </p:txBody>
-      </p:sp>
-      <p:sp>
-        <p:nvSpPr>
-          <p:cNvPr id="3" name="타원형 설명선 2"/>
-          <p:cNvSpPr/>
-          <p:nvPr/>
-        </p:nvSpPr>
-        <p:spPr>
-          <a:xfrm>
-            <a:off x="4719737" y="6564080"/>
-            <a:ext cx="276808" cy="251928"/>
-          </a:xfrm>
-          <a:prstGeom prst="wedgeEllipseCallout">
-            <a:avLst/>
-          </a:prstGeom>
-          <a:solidFill>
-            <a:srgbClr val="FF0000"/>
-          </a:solidFill>
-        </p:spPr>
-        <p:style>
-          <a:lnRef idx="2">
-            <a:schemeClr val="accent1">
-              <a:shade val="50000"/>
-            </a:schemeClr>
-          </a:lnRef>
-          <a:fillRef idx="1">
-            <a:schemeClr val="accent1"/>
-          </a:fillRef>
-          <a:effectRef idx="0">
-            <a:schemeClr val="accent1"/>
-          </a:effectRef>
-          <a:fontRef idx="minor">
-            <a:schemeClr val="lt1"/>
-          </a:fontRef>
-        </p:style>
-        <p:txBody>
-          <a:bodyPr rtlCol="0" anchor="ctr"/>
-          <a:lstStyle/>
-          <a:p>
-            <a:pPr algn="ctr"/>
-            <a:r>
-              <a:rPr lang="en-US" altLang="ko-KR" dirty="0"/>
-              <a:t>1</a:t>
-            </a:r>
-            <a:endParaRPr lang="ko-KR" altLang="en-US" dirty="0"/>
-          </a:p>
-        </p:txBody>
-      </p:sp>
-      <p:sp>
-        <p:nvSpPr>
-          <p:cNvPr id="13" name="타원형 설명선 12"/>
-          <p:cNvSpPr/>
-          <p:nvPr/>
-        </p:nvSpPr>
-        <p:spPr>
-          <a:xfrm>
-            <a:off x="5138058" y="6568748"/>
-            <a:ext cx="276808" cy="251928"/>
-          </a:xfrm>
-          <a:prstGeom prst="wedgeEllipseCallout">
-            <a:avLst/>
-          </a:prstGeom>
-          <a:solidFill>
-            <a:srgbClr val="FF0000"/>
-          </a:solidFill>
-        </p:spPr>
-        <p:style>
-          <a:lnRef idx="2">
-            <a:schemeClr val="accent1">
-              <a:shade val="50000"/>
-            </a:schemeClr>
-          </a:lnRef>
-          <a:fillRef idx="1">
-            <a:schemeClr val="accent1"/>
-          </a:fillRef>
-          <a:effectRef idx="0">
-            <a:schemeClr val="accent1"/>
-          </a:effectRef>
-          <a:fontRef idx="minor">
-            <a:schemeClr val="lt1"/>
-          </a:fontRef>
-        </p:style>
-        <p:txBody>
-          <a:bodyPr rtlCol="0" anchor="ctr"/>
-          <a:lstStyle/>
-          <a:p>
-            <a:pPr algn="ctr"/>
-            <a:r>
-              <a:rPr lang="en-US" altLang="ko-KR" dirty="0" smtClean="0"/>
-              <a:t>2</a:t>
-            </a:r>
-            <a:endParaRPr lang="ko-KR" altLang="en-US" dirty="0"/>
-          </a:p>
-        </p:txBody>
-      </p:sp>
-      <p:sp>
-        <p:nvSpPr>
-          <p:cNvPr id="14" name="타원형 설명선 13"/>
-          <p:cNvSpPr/>
-          <p:nvPr/>
-        </p:nvSpPr>
-        <p:spPr>
-          <a:xfrm>
-            <a:off x="5545495" y="6568748"/>
-            <a:ext cx="276808" cy="251928"/>
-          </a:xfrm>
-          <a:prstGeom prst="wedgeEllipseCallout">
-            <a:avLst/>
-          </a:prstGeom>
-          <a:solidFill>
-            <a:srgbClr val="FF0000"/>
-          </a:solidFill>
-        </p:spPr>
-        <p:style>
-          <a:lnRef idx="2">
-            <a:schemeClr val="accent1">
-              <a:shade val="50000"/>
-            </a:schemeClr>
-          </a:lnRef>
-          <a:fillRef idx="1">
-            <a:schemeClr val="accent1"/>
-          </a:fillRef>
-          <a:effectRef idx="0">
-            <a:schemeClr val="accent1"/>
-          </a:effectRef>
-          <a:fontRef idx="minor">
-            <a:schemeClr val="lt1"/>
-          </a:fontRef>
-        </p:style>
-        <p:txBody>
-          <a:bodyPr rtlCol="0" anchor="ctr"/>
-          <a:lstStyle/>
-          <a:p>
-            <a:pPr algn="ctr"/>
-            <a:r>
-              <a:rPr lang="en-US" altLang="ko-KR" sz="1600" dirty="0" smtClean="0"/>
-              <a:t>3</a:t>
-            </a:r>
-            <a:endParaRPr lang="ko-KR" altLang="en-US" sz="1600" dirty="0"/>
-          </a:p>
-        </p:txBody>
-      </p:sp>
-      <p:sp>
-        <p:nvSpPr>
-          <p:cNvPr id="15" name="타원형 설명선 14"/>
-          <p:cNvSpPr/>
-          <p:nvPr/>
-        </p:nvSpPr>
-        <p:spPr>
-          <a:xfrm>
-            <a:off x="5952932" y="6568748"/>
-            <a:ext cx="276808" cy="251928"/>
-          </a:xfrm>
-          <a:prstGeom prst="wedgeEllipseCallout">
-            <a:avLst/>
-          </a:prstGeom>
-          <a:solidFill>
-            <a:srgbClr val="FF0000"/>
-          </a:solidFill>
-        </p:spPr>
-        <p:style>
-          <a:lnRef idx="2">
-            <a:schemeClr val="accent1">
-              <a:shade val="50000"/>
-            </a:schemeClr>
-          </a:lnRef>
-          <a:fillRef idx="1">
-            <a:schemeClr val="accent1"/>
-          </a:fillRef>
-          <a:effectRef idx="0">
-            <a:schemeClr val="accent1"/>
-          </a:effectRef>
-          <a:fontRef idx="minor">
-            <a:schemeClr val="lt1"/>
-          </a:fontRef>
-        </p:style>
-        <p:txBody>
-          <a:bodyPr rtlCol="0" anchor="ctr"/>
-          <a:lstStyle/>
-          <a:p>
-            <a:pPr algn="ctr"/>
-            <a:r>
-              <a:rPr lang="en-US" altLang="ko-KR" sz="1600" dirty="0" smtClean="0"/>
-              <a:t>4</a:t>
-            </a:r>
-            <a:endParaRPr lang="ko-KR" altLang="en-US" sz="1600" dirty="0"/>
-          </a:p>
-        </p:txBody>
-      </p:sp>
-      <p:sp>
-        <p:nvSpPr>
-          <p:cNvPr id="16" name="타원형 설명선 15"/>
-          <p:cNvSpPr/>
-          <p:nvPr/>
-        </p:nvSpPr>
-        <p:spPr>
-          <a:xfrm>
-            <a:off x="6360369" y="6568748"/>
-            <a:ext cx="276808" cy="251928"/>
-          </a:xfrm>
-          <a:prstGeom prst="wedgeEllipseCallout">
-            <a:avLst/>
-          </a:prstGeom>
-          <a:solidFill>
-            <a:srgbClr val="FF0000"/>
-          </a:solidFill>
-        </p:spPr>
-        <p:style>
-          <a:lnRef idx="2">
-            <a:schemeClr val="accent1">
-              <a:shade val="50000"/>
-            </a:schemeClr>
-          </a:lnRef>
-          <a:fillRef idx="1">
-            <a:schemeClr val="accent1"/>
-          </a:fillRef>
-          <a:effectRef idx="0">
-            <a:schemeClr val="accent1"/>
-          </a:effectRef>
-          <a:fontRef idx="minor">
-            <a:schemeClr val="lt1"/>
-          </a:fontRef>
-        </p:style>
-        <p:txBody>
-          <a:bodyPr rtlCol="0" anchor="ctr"/>
-          <a:lstStyle/>
-          <a:p>
-            <a:pPr algn="ctr"/>
-            <a:r>
-              <a:rPr lang="en-US" altLang="ko-KR" sz="1600" dirty="0"/>
-              <a:t>5</a:t>
-            </a:r>
-            <a:endParaRPr lang="ko-KR" altLang="en-US" sz="1600" dirty="0"/>
-          </a:p>
-        </p:txBody>
-      </p:sp>
-      <p:pic>
-        <p:nvPicPr>
-          <p:cNvPr id="2" name="그림 1"/>
-          <p:cNvPicPr>
-            <a:picLocks noChangeAspect="1"/>
-          </p:cNvPicPr>
-          <p:nvPr/>
-        </p:nvPicPr>
-        <p:blipFill>
-          <a:blip r:embed="rId2"/>
-          <a:stretch>
-            <a:fillRect/>
-          </a:stretch>
-        </p:blipFill>
-        <p:spPr>
-          <a:xfrm>
-            <a:off x="393442" y="335901"/>
-            <a:ext cx="4105469" cy="6228178"/>
-          </a:xfrm>
-          <a:prstGeom prst="rect">
-            <a:avLst/>
-          </a:prstGeom>
-        </p:spPr>
-      </p:pic>
-      <p:graphicFrame>
-        <p:nvGraphicFramePr>
-          <p:cNvPr id="11" name="표 10"/>
-          <p:cNvGraphicFramePr>
-            <a:graphicFrameLocks noGrp="1"/>
-          </p:cNvGraphicFramePr>
-          <p:nvPr>
-            <p:extLst/>
-          </p:nvPr>
-        </p:nvGraphicFramePr>
-        <p:xfrm>
-          <a:off x="4730621" y="335901"/>
-          <a:ext cx="7156580" cy="6257361"/>
-        </p:xfrm>
-        <a:graphic>
-          <a:graphicData uri="http://schemas.openxmlformats.org/drawingml/2006/table">
-            <a:tbl>
-              <a:tblPr firstRow="1" bandRow="1">
-                <a:tableStyleId>{5C22544A-7EE6-4342-B048-85BDC9FD1C3A}</a:tableStyleId>
-              </a:tblPr>
-              <a:tblGrid>
-                <a:gridCol w="3578290">
-                  <a:extLst>
-                    <a:ext uri="{9D8B030D-6E8A-4147-A177-3AD203B41FA5}">
-                      <a16:colId xmlns:a16="http://schemas.microsoft.com/office/drawing/2014/main" val="351070394"/>
-                    </a:ext>
-                  </a:extLst>
-                </a:gridCol>
-                <a:gridCol w="3578290">
-                  <a:extLst>
-                    <a:ext uri="{9D8B030D-6E8A-4147-A177-3AD203B41FA5}">
-                      <a16:colId xmlns:a16="http://schemas.microsoft.com/office/drawing/2014/main" val="3761585973"/>
-                    </a:ext>
-                  </a:extLst>
-                </a:gridCol>
-              </a:tblGrid>
-              <a:tr h="351168">
-                <a:tc gridSpan="2">
-                  <a:txBody>
-                    <a:bodyPr/>
-                    <a:lstStyle/>
-                    <a:p>
-                      <a:pPr algn="ctr" latinLnBrk="1"/>
-                      <a:r>
-                        <a:rPr lang="en-US" altLang="ko-KR" baseline="0" dirty="0" smtClean="0">
-                          <a:solidFill>
-                            <a:schemeClr val="tx1"/>
-                          </a:solidFill>
-                          <a:ea typeface="나눔고딕" panose="020D0604000000000000" pitchFamily="50" charset="-127"/>
-                        </a:rPr>
-                        <a:t>footer(</a:t>
-                      </a:r>
-                      <a:r>
-                        <a:rPr lang="ko-KR" altLang="en-US" baseline="0" dirty="0" smtClean="0">
-                          <a:solidFill>
-                            <a:schemeClr val="tx1"/>
-                          </a:solidFill>
-                          <a:ea typeface="나눔고딕" panose="020D0604000000000000" pitchFamily="50" charset="-127"/>
-                        </a:rPr>
-                        <a:t>문의하기</a:t>
-                      </a:r>
-                      <a:r>
-                        <a:rPr lang="en-US" altLang="ko-KR" baseline="0" dirty="0" smtClean="0">
-                          <a:solidFill>
-                            <a:schemeClr val="tx1"/>
-                          </a:solidFill>
-                          <a:ea typeface="나눔고딕" panose="020D0604000000000000" pitchFamily="50" charset="-127"/>
-                        </a:rPr>
-                        <a:t>) mobile </a:t>
-                      </a:r>
-                      <a:r>
-                        <a:rPr lang="ko-KR" altLang="en-US" baseline="0" dirty="0" smtClean="0">
-                          <a:solidFill>
-                            <a:schemeClr val="tx1"/>
-                          </a:solidFill>
-                          <a:ea typeface="나눔고딕" panose="020D0604000000000000" pitchFamily="50" charset="-127"/>
-                        </a:rPr>
-                        <a:t>화면</a:t>
-                      </a:r>
-                      <a:endParaRPr lang="ko-KR" altLang="en-US" dirty="0">
-                        <a:solidFill>
-                          <a:schemeClr val="tx1"/>
-                        </a:solidFill>
-                        <a:ea typeface="나눔고딕" panose="020D0604000000000000" pitchFamily="50" charset="-127"/>
-                      </a:endParaRPr>
-                    </a:p>
-                  </a:txBody>
-                  <a:tcPr anchor="ctr">
-                    <a:lnB w="12700" cap="flat" cmpd="sng" algn="ctr">
-                      <a:solidFill>
-                        <a:schemeClr val="tx1"/>
-                      </a:solidFill>
-                      <a:prstDash val="solid"/>
-                      <a:round/>
-                      <a:headEnd type="none" w="med" len="med"/>
-                      <a:tailEnd type="none" w="med" len="med"/>
-                    </a:lnB>
-                    <a:solidFill>
-                      <a:schemeClr val="accent1">
-                        <a:lumMod val="20000"/>
-                        <a:lumOff val="80000"/>
-                      </a:schemeClr>
-                    </a:solidFill>
-                  </a:tcPr>
-                </a:tc>
-                <a:tc hMerge="1">
-                  <a:txBody>
-                    <a:bodyPr/>
-                    <a:lstStyle/>
-                    <a:p>
-                      <a:pPr algn="ctr" latinLnBrk="1"/>
-                      <a:endParaRPr lang="ko-KR" altLang="en-US" dirty="0">
-                        <a:solidFill>
-                          <a:schemeClr val="tx1"/>
-                        </a:solidFill>
-                        <a:ea typeface="나눔고딕" panose="020D0604000000000000" pitchFamily="50" charset="-127"/>
-                      </a:endParaRPr>
-                    </a:p>
-                  </a:txBody>
-                  <a:tcPr anchor="ctr">
-                    <a:solidFill>
-                      <a:schemeClr val="accent1">
-                        <a:lumMod val="20000"/>
-                        <a:lumOff val="80000"/>
-                      </a:schemeClr>
-                    </a:solidFill>
-                  </a:tcPr>
-                </a:tc>
-                <a:extLst>
-                  <a:ext uri="{0D108BD9-81ED-4DB2-BD59-A6C34878D82A}">
-                    <a16:rowId xmlns:a16="http://schemas.microsoft.com/office/drawing/2014/main" val="3996157874"/>
-                  </a:ext>
-                </a:extLst>
-              </a:tr>
-              <a:tr h="351168">
-                <a:tc>
-                  <a:txBody>
-                    <a:bodyPr/>
-                    <a:lstStyle/>
-                    <a:p>
-                      <a:pPr algn="ctr" latinLnBrk="1"/>
-                      <a:r>
-                        <a:rPr lang="ko-KR" altLang="en-US" dirty="0" smtClean="0">
-                          <a:solidFill>
-                            <a:schemeClr val="tx1"/>
-                          </a:solidFill>
-                          <a:ea typeface="나눔고딕" panose="020D0604000000000000" pitchFamily="50" charset="-127"/>
-                        </a:rPr>
-                        <a:t>스토리보드</a:t>
-                      </a:r>
-                      <a:endParaRPr lang="ko-KR" altLang="en-US" dirty="0">
-                        <a:solidFill>
-                          <a:schemeClr val="tx1"/>
-                        </a:solidFill>
-                        <a:ea typeface="나눔고딕" panose="020D0604000000000000" pitchFamily="50" charset="-127"/>
-                      </a:endParaRPr>
-                    </a:p>
-                  </a:txBody>
-                  <a:tcPr anchor="ctr">
-                    <a:lnL w="12700" cap="flat" cmpd="sng" algn="ctr">
-                      <a:solidFill>
-                        <a:schemeClr val="tx1"/>
-                      </a:solidFill>
-                      <a:prstDash val="solid"/>
-                      <a:round/>
-                      <a:headEnd type="none" w="med" len="med"/>
-                      <a:tailEnd type="none" w="med" len="med"/>
-                    </a:lnL>
-                    <a:lnR w="12700" cap="flat" cmpd="sng" algn="ctr">
-                      <a:solidFill>
-                        <a:schemeClr val="tx1"/>
-                      </a:solidFill>
-                      <a:prstDash val="solid"/>
-                      <a:round/>
-                      <a:headEnd type="none" w="med" len="med"/>
-                      <a:tailEnd type="none" w="med" len="med"/>
-                    </a:lnR>
-                    <a:lnT w="12700" cap="flat" cmpd="sng" algn="ctr">
-                      <a:solidFill>
-                        <a:schemeClr val="tx1"/>
-                      </a:solidFill>
-                      <a:prstDash val="solid"/>
-                      <a:round/>
-                      <a:headEnd type="none" w="med" len="med"/>
-                      <a:tailEnd type="none" w="med" len="med"/>
-                    </a:lnT>
-                    <a:lnB w="12700" cap="flat" cmpd="sng" algn="ctr">
-                      <a:solidFill>
-                        <a:schemeClr val="tx1"/>
-                      </a:solidFill>
-                      <a:prstDash val="solid"/>
-                      <a:round/>
-                      <a:headEnd type="none" w="med" len="med"/>
-                      <a:tailEnd type="none" w="med" len="med"/>
-                    </a:lnB>
-                    <a:solidFill>
-                      <a:schemeClr val="accent1">
-                        <a:lumMod val="20000"/>
-                        <a:lumOff val="80000"/>
-                      </a:schemeClr>
-                    </a:solidFill>
-                  </a:tcPr>
-                </a:tc>
-                <a:tc>
-                  <a:txBody>
-                    <a:bodyPr/>
-                    <a:lstStyle/>
-                    <a:p>
-                      <a:pPr algn="ctr" latinLnBrk="1"/>
-                      <a:r>
-                        <a:rPr lang="ko-KR" altLang="en-US" dirty="0" smtClean="0">
-                          <a:solidFill>
-                            <a:schemeClr val="tx1"/>
-                          </a:solidFill>
-                          <a:ea typeface="나눔고딕" panose="020D0604000000000000" pitchFamily="50" charset="-127"/>
-                        </a:rPr>
-                        <a:t>구현</a:t>
-                      </a:r>
-                      <a:endParaRPr lang="ko-KR" altLang="en-US" dirty="0">
-                        <a:solidFill>
-                          <a:schemeClr val="tx1"/>
-                        </a:solidFill>
-                        <a:ea typeface="나눔고딕" panose="020D0604000000000000" pitchFamily="50" charset="-127"/>
-                      </a:endParaRPr>
-                    </a:p>
-                  </a:txBody>
-                  <a:tcPr anchor="ctr">
-                    <a:lnL w="12700" cap="flat" cmpd="sng" algn="ctr">
-                      <a:solidFill>
-                        <a:schemeClr val="tx1"/>
-                      </a:solidFill>
-                      <a:prstDash val="solid"/>
-                      <a:round/>
-                      <a:headEnd type="none" w="med" len="med"/>
-                      <a:tailEnd type="none" w="med" len="med"/>
-                    </a:lnL>
-                    <a:lnR w="12700" cap="flat" cmpd="sng" algn="ctr">
-                      <a:solidFill>
-                        <a:schemeClr val="tx1"/>
-                      </a:solidFill>
-                      <a:prstDash val="solid"/>
-                      <a:round/>
-                      <a:headEnd type="none" w="med" len="med"/>
-                      <a:tailEnd type="none" w="med" len="med"/>
-                    </a:lnR>
-                    <a:lnT w="12700" cap="flat" cmpd="sng" algn="ctr">
-                      <a:solidFill>
-                        <a:schemeClr val="tx1"/>
-                      </a:solidFill>
-                      <a:prstDash val="solid"/>
-                      <a:round/>
-                      <a:headEnd type="none" w="med" len="med"/>
-                      <a:tailEnd type="none" w="med" len="med"/>
-                    </a:lnT>
-                    <a:lnB w="12700" cap="flat" cmpd="sng" algn="ctr">
-                      <a:solidFill>
-                        <a:schemeClr val="tx1"/>
-                      </a:solidFill>
-                      <a:prstDash val="solid"/>
-                      <a:round/>
-                      <a:headEnd type="none" w="med" len="med"/>
-                      <a:tailEnd type="none" w="med" len="med"/>
-                    </a:lnB>
-                    <a:solidFill>
-                      <a:schemeClr val="accent1">
-                        <a:lumMod val="20000"/>
-                        <a:lumOff val="80000"/>
-                      </a:schemeClr>
-                    </a:solidFill>
-                  </a:tcPr>
-                </a:tc>
-                <a:extLst>
-                  <a:ext uri="{0D108BD9-81ED-4DB2-BD59-A6C34878D82A}">
-                    <a16:rowId xmlns:a16="http://schemas.microsoft.com/office/drawing/2014/main" val="2077121834"/>
-                  </a:ext>
-                </a:extLst>
-              </a:tr>
-              <a:tr h="1105168">
-                <a:tc>
-                  <a:txBody>
-                    <a:bodyPr/>
-                    <a:lstStyle/>
-                    <a:p>
-                      <a:pPr latinLnBrk="1"/>
-                      <a:endParaRPr lang="ko-KR" altLang="en-US" dirty="0">
-                        <a:ea typeface="나눔고딕" panose="020D0604000000000000" pitchFamily="50" charset="-127"/>
-                      </a:endParaRPr>
-                    </a:p>
-                  </a:txBody>
-                  <a:tcPr marL="180000" marR="72000" marT="180000">
-                    <a:lnL w="12700" cmpd="sng">
-                      <a:noFill/>
-                    </a:lnL>
-                    <a:lnR w="12700" cap="flat" cmpd="sng" algn="ctr">
-                      <a:solidFill>
-                        <a:schemeClr val="tx1"/>
-                      </a:solidFill>
-                      <a:prstDash val="solid"/>
-                      <a:round/>
-                      <a:headEnd type="none" w="med" len="med"/>
-                      <a:tailEnd type="none" w="med" len="med"/>
-                    </a:lnR>
-                    <a:lnT w="12700" cap="flat" cmpd="sng" algn="ctr">
-                      <a:solidFill>
-                        <a:schemeClr val="tx1"/>
-                      </a:solidFill>
-                      <a:prstDash val="solid"/>
-                      <a:round/>
-                      <a:headEnd type="none" w="med" len="med"/>
-                      <a:tailEnd type="none" w="med" len="med"/>
-                    </a:lnT>
-                    <a:lnB w="12700" cmpd="sng">
-                      <a:noFill/>
-                    </a:lnB>
-                    <a:lnTlToBr w="12700" cmpd="sng">
-                      <a:noFill/>
-                      <a:prstDash val="solid"/>
-                    </a:lnTlToBr>
-                    <a:lnBlToTr w="12700" cmpd="sng">
-                      <a:noFill/>
-                      <a:prstDash val="solid"/>
-                    </a:lnBlToTr>
-                    <a:solidFill>
-                      <a:schemeClr val="bg1">
-                        <a:lumMod val="95000"/>
-                      </a:schemeClr>
-                    </a:solidFill>
-                  </a:tcPr>
-                </a:tc>
-                <a:tc>
-                  <a:txBody>
-                    <a:bodyPr/>
-                    <a:lstStyle/>
-                    <a:p>
-                      <a:pPr latinLnBrk="1"/>
-                      <a:endParaRPr lang="ko-KR" altLang="en-US" dirty="0">
-                        <a:ea typeface="나눔고딕" panose="020D0604000000000000" pitchFamily="50" charset="-127"/>
-                      </a:endParaRPr>
-                    </a:p>
-                  </a:txBody>
-                  <a:tcPr marL="180000" marR="72000" marT="180000">
-                    <a:lnL w="12700" cap="flat" cmpd="sng" algn="ctr">
-                      <a:solidFill>
-                        <a:schemeClr val="tx1"/>
-                      </a:solidFill>
-                      <a:prstDash val="solid"/>
-                      <a:round/>
-                      <a:headEnd type="none" w="med" len="med"/>
-                      <a:tailEnd type="none" w="med" len="med"/>
-                    </a:lnL>
-                    <a:lnT w="12700" cap="flat" cmpd="sng" algn="ctr">
-                      <a:solidFill>
-                        <a:schemeClr val="tx1"/>
-                      </a:solidFill>
-                      <a:prstDash val="solid"/>
-                      <a:round/>
-                      <a:headEnd type="none" w="med" len="med"/>
-                      <a:tailEnd type="none" w="med" len="med"/>
-                    </a:lnT>
-                    <a:solidFill>
-                      <a:schemeClr val="bg1">
-                        <a:lumMod val="95000"/>
-                      </a:schemeClr>
-                    </a:solidFill>
-                  </a:tcPr>
-                </a:tc>
-                <a:extLst>
-                  <a:ext uri="{0D108BD9-81ED-4DB2-BD59-A6C34878D82A}">
-                    <a16:rowId xmlns:a16="http://schemas.microsoft.com/office/drawing/2014/main" val="2443125590"/>
-                  </a:ext>
-                </a:extLst>
-              </a:tr>
-              <a:tr h="1105168">
-                <a:tc>
-                  <a:txBody>
-                    <a:bodyPr/>
-                    <a:lstStyle/>
-                    <a:p>
-                      <a:pPr latinLnBrk="1"/>
-                      <a:endParaRPr lang="ko-KR" altLang="en-US" dirty="0">
-                        <a:ea typeface="나눔고딕" panose="020D0604000000000000" pitchFamily="50" charset="-127"/>
-                      </a:endParaRPr>
-                    </a:p>
-                  </a:txBody>
-                  <a:tcPr marL="180000" marR="72000" marT="180000">
-                    <a:lnL w="12700" cmpd="sng">
-                      <a:noFill/>
-                    </a:lnL>
-                    <a:lnR w="12700" cap="flat" cmpd="sng" algn="ctr">
-                      <a:solidFill>
-                        <a:schemeClr val="tx1"/>
-                      </a:solidFill>
-                      <a:prstDash val="solid"/>
-                      <a:round/>
-                      <a:headEnd type="none" w="med" len="med"/>
-                      <a:tailEnd type="none" w="med" len="med"/>
-                    </a:lnR>
-                    <a:lnT w="12700" cmpd="sng">
-                      <a:noFill/>
-                    </a:lnT>
-                    <a:lnB w="12700" cmpd="sng">
-                      <a:noFill/>
-                    </a:lnB>
-                    <a:lnTlToBr w="12700" cmpd="sng">
-                      <a:noFill/>
-                      <a:prstDash val="solid"/>
-                    </a:lnTlToBr>
-                    <a:lnBlToTr w="12700" cmpd="sng">
-                      <a:noFill/>
-                      <a:prstDash val="solid"/>
-                    </a:lnBlToTr>
-                    <a:solidFill>
-                      <a:schemeClr val="bg1">
-                        <a:lumMod val="95000"/>
-                      </a:schemeClr>
-                    </a:solidFill>
-                  </a:tcPr>
-                </a:tc>
-                <a:tc>
-                  <a:txBody>
-                    <a:bodyPr/>
-                    <a:lstStyle/>
-                    <a:p>
-                      <a:pPr latinLnBrk="1"/>
-                      <a:endParaRPr lang="ko-KR" altLang="en-US" dirty="0">
-                        <a:ea typeface="나눔고딕" panose="020D0604000000000000" pitchFamily="50" charset="-127"/>
-                      </a:endParaRPr>
-                    </a:p>
-                  </a:txBody>
-                  <a:tcPr marL="180000" marR="72000" marT="180000">
-                    <a:lnL w="12700" cap="flat" cmpd="sng" algn="ctr">
-                      <a:solidFill>
-                        <a:schemeClr val="tx1"/>
-                      </a:solidFill>
-                      <a:prstDash val="solid"/>
-                      <a:round/>
-                      <a:headEnd type="none" w="med" len="med"/>
-                      <a:tailEnd type="none" w="med" len="med"/>
-                    </a:lnL>
-                    <a:solidFill>
-                      <a:schemeClr val="bg1">
-                        <a:lumMod val="95000"/>
-                      </a:schemeClr>
-                    </a:solidFill>
-                  </a:tcPr>
-                </a:tc>
-                <a:extLst>
-                  <a:ext uri="{0D108BD9-81ED-4DB2-BD59-A6C34878D82A}">
-                    <a16:rowId xmlns:a16="http://schemas.microsoft.com/office/drawing/2014/main" val="351888798"/>
-                  </a:ext>
-                </a:extLst>
-              </a:tr>
-              <a:tr h="1105169">
-                <a:tc>
-                  <a:txBody>
-                    <a:bodyPr/>
-                    <a:lstStyle/>
-                    <a:p>
-                      <a:pPr latinLnBrk="1"/>
-                      <a:endParaRPr lang="ko-KR" altLang="en-US" dirty="0">
-                        <a:ea typeface="나눔고딕" panose="020D0604000000000000" pitchFamily="50" charset="-127"/>
-                      </a:endParaRPr>
-                    </a:p>
-                  </a:txBody>
-                  <a:tcPr marL="180000" marR="72000" marT="180000">
-                    <a:lnL w="12700" cmpd="sng">
-                      <a:noFill/>
-                    </a:lnL>
-                    <a:lnR w="12700" cap="flat" cmpd="sng" algn="ctr">
-                      <a:solidFill>
-                        <a:schemeClr val="tx1"/>
-                      </a:solidFill>
-                      <a:prstDash val="solid"/>
-                      <a:round/>
-                      <a:headEnd type="none" w="med" len="med"/>
-                      <a:tailEnd type="none" w="med" len="med"/>
-                    </a:lnR>
-                    <a:lnT w="12700" cmpd="sng">
-                      <a:noFill/>
-                    </a:lnT>
-                    <a:lnB w="12700" cmpd="sng">
-                      <a:noFill/>
-                    </a:lnB>
-                    <a:lnTlToBr w="12700" cmpd="sng">
-                      <a:noFill/>
-                      <a:prstDash val="solid"/>
-                    </a:lnTlToBr>
-                    <a:lnBlToTr w="12700" cmpd="sng">
-                      <a:noFill/>
-                      <a:prstDash val="solid"/>
-                    </a:lnBlToTr>
-                    <a:solidFill>
-                      <a:schemeClr val="bg1">
-                        <a:lumMod val="95000"/>
-                      </a:schemeClr>
-                    </a:solidFill>
-                  </a:tcPr>
-                </a:tc>
-                <a:tc>
-                  <a:txBody>
-                    <a:bodyPr/>
-                    <a:lstStyle/>
-                    <a:p>
-                      <a:pPr latinLnBrk="1"/>
-                      <a:endParaRPr lang="ko-KR" altLang="en-US" dirty="0">
-                        <a:ea typeface="나눔고딕" panose="020D0604000000000000" pitchFamily="50" charset="-127"/>
-                      </a:endParaRPr>
-                    </a:p>
-                  </a:txBody>
-                  <a:tcPr marL="180000" marR="72000" marT="180000">
-                    <a:lnL w="12700" cap="flat" cmpd="sng" algn="ctr">
-                      <a:solidFill>
-                        <a:schemeClr val="tx1"/>
-                      </a:solidFill>
-                      <a:prstDash val="solid"/>
-                      <a:round/>
-                      <a:headEnd type="none" w="med" len="med"/>
-                      <a:tailEnd type="none" w="med" len="med"/>
-                    </a:lnL>
-                    <a:solidFill>
-                      <a:schemeClr val="bg1">
-                        <a:lumMod val="95000"/>
-                      </a:schemeClr>
-                    </a:solidFill>
-                  </a:tcPr>
-                </a:tc>
-                <a:extLst>
-                  <a:ext uri="{0D108BD9-81ED-4DB2-BD59-A6C34878D82A}">
-                    <a16:rowId xmlns:a16="http://schemas.microsoft.com/office/drawing/2014/main" val="1836297606"/>
-                  </a:ext>
-                </a:extLst>
-              </a:tr>
-              <a:tr h="1105168">
-                <a:tc>
-                  <a:txBody>
-                    <a:bodyPr/>
-                    <a:lstStyle/>
-                    <a:p>
-                      <a:pPr latinLnBrk="1"/>
-                      <a:endParaRPr lang="ko-KR" altLang="en-US" dirty="0">
-                        <a:ea typeface="나눔고딕" panose="020D0604000000000000" pitchFamily="50" charset="-127"/>
-                      </a:endParaRPr>
-                    </a:p>
-                  </a:txBody>
-                  <a:tcPr marL="180000" marR="72000" marT="180000">
-                    <a:lnL w="12700" cmpd="sng">
-                      <a:noFill/>
-                    </a:lnL>
-                    <a:lnR w="12700" cap="flat" cmpd="sng" algn="ctr">
-                      <a:solidFill>
-                        <a:schemeClr val="tx1"/>
-                      </a:solidFill>
-                      <a:prstDash val="solid"/>
-                      <a:round/>
-                      <a:headEnd type="none" w="med" len="med"/>
-                      <a:tailEnd type="none" w="med" len="med"/>
-                    </a:lnR>
-                    <a:lnT w="12700" cmpd="sng">
-                      <a:noFill/>
-                    </a:lnT>
-                    <a:lnB w="12700" cmpd="sng">
-                      <a:noFill/>
-                    </a:lnB>
-                    <a:lnTlToBr w="12700" cmpd="sng">
-                      <a:noFill/>
-                      <a:prstDash val="solid"/>
-                    </a:lnTlToBr>
-                    <a:lnBlToTr w="12700" cmpd="sng">
-                      <a:noFill/>
-                      <a:prstDash val="solid"/>
-                    </a:lnBlToTr>
-                    <a:solidFill>
-                      <a:schemeClr val="bg1">
-                        <a:lumMod val="95000"/>
-                      </a:schemeClr>
-                    </a:solidFill>
-                  </a:tcPr>
-                </a:tc>
-                <a:tc>
-                  <a:txBody>
-                    <a:bodyPr/>
-                    <a:lstStyle/>
-                    <a:p>
-                      <a:pPr latinLnBrk="1"/>
-                      <a:endParaRPr lang="ko-KR" altLang="en-US" dirty="0">
-                        <a:ea typeface="나눔고딕" panose="020D0604000000000000" pitchFamily="50" charset="-127"/>
-                      </a:endParaRPr>
-                    </a:p>
-                  </a:txBody>
-                  <a:tcPr marL="180000" marR="72000" marT="180000">
-                    <a:lnL w="12700" cap="flat" cmpd="sng" algn="ctr">
-                      <a:solidFill>
-                        <a:schemeClr val="tx1"/>
-                      </a:solidFill>
-                      <a:prstDash val="solid"/>
-                      <a:round/>
-                      <a:headEnd type="none" w="med" len="med"/>
-                      <a:tailEnd type="none" w="med" len="med"/>
-                    </a:lnL>
-                    <a:solidFill>
-                      <a:schemeClr val="bg1">
-                        <a:lumMod val="95000"/>
-                      </a:schemeClr>
-                    </a:solidFill>
-                  </a:tcPr>
-                </a:tc>
-                <a:extLst>
-                  <a:ext uri="{0D108BD9-81ED-4DB2-BD59-A6C34878D82A}">
-                    <a16:rowId xmlns:a16="http://schemas.microsoft.com/office/drawing/2014/main" val="2071471467"/>
-                  </a:ext>
-                </a:extLst>
-              </a:tr>
-              <a:tr h="1105168">
-                <a:tc>
-                  <a:txBody>
-                    <a:bodyPr/>
-                    <a:lstStyle/>
-                    <a:p>
-                      <a:pPr latinLnBrk="1"/>
-                      <a:endParaRPr lang="ko-KR" altLang="en-US" dirty="0">
-                        <a:ea typeface="나눔고딕" panose="020D0604000000000000" pitchFamily="50" charset="-127"/>
-                      </a:endParaRPr>
-                    </a:p>
-                  </a:txBody>
-                  <a:tcPr marL="180000" marR="72000" marT="180000">
-                    <a:lnL w="12700" cmpd="sng">
-                      <a:noFill/>
-                    </a:lnL>
-                    <a:lnR w="12700" cap="flat" cmpd="sng" algn="ctr">
-                      <a:solidFill>
-                        <a:schemeClr val="tx1"/>
-                      </a:solidFill>
-                      <a:prstDash val="solid"/>
-                      <a:round/>
-                      <a:headEnd type="none" w="med" len="med"/>
-                      <a:tailEnd type="none" w="med" len="med"/>
-                    </a:lnR>
-                    <a:lnT w="12700" cmpd="sng">
-                      <a:noFill/>
-                    </a:lnT>
-                    <a:lnB w="12700" cmpd="sng">
-                      <a:noFill/>
-                    </a:lnB>
-                    <a:lnTlToBr w="12700" cmpd="sng">
-                      <a:noFill/>
-                      <a:prstDash val="solid"/>
-                    </a:lnTlToBr>
-                    <a:lnBlToTr w="12700" cmpd="sng">
-                      <a:noFill/>
-                      <a:prstDash val="solid"/>
-                    </a:lnBlToTr>
-                    <a:solidFill>
-                      <a:schemeClr val="bg1">
-                        <a:lumMod val="95000"/>
-                      </a:schemeClr>
-                    </a:solidFill>
-                  </a:tcPr>
-                </a:tc>
-                <a:tc>
-                  <a:txBody>
-                    <a:bodyPr/>
-                    <a:lstStyle/>
-                    <a:p>
-                      <a:pPr latinLnBrk="1"/>
-                      <a:endParaRPr lang="ko-KR" altLang="en-US" dirty="0">
-                        <a:ea typeface="나눔고딕" panose="020D0604000000000000" pitchFamily="50" charset="-127"/>
-                      </a:endParaRPr>
-                    </a:p>
-                  </a:txBody>
-                  <a:tcPr marL="180000" marR="72000" marT="180000">
-                    <a:lnL w="12700" cap="flat" cmpd="sng" algn="ctr">
-                      <a:solidFill>
-                        <a:schemeClr val="tx1"/>
-                      </a:solidFill>
-                      <a:prstDash val="solid"/>
-                      <a:round/>
-                      <a:headEnd type="none" w="med" len="med"/>
-                      <a:tailEnd type="none" w="med" len="med"/>
-                    </a:lnL>
-                    <a:solidFill>
-                      <a:schemeClr val="bg1">
-                        <a:lumMod val="95000"/>
-                      </a:schemeClr>
-                    </a:solidFill>
-                  </a:tcPr>
-                </a:tc>
-                <a:extLst>
-                  <a:ext uri="{0D108BD9-81ED-4DB2-BD59-A6C34878D82A}">
-                    <a16:rowId xmlns:a16="http://schemas.microsoft.com/office/drawing/2014/main" val="3691746584"/>
-                  </a:ext>
-                </a:extLst>
-              </a:tr>
-            </a:tbl>
-          </a:graphicData>
-        </a:graphic>
-      </p:graphicFrame>
-      <p:pic>
-        <p:nvPicPr>
-          <p:cNvPr id="12" name="그림 11"/>
-          <p:cNvPicPr>
-            <a:picLocks noChangeAspect="1"/>
-          </p:cNvPicPr>
-          <p:nvPr/>
-        </p:nvPicPr>
-        <p:blipFill>
-          <a:blip r:embed="rId3"/>
-          <a:stretch>
-            <a:fillRect/>
-          </a:stretch>
-        </p:blipFill>
-        <p:spPr>
-          <a:xfrm>
-            <a:off x="4719737" y="1088717"/>
-            <a:ext cx="3583606" cy="5504545"/>
-          </a:xfrm>
-          <a:prstGeom prst="rect">
-            <a:avLst/>
-          </a:prstGeom>
-        </p:spPr>
-      </p:pic>
-    </p:spTree>
-    <p:extLst>
-      <p:ext uri="{BB962C8B-B14F-4D97-AF65-F5344CB8AC3E}">
-        <p14:creationId xmlns:p14="http://schemas.microsoft.com/office/powerpoint/2010/main" val="3946818638"/>
-      </p:ext>
-    </p:extLst>
-  </p:cSld>
-  <p:clrMapOvr>
-    <a:masterClrMapping/>
-  </p:clrMapOvr>
-  <p:timing>
-    <p:tnLst>
-      <p:par>
-        <p:cTn id="1" dur="indefinite" restart="never" nodeType="tmRoot"/>
-      </p:par>
-    </p:tnLst>
-  </p:timing>
-</p:sld>
-</file>
-
-<file path=ppt/slides/slide9.xml><?xml version="1.0" encoding="utf-8"?>
-<p:sld xmlns:a="http://schemas.openxmlformats.org/drawingml/2006/main" xmlns:r="http://schemas.openxmlformats.org/officeDocument/2006/relationships" xmlns:p="http://schemas.openxmlformats.org/presentationml/2006/main">
-  <p:cSld>
-    <p:spTree>
-      <p:nvGrpSpPr>
-        <p:cNvPr id="1" name=""/>
-        <p:cNvGrpSpPr/>
-        <p:nvPr/>
-      </p:nvGrpSpPr>
-      <p:grpSpPr>
-        <a:xfrm>
-          <a:off x="0" y="0"/>
-          <a:ext cx="0" cy="0"/>
-          <a:chOff x="0" y="0"/>
-          <a:chExt cx="0" cy="0"/>
-        </a:xfrm>
-      </p:grpSpPr>
-      <p:sp>
-        <p:nvSpPr>
-          <p:cNvPr id="3" name="타원형 설명선 2"/>
-          <p:cNvSpPr/>
-          <p:nvPr/>
-        </p:nvSpPr>
-        <p:spPr>
-          <a:xfrm>
-            <a:off x="4719737" y="6564080"/>
-            <a:ext cx="276808" cy="251928"/>
-          </a:xfrm>
-          <a:prstGeom prst="wedgeEllipseCallout">
-            <a:avLst/>
-          </a:prstGeom>
-          <a:solidFill>
-            <a:srgbClr val="FF0000"/>
-          </a:solidFill>
-        </p:spPr>
-        <p:style>
-          <a:lnRef idx="2">
-            <a:schemeClr val="accent1">
-              <a:shade val="50000"/>
-            </a:schemeClr>
-          </a:lnRef>
-          <a:fillRef idx="1">
-            <a:schemeClr val="accent1"/>
-          </a:fillRef>
-          <a:effectRef idx="0">
-            <a:schemeClr val="accent1"/>
-          </a:effectRef>
-          <a:fontRef idx="minor">
-            <a:schemeClr val="lt1"/>
-          </a:fontRef>
-        </p:style>
-        <p:txBody>
-          <a:bodyPr rtlCol="0" anchor="ctr"/>
-          <a:lstStyle/>
-          <a:p>
-            <a:pPr algn="ctr"/>
-            <a:r>
-              <a:rPr lang="en-US" altLang="ko-KR" dirty="0"/>
-              <a:t>1</a:t>
-            </a:r>
-            <a:endParaRPr lang="ko-KR" altLang="en-US" dirty="0"/>
-          </a:p>
-        </p:txBody>
-      </p:sp>
-      <p:sp>
-        <p:nvSpPr>
-          <p:cNvPr id="13" name="타원형 설명선 12"/>
-          <p:cNvSpPr/>
-          <p:nvPr/>
-        </p:nvSpPr>
-        <p:spPr>
-          <a:xfrm>
-            <a:off x="5138058" y="6568748"/>
-            <a:ext cx="276808" cy="251928"/>
-          </a:xfrm>
-          <a:prstGeom prst="wedgeEllipseCallout">
-            <a:avLst/>
-          </a:prstGeom>
-          <a:solidFill>
-            <a:srgbClr val="FF0000"/>
-          </a:solidFill>
-        </p:spPr>
-        <p:style>
-          <a:lnRef idx="2">
-            <a:schemeClr val="accent1">
-              <a:shade val="50000"/>
-            </a:schemeClr>
-          </a:lnRef>
-          <a:fillRef idx="1">
-            <a:schemeClr val="accent1"/>
-          </a:fillRef>
-          <a:effectRef idx="0">
-            <a:schemeClr val="accent1"/>
-          </a:effectRef>
-          <a:fontRef idx="minor">
-            <a:schemeClr val="lt1"/>
-          </a:fontRef>
-        </p:style>
-        <p:txBody>
-          <a:bodyPr rtlCol="0" anchor="ctr"/>
-          <a:lstStyle/>
-          <a:p>
-            <a:pPr algn="ctr"/>
-            <a:r>
-              <a:rPr lang="en-US" altLang="ko-KR" dirty="0" smtClean="0"/>
-              <a:t>2</a:t>
-            </a:r>
-            <a:endParaRPr lang="ko-KR" altLang="en-US" dirty="0"/>
-          </a:p>
-        </p:txBody>
-      </p:sp>
-      <p:sp>
-        <p:nvSpPr>
-          <p:cNvPr id="14" name="타원형 설명선 13"/>
-          <p:cNvSpPr/>
-          <p:nvPr/>
-        </p:nvSpPr>
-        <p:spPr>
-          <a:xfrm>
-            <a:off x="5545495" y="6568748"/>
-            <a:ext cx="276808" cy="251928"/>
-          </a:xfrm>
-          <a:prstGeom prst="wedgeEllipseCallout">
-            <a:avLst/>
-          </a:prstGeom>
-          <a:solidFill>
-            <a:srgbClr val="FF0000"/>
-          </a:solidFill>
-        </p:spPr>
-        <p:style>
-          <a:lnRef idx="2">
-            <a:schemeClr val="accent1">
-              <a:shade val="50000"/>
-            </a:schemeClr>
-          </a:lnRef>
-          <a:fillRef idx="1">
-            <a:schemeClr val="accent1"/>
-          </a:fillRef>
-          <a:effectRef idx="0">
-            <a:schemeClr val="accent1"/>
-          </a:effectRef>
-          <a:fontRef idx="minor">
-            <a:schemeClr val="lt1"/>
-          </a:fontRef>
-        </p:style>
-        <p:txBody>
-          <a:bodyPr rtlCol="0" anchor="ctr"/>
-          <a:lstStyle/>
-          <a:p>
-            <a:pPr algn="ctr"/>
-            <a:r>
-              <a:rPr lang="en-US" altLang="ko-KR" sz="1600" dirty="0" smtClean="0"/>
-              <a:t>3</a:t>
-            </a:r>
-            <a:endParaRPr lang="ko-KR" altLang="en-US" sz="1600" dirty="0"/>
-          </a:p>
-        </p:txBody>
-      </p:sp>
-      <p:sp>
-        <p:nvSpPr>
-          <p:cNvPr id="15" name="타원형 설명선 14"/>
-          <p:cNvSpPr/>
-          <p:nvPr/>
-        </p:nvSpPr>
-        <p:spPr>
-          <a:xfrm>
-            <a:off x="5952932" y="6568748"/>
-            <a:ext cx="276808" cy="251928"/>
-          </a:xfrm>
-          <a:prstGeom prst="wedgeEllipseCallout">
-            <a:avLst/>
-          </a:prstGeom>
-          <a:solidFill>
-            <a:srgbClr val="FF0000"/>
-          </a:solidFill>
-        </p:spPr>
-        <p:style>
-          <a:lnRef idx="2">
-            <a:schemeClr val="accent1">
-              <a:shade val="50000"/>
-            </a:schemeClr>
-          </a:lnRef>
-          <a:fillRef idx="1">
-            <a:schemeClr val="accent1"/>
-          </a:fillRef>
-          <a:effectRef idx="0">
-            <a:schemeClr val="accent1"/>
-          </a:effectRef>
-          <a:fontRef idx="minor">
-            <a:schemeClr val="lt1"/>
-          </a:fontRef>
-        </p:style>
-        <p:txBody>
-          <a:bodyPr rtlCol="0" anchor="ctr"/>
-          <a:lstStyle/>
-          <a:p>
-            <a:pPr algn="ctr"/>
-            <a:r>
-              <a:rPr lang="en-US" altLang="ko-KR" sz="1600" dirty="0" smtClean="0"/>
-              <a:t>4</a:t>
-            </a:r>
-            <a:endParaRPr lang="ko-KR" altLang="en-US" sz="1600" dirty="0"/>
-          </a:p>
-        </p:txBody>
-      </p:sp>
-      <p:sp>
-        <p:nvSpPr>
-          <p:cNvPr id="16" name="타원형 설명선 15"/>
-          <p:cNvSpPr/>
-          <p:nvPr/>
-        </p:nvSpPr>
-        <p:spPr>
-          <a:xfrm>
-            <a:off x="6360369" y="6568748"/>
-            <a:ext cx="276808" cy="251928"/>
-          </a:xfrm>
-          <a:prstGeom prst="wedgeEllipseCallout">
-            <a:avLst/>
-          </a:prstGeom>
-          <a:solidFill>
-            <a:srgbClr val="FF0000"/>
-          </a:solidFill>
-        </p:spPr>
-        <p:style>
-          <a:lnRef idx="2">
-            <a:schemeClr val="accent1">
-              <a:shade val="50000"/>
-            </a:schemeClr>
-          </a:lnRef>
-          <a:fillRef idx="1">
-            <a:schemeClr val="accent1"/>
-          </a:fillRef>
-          <a:effectRef idx="0">
-            <a:schemeClr val="accent1"/>
-          </a:effectRef>
-          <a:fontRef idx="minor">
-            <a:schemeClr val="lt1"/>
-          </a:fontRef>
-        </p:style>
-        <p:txBody>
-          <a:bodyPr rtlCol="0" anchor="ctr"/>
-          <a:lstStyle/>
-          <a:p>
-            <a:pPr algn="ctr"/>
-            <a:r>
-              <a:rPr lang="en-US" altLang="ko-KR" sz="1600" dirty="0"/>
-              <a:t>5</a:t>
-            </a:r>
-            <a:endParaRPr lang="ko-KR" altLang="en-US" sz="1600" dirty="0"/>
-          </a:p>
-        </p:txBody>
-      </p:sp>
-      <p:pic>
-        <p:nvPicPr>
-          <p:cNvPr id="2" name="그림 1"/>
-          <p:cNvPicPr>
-            <a:picLocks/>
-          </p:cNvPicPr>
-          <p:nvPr/>
-        </p:nvPicPr>
-        <p:blipFill>
-          <a:blip r:embed="rId2"/>
-          <a:stretch>
-            <a:fillRect/>
-          </a:stretch>
-        </p:blipFill>
-        <p:spPr>
-          <a:xfrm>
-            <a:off x="300136" y="331232"/>
-            <a:ext cx="5310000" cy="6232846"/>
-          </a:xfrm>
-          <a:prstGeom prst="rect">
-            <a:avLst/>
-          </a:prstGeom>
-        </p:spPr>
-      </p:pic>
-      <p:graphicFrame>
-        <p:nvGraphicFramePr>
-          <p:cNvPr id="10" name="표 9"/>
-          <p:cNvGraphicFramePr>
-            <a:graphicFrameLocks noGrp="1"/>
-          </p:cNvGraphicFramePr>
-          <p:nvPr>
-            <p:extLst/>
-          </p:nvPr>
-        </p:nvGraphicFramePr>
-        <p:xfrm>
-          <a:off x="5822303" y="335903"/>
-          <a:ext cx="6204856" cy="6231586"/>
-        </p:xfrm>
-        <a:graphic>
-          <a:graphicData uri="http://schemas.openxmlformats.org/drawingml/2006/table">
-            <a:tbl>
-              <a:tblPr firstRow="1" bandRow="1">
-                <a:tableStyleId>{5C22544A-7EE6-4342-B048-85BDC9FD1C3A}</a:tableStyleId>
-              </a:tblPr>
-              <a:tblGrid>
-                <a:gridCol w="3102428">
-                  <a:extLst>
-                    <a:ext uri="{9D8B030D-6E8A-4147-A177-3AD203B41FA5}">
-                      <a16:colId xmlns:a16="http://schemas.microsoft.com/office/drawing/2014/main" val="351070394"/>
-                    </a:ext>
-                  </a:extLst>
-                </a:gridCol>
-                <a:gridCol w="3102428">
-                  <a:extLst>
-                    <a:ext uri="{9D8B030D-6E8A-4147-A177-3AD203B41FA5}">
-                      <a16:colId xmlns:a16="http://schemas.microsoft.com/office/drawing/2014/main" val="2722449755"/>
-                    </a:ext>
-                  </a:extLst>
-                </a:gridCol>
-              </a:tblGrid>
-              <a:tr h="364054">
-                <a:tc gridSpan="2">
-                  <a:txBody>
-                    <a:bodyPr/>
-                    <a:lstStyle/>
-                    <a:p>
-                      <a:pPr algn="ctr" latinLnBrk="1"/>
-                      <a:r>
-                        <a:rPr lang="en-US" altLang="ko-KR" baseline="0" dirty="0" smtClean="0">
-                          <a:solidFill>
-                            <a:schemeClr val="tx1"/>
-                          </a:solidFill>
-                          <a:ea typeface="나눔고딕" panose="020D0604000000000000" pitchFamily="50" charset="-127"/>
-                        </a:rPr>
-                        <a:t>footer(</a:t>
-                      </a:r>
-                      <a:r>
-                        <a:rPr lang="ko-KR" altLang="en-US" baseline="0" dirty="0" smtClean="0">
-                          <a:solidFill>
-                            <a:schemeClr val="tx1"/>
-                          </a:solidFill>
-                          <a:ea typeface="나눔고딕" panose="020D0604000000000000" pitchFamily="50" charset="-127"/>
-                        </a:rPr>
-                        <a:t>문의하기</a:t>
-                      </a:r>
-                      <a:r>
-                        <a:rPr lang="en-US" altLang="ko-KR" baseline="0" dirty="0" smtClean="0">
-                          <a:solidFill>
-                            <a:schemeClr val="tx1"/>
-                          </a:solidFill>
-                          <a:ea typeface="나눔고딕" panose="020D0604000000000000" pitchFamily="50" charset="-127"/>
-                        </a:rPr>
-                        <a:t>) PC </a:t>
-                      </a:r>
-                      <a:r>
-                        <a:rPr lang="ko-KR" altLang="en-US" baseline="0" dirty="0" smtClean="0">
-                          <a:solidFill>
-                            <a:schemeClr val="tx1"/>
-                          </a:solidFill>
-                          <a:ea typeface="나눔고딕" panose="020D0604000000000000" pitchFamily="50" charset="-127"/>
-                        </a:rPr>
-                        <a:t>화면</a:t>
-                      </a:r>
-                      <a:endParaRPr lang="ko-KR" altLang="en-US" baseline="0" dirty="0">
-                        <a:solidFill>
-                          <a:schemeClr val="tx1"/>
-                        </a:solidFill>
-                        <a:ea typeface="나눔고딕" panose="020D0604000000000000" pitchFamily="50" charset="-127"/>
-                      </a:endParaRPr>
-                    </a:p>
-                  </a:txBody>
-                  <a:tcPr anchor="ctr">
-                    <a:solidFill>
-                      <a:schemeClr val="accent1">
-                        <a:lumMod val="20000"/>
-                        <a:lumOff val="80000"/>
-                      </a:schemeClr>
-                    </a:solidFill>
-                  </a:tcPr>
-                </a:tc>
-                <a:tc hMerge="1">
-                  <a:txBody>
-                    <a:bodyPr/>
-                    <a:lstStyle/>
-                    <a:p>
-                      <a:pPr algn="ctr" latinLnBrk="1"/>
-                      <a:endParaRPr lang="ko-KR" altLang="en-US" baseline="0" dirty="0">
-                        <a:solidFill>
-                          <a:schemeClr val="tx1"/>
-                        </a:solidFill>
-                        <a:ea typeface="나눔고딕" panose="020D0604000000000000" pitchFamily="50" charset="-127"/>
-                      </a:endParaRPr>
-                    </a:p>
-                  </a:txBody>
-                  <a:tcPr anchor="ctr">
-                    <a:solidFill>
-                      <a:schemeClr val="accent1">
-                        <a:lumMod val="20000"/>
-                        <a:lumOff val="80000"/>
-                      </a:schemeClr>
-                    </a:solidFill>
-                  </a:tcPr>
-                </a:tc>
-                <a:extLst>
-                  <a:ext uri="{0D108BD9-81ED-4DB2-BD59-A6C34878D82A}">
-                    <a16:rowId xmlns:a16="http://schemas.microsoft.com/office/drawing/2014/main" val="3996157874"/>
-                  </a:ext>
-                </a:extLst>
-              </a:tr>
-              <a:tr h="364054">
-                <a:tc>
-                  <a:txBody>
-                    <a:bodyPr/>
-                    <a:lstStyle/>
-                    <a:p>
-                      <a:pPr algn="ctr" latinLnBrk="1"/>
-                      <a:r>
-                        <a:rPr lang="ko-KR" altLang="en-US" baseline="0" dirty="0" smtClean="0">
-                          <a:solidFill>
-                            <a:schemeClr val="tx1"/>
-                          </a:solidFill>
-                          <a:ea typeface="나눔고딕" panose="020D0604000000000000" pitchFamily="50" charset="-127"/>
-                        </a:rPr>
-                        <a:t>스토리보드</a:t>
-                      </a:r>
-                      <a:endParaRPr lang="ko-KR" altLang="en-US" baseline="0" dirty="0">
-                        <a:solidFill>
-                          <a:schemeClr val="tx1"/>
-                        </a:solidFill>
-                        <a:ea typeface="나눔고딕" panose="020D0604000000000000" pitchFamily="50" charset="-127"/>
-                      </a:endParaRPr>
-                    </a:p>
-                  </a:txBody>
-                  <a:tcPr anchor="ctr">
-                    <a:solidFill>
-                      <a:schemeClr val="accent1">
-                        <a:lumMod val="20000"/>
-                        <a:lumOff val="80000"/>
-                      </a:schemeClr>
-                    </a:solidFill>
-                  </a:tcPr>
-                </a:tc>
-                <a:tc>
-                  <a:txBody>
-                    <a:bodyPr/>
-                    <a:lstStyle/>
-                    <a:p>
-                      <a:pPr algn="ctr" latinLnBrk="1"/>
-                      <a:r>
-                        <a:rPr lang="ko-KR" altLang="en-US" baseline="0" dirty="0" smtClean="0">
-                          <a:solidFill>
-                            <a:schemeClr val="tx1"/>
-                          </a:solidFill>
-                          <a:ea typeface="나눔고딕" panose="020D0604000000000000" pitchFamily="50" charset="-127"/>
-                        </a:rPr>
-                        <a:t>구현</a:t>
-                      </a:r>
-                      <a:endParaRPr lang="ko-KR" altLang="en-US" baseline="0" dirty="0">
-                        <a:solidFill>
-                          <a:schemeClr val="tx1"/>
-                        </a:solidFill>
-                        <a:ea typeface="나눔고딕" panose="020D0604000000000000" pitchFamily="50" charset="-127"/>
-                      </a:endParaRPr>
-                    </a:p>
-                  </a:txBody>
-                  <a:tcPr anchor="ctr">
-                    <a:solidFill>
-                      <a:schemeClr val="accent1">
-                        <a:lumMod val="20000"/>
-                        <a:lumOff val="80000"/>
-                      </a:schemeClr>
-                    </a:solidFill>
-                  </a:tcPr>
-                </a:tc>
-                <a:extLst>
-                  <a:ext uri="{0D108BD9-81ED-4DB2-BD59-A6C34878D82A}">
-                    <a16:rowId xmlns:a16="http://schemas.microsoft.com/office/drawing/2014/main" val="2008034225"/>
-                  </a:ext>
-                </a:extLst>
-              </a:tr>
-              <a:tr h="1100013">
-                <a:tc>
-                  <a:txBody>
-                    <a:bodyPr/>
-                    <a:lstStyle/>
-                    <a:p>
-                      <a:pPr latinLnBrk="1"/>
-                      <a:endParaRPr lang="ko-KR" altLang="en-US" baseline="0" dirty="0">
-                        <a:ea typeface="나눔고딕" panose="020D0604000000000000" pitchFamily="50" charset="-127"/>
-                      </a:endParaRPr>
-                    </a:p>
-                  </a:txBody>
-                  <a:tcPr marL="180000" marR="72000" marT="180000">
-                    <a:lnR w="12700" cap="flat" cmpd="sng" algn="ctr">
-                      <a:solidFill>
-                        <a:schemeClr val="tx1"/>
-                      </a:solidFill>
-                      <a:prstDash val="solid"/>
-                      <a:round/>
-                      <a:headEnd type="none" w="med" len="med"/>
-                      <a:tailEnd type="none" w="med" len="med"/>
-                    </a:lnR>
-                    <a:solidFill>
-                      <a:schemeClr val="bg1">
-                        <a:lumMod val="95000"/>
-                      </a:schemeClr>
-                    </a:solidFill>
-                  </a:tcPr>
-                </a:tc>
-                <a:tc>
-                  <a:txBody>
-                    <a:bodyPr/>
-                    <a:lstStyle/>
-                    <a:p>
-                      <a:pPr latinLnBrk="1"/>
-                      <a:endParaRPr lang="ko-KR" altLang="en-US" baseline="0" dirty="0">
-                        <a:ea typeface="나눔고딕" panose="020D0604000000000000" pitchFamily="50" charset="-127"/>
-                      </a:endParaRPr>
-                    </a:p>
-                  </a:txBody>
-                  <a:tcPr marL="180000" marR="72000" marT="180000">
-                    <a:lnL w="12700" cap="flat" cmpd="sng" algn="ctr">
-                      <a:solidFill>
-                        <a:schemeClr val="tx1"/>
-                      </a:solidFill>
-                      <a:prstDash val="solid"/>
-                      <a:round/>
-                      <a:headEnd type="none" w="med" len="med"/>
-                      <a:tailEnd type="none" w="med" len="med"/>
-                    </a:lnL>
-                    <a:solidFill>
-                      <a:schemeClr val="bg1">
-                        <a:lumMod val="95000"/>
-                      </a:schemeClr>
-                    </a:solidFill>
-                  </a:tcPr>
-                </a:tc>
-                <a:extLst>
-                  <a:ext uri="{0D108BD9-81ED-4DB2-BD59-A6C34878D82A}">
-                    <a16:rowId xmlns:a16="http://schemas.microsoft.com/office/drawing/2014/main" val="2443125590"/>
-                  </a:ext>
-                </a:extLst>
-              </a:tr>
-              <a:tr h="1100013">
-                <a:tc>
-                  <a:txBody>
-                    <a:bodyPr/>
-                    <a:lstStyle/>
-                    <a:p>
-                      <a:pPr latinLnBrk="1"/>
-                      <a:endParaRPr lang="ko-KR" altLang="en-US" baseline="0" dirty="0">
-                        <a:ea typeface="나눔고딕" panose="020D0604000000000000" pitchFamily="50" charset="-127"/>
-                      </a:endParaRPr>
-                    </a:p>
-                  </a:txBody>
-                  <a:tcPr marL="180000" marR="72000" marT="180000">
-                    <a:lnR w="12700" cap="flat" cmpd="sng" algn="ctr">
-                      <a:solidFill>
-                        <a:schemeClr val="tx1"/>
-                      </a:solidFill>
-                      <a:prstDash val="solid"/>
-                      <a:round/>
-                      <a:headEnd type="none" w="med" len="med"/>
-                      <a:tailEnd type="none" w="med" len="med"/>
-                    </a:lnR>
-                    <a:solidFill>
-                      <a:schemeClr val="bg1">
-                        <a:lumMod val="95000"/>
-                      </a:schemeClr>
-                    </a:solidFill>
-                  </a:tcPr>
-                </a:tc>
-                <a:tc>
-                  <a:txBody>
-                    <a:bodyPr/>
-                    <a:lstStyle/>
-                    <a:p>
-                      <a:pPr latinLnBrk="1"/>
-                      <a:endParaRPr lang="ko-KR" altLang="en-US" baseline="0" dirty="0">
-                        <a:ea typeface="나눔고딕" panose="020D0604000000000000" pitchFamily="50" charset="-127"/>
-                      </a:endParaRPr>
-                    </a:p>
-                  </a:txBody>
-                  <a:tcPr marL="180000" marR="72000" marT="180000">
-                    <a:lnL w="12700" cap="flat" cmpd="sng" algn="ctr">
-                      <a:solidFill>
-                        <a:schemeClr val="tx1"/>
-                      </a:solidFill>
-                      <a:prstDash val="solid"/>
-                      <a:round/>
-                      <a:headEnd type="none" w="med" len="med"/>
-                      <a:tailEnd type="none" w="med" len="med"/>
-                    </a:lnL>
-                    <a:solidFill>
-                      <a:schemeClr val="bg1">
-                        <a:lumMod val="95000"/>
-                      </a:schemeClr>
-                    </a:solidFill>
-                  </a:tcPr>
-                </a:tc>
-                <a:extLst>
-                  <a:ext uri="{0D108BD9-81ED-4DB2-BD59-A6C34878D82A}">
-                    <a16:rowId xmlns:a16="http://schemas.microsoft.com/office/drawing/2014/main" val="351888798"/>
-                  </a:ext>
-                </a:extLst>
-              </a:tr>
-              <a:tr h="1100014">
-                <a:tc>
-                  <a:txBody>
-                    <a:bodyPr/>
-                    <a:lstStyle/>
-                    <a:p>
-                      <a:pPr latinLnBrk="1"/>
-                      <a:endParaRPr lang="ko-KR" altLang="en-US" baseline="0" dirty="0">
-                        <a:ea typeface="나눔고딕" panose="020D0604000000000000" pitchFamily="50" charset="-127"/>
-                      </a:endParaRPr>
-                    </a:p>
-                  </a:txBody>
-                  <a:tcPr marL="180000" marR="72000" marT="180000">
-                    <a:lnR w="12700" cap="flat" cmpd="sng" algn="ctr">
-                      <a:solidFill>
-                        <a:schemeClr val="tx1"/>
-                      </a:solidFill>
-                      <a:prstDash val="solid"/>
-                      <a:round/>
-                      <a:headEnd type="none" w="med" len="med"/>
-                      <a:tailEnd type="none" w="med" len="med"/>
-                    </a:lnR>
-                    <a:solidFill>
-                      <a:schemeClr val="bg1">
-                        <a:lumMod val="95000"/>
-                      </a:schemeClr>
-                    </a:solidFill>
-                  </a:tcPr>
-                </a:tc>
-                <a:tc>
-                  <a:txBody>
-                    <a:bodyPr/>
-                    <a:lstStyle/>
-                    <a:p>
-                      <a:pPr latinLnBrk="1"/>
-                      <a:endParaRPr lang="ko-KR" altLang="en-US" baseline="0" dirty="0">
-                        <a:ea typeface="나눔고딕" panose="020D0604000000000000" pitchFamily="50" charset="-127"/>
-                      </a:endParaRPr>
-                    </a:p>
-                  </a:txBody>
-                  <a:tcPr marL="180000" marR="72000" marT="180000">
-                    <a:lnL w="12700" cap="flat" cmpd="sng" algn="ctr">
-                      <a:solidFill>
-                        <a:schemeClr val="tx1"/>
-                      </a:solidFill>
-                      <a:prstDash val="solid"/>
-                      <a:round/>
-                      <a:headEnd type="none" w="med" len="med"/>
-                      <a:tailEnd type="none" w="med" len="med"/>
-                    </a:lnL>
-                    <a:solidFill>
-                      <a:schemeClr val="bg1">
-                        <a:lumMod val="95000"/>
-                      </a:schemeClr>
-                    </a:solidFill>
-                  </a:tcPr>
-                </a:tc>
-                <a:extLst>
-                  <a:ext uri="{0D108BD9-81ED-4DB2-BD59-A6C34878D82A}">
-                    <a16:rowId xmlns:a16="http://schemas.microsoft.com/office/drawing/2014/main" val="1836297606"/>
-                  </a:ext>
-                </a:extLst>
-              </a:tr>
-              <a:tr h="1100013">
-                <a:tc>
-                  <a:txBody>
-                    <a:bodyPr/>
-                    <a:lstStyle/>
-                    <a:p>
-                      <a:pPr latinLnBrk="1"/>
-                      <a:endParaRPr lang="ko-KR" altLang="en-US" baseline="0" dirty="0">
-                        <a:ea typeface="나눔고딕" panose="020D0604000000000000" pitchFamily="50" charset="-127"/>
-                      </a:endParaRPr>
-                    </a:p>
-                  </a:txBody>
-                  <a:tcPr marL="180000" marR="72000" marT="180000">
-                    <a:lnR w="12700" cap="flat" cmpd="sng" algn="ctr">
-                      <a:solidFill>
-                        <a:schemeClr val="tx1"/>
-                      </a:solidFill>
-                      <a:prstDash val="solid"/>
-                      <a:round/>
-                      <a:headEnd type="none" w="med" len="med"/>
-                      <a:tailEnd type="none" w="med" len="med"/>
-                    </a:lnR>
-                    <a:solidFill>
-                      <a:schemeClr val="bg1">
-                        <a:lumMod val="95000"/>
-                      </a:schemeClr>
-                    </a:solidFill>
-                  </a:tcPr>
-                </a:tc>
-                <a:tc>
-                  <a:txBody>
-                    <a:bodyPr/>
-                    <a:lstStyle/>
-                    <a:p>
-                      <a:pPr latinLnBrk="1"/>
-                      <a:endParaRPr lang="ko-KR" altLang="en-US" baseline="0" dirty="0">
-                        <a:ea typeface="나눔고딕" panose="020D0604000000000000" pitchFamily="50" charset="-127"/>
-                      </a:endParaRPr>
-                    </a:p>
-                  </a:txBody>
-                  <a:tcPr marL="180000" marR="72000" marT="180000">
-                    <a:lnL w="12700" cap="flat" cmpd="sng" algn="ctr">
-                      <a:solidFill>
-                        <a:schemeClr val="tx1"/>
-                      </a:solidFill>
-                      <a:prstDash val="solid"/>
-                      <a:round/>
-                      <a:headEnd type="none" w="med" len="med"/>
-                      <a:tailEnd type="none" w="med" len="med"/>
-                    </a:lnL>
-                    <a:solidFill>
-                      <a:schemeClr val="bg1">
-                        <a:lumMod val="95000"/>
-                      </a:schemeClr>
-                    </a:solidFill>
-                  </a:tcPr>
-                </a:tc>
-                <a:extLst>
-                  <a:ext uri="{0D108BD9-81ED-4DB2-BD59-A6C34878D82A}">
-                    <a16:rowId xmlns:a16="http://schemas.microsoft.com/office/drawing/2014/main" val="2071471467"/>
-                  </a:ext>
-                </a:extLst>
-              </a:tr>
-              <a:tr h="1100013">
-                <a:tc>
-                  <a:txBody>
-                    <a:bodyPr/>
-                    <a:lstStyle/>
-                    <a:p>
-                      <a:pPr latinLnBrk="1"/>
-                      <a:endParaRPr lang="ko-KR" altLang="en-US" baseline="0" dirty="0">
-                        <a:ea typeface="나눔고딕" panose="020D0604000000000000" pitchFamily="50" charset="-127"/>
-                      </a:endParaRPr>
-                    </a:p>
-                  </a:txBody>
-                  <a:tcPr marL="180000" marR="72000" marT="180000">
-                    <a:lnR w="12700" cap="flat" cmpd="sng" algn="ctr">
-                      <a:solidFill>
-                        <a:schemeClr val="tx1"/>
-                      </a:solidFill>
-                      <a:prstDash val="solid"/>
-                      <a:round/>
-                      <a:headEnd type="none" w="med" len="med"/>
-                      <a:tailEnd type="none" w="med" len="med"/>
-                    </a:lnR>
-                    <a:solidFill>
-                      <a:schemeClr val="bg1">
-                        <a:lumMod val="95000"/>
-                      </a:schemeClr>
-                    </a:solidFill>
-                  </a:tcPr>
-                </a:tc>
-                <a:tc>
-                  <a:txBody>
-                    <a:bodyPr/>
-                    <a:lstStyle/>
-                    <a:p>
-                      <a:pPr latinLnBrk="1"/>
-                      <a:endParaRPr lang="ko-KR" altLang="en-US" baseline="0" dirty="0">
-                        <a:ea typeface="나눔고딕" panose="020D0604000000000000" pitchFamily="50" charset="-127"/>
-                      </a:endParaRPr>
-                    </a:p>
-                  </a:txBody>
-                  <a:tcPr marL="180000" marR="72000" marT="180000">
-                    <a:lnL w="12700" cap="flat" cmpd="sng" algn="ctr">
-                      <a:solidFill>
-                        <a:schemeClr val="tx1"/>
-                      </a:solidFill>
-                      <a:prstDash val="solid"/>
-                      <a:round/>
-                      <a:headEnd type="none" w="med" len="med"/>
-                      <a:tailEnd type="none" w="med" len="med"/>
-                    </a:lnL>
-                    <a:solidFill>
-                      <a:schemeClr val="bg1">
-                        <a:lumMod val="95000"/>
-                      </a:schemeClr>
-                    </a:solidFill>
-                  </a:tcPr>
-                </a:tc>
-                <a:extLst>
-                  <a:ext uri="{0D108BD9-81ED-4DB2-BD59-A6C34878D82A}">
-                    <a16:rowId xmlns:a16="http://schemas.microsoft.com/office/drawing/2014/main" val="3691746584"/>
-                  </a:ext>
-                </a:extLst>
-              </a:tr>
-            </a:tbl>
-          </a:graphicData>
-        </a:graphic>
-      </p:graphicFrame>
-      <p:pic>
-        <p:nvPicPr>
-          <p:cNvPr id="11" name="그림 10"/>
-          <p:cNvPicPr>
-            <a:picLocks noChangeAspect="1"/>
-          </p:cNvPicPr>
-          <p:nvPr/>
-        </p:nvPicPr>
-        <p:blipFill>
-          <a:blip r:embed="rId3"/>
-          <a:stretch>
-            <a:fillRect/>
-          </a:stretch>
-        </p:blipFill>
-        <p:spPr>
-          <a:xfrm>
-            <a:off x="5822303" y="1082352"/>
-            <a:ext cx="3102428" cy="5510912"/>
-          </a:xfrm>
-          <a:prstGeom prst="rect">
-            <a:avLst/>
-          </a:prstGeom>
-        </p:spPr>
-      </p:pic>
-    </p:spTree>
-    <p:extLst>
-      <p:ext uri="{BB962C8B-B14F-4D97-AF65-F5344CB8AC3E}">
-        <p14:creationId xmlns:p14="http://schemas.microsoft.com/office/powerpoint/2010/main" val="1740794531"/>
       </p:ext>
     </p:extLst>
   </p:cSld>
